--- a/linsley_postdoc/presentations/weekly_meetings/1_25_24.pptx
+++ b/linsley_postdoc/presentations/weekly_meetings/1_25_24.pptx
@@ -5,7 +5,7 @@
     <p:sldMasterId id="2147483648" r:id="rId1"/>
   </p:sldMasterIdLst>
   <p:notesMasterIdLst>
-    <p:notesMasterId r:id="rId16"/>
+    <p:notesMasterId r:id="rId15"/>
   </p:notesMasterIdLst>
   <p:sldIdLst>
     <p:sldId id="477" r:id="rId2"/>
@@ -19,9 +19,8 @@
     <p:sldId id="529" r:id="rId10"/>
     <p:sldId id="538" r:id="rId11"/>
     <p:sldId id="539" r:id="rId12"/>
-    <p:sldId id="540" r:id="rId13"/>
-    <p:sldId id="537" r:id="rId14"/>
-    <p:sldId id="519" r:id="rId15"/>
+    <p:sldId id="537" r:id="rId13"/>
+    <p:sldId id="519" r:id="rId14"/>
   </p:sldIdLst>
   <p:sldSz cx="12192000" cy="6858000"/>
   <p:notesSz cx="6858000" cy="9144000"/>
@@ -756,6 +755,18 @@
                 <a:effectLst/>
                 <a:latin typeface="Menlo" panose="020B0609030804020204" pitchFamily="49" charset="0"/>
               </a:rPr>
+              <a:t>myocarditis</a:t>
+            </a:r>
+          </a:p>
+          <a:p>
+            <a:r>
+              <a:rPr lang="en-US" b="0" dirty="0">
+                <a:solidFill>
+                  <a:srgbClr val="CCCCCC"/>
+                </a:solidFill>
+                <a:effectLst/>
+                <a:latin typeface="Menlo" panose="020B0609030804020204" pitchFamily="49" charset="0"/>
+              </a:rPr>
               <a:t># </a:t>
             </a:r>
             <a:r>
@@ -890,6 +901,100 @@
                 <a:latin typeface="Menlo" panose="020B0609030804020204" pitchFamily="49" charset="0"/>
               </a:rPr>
               <a:t># MAITs: 8.52e-12</a:t>
+            </a:r>
+          </a:p>
+          <a:p>
+            <a:endParaRPr lang="en-US" b="0" dirty="0">
+              <a:solidFill>
+                <a:srgbClr val="CCCCCC"/>
+              </a:solidFill>
+              <a:effectLst/>
+              <a:latin typeface="Menlo" panose="020B0609030804020204" pitchFamily="49" charset="0"/>
+            </a:endParaRPr>
+          </a:p>
+          <a:p>
+            <a:r>
+              <a:rPr lang="en-US" b="0" dirty="0">
+                <a:solidFill>
+                  <a:srgbClr val="CCCCCC"/>
+                </a:solidFill>
+                <a:effectLst/>
+                <a:latin typeface="Menlo" panose="020B0609030804020204" pitchFamily="49" charset="0"/>
+              </a:rPr>
+              <a:t>Colitis:</a:t>
+            </a:r>
+          </a:p>
+          <a:p>
+            <a:r>
+              <a:rPr lang="en-US" b="0" dirty="0">
+                <a:solidFill>
+                  <a:srgbClr val="CCCCCC"/>
+                </a:solidFill>
+                <a:effectLst/>
+                <a:latin typeface="Menlo" panose="020B0609030804020204" pitchFamily="49" charset="0"/>
+              </a:rPr>
+              <a:t># cdr3 </a:t>
+            </a:r>
+            <a:r>
+              <a:rPr lang="en-US" b="0" dirty="0" err="1">
+                <a:solidFill>
+                  <a:srgbClr val="CCCCCC"/>
+                </a:solidFill>
+                <a:effectLst/>
+                <a:latin typeface="Menlo" panose="020B0609030804020204" pitchFamily="49" charset="0"/>
+              </a:rPr>
+              <a:t>pgen</a:t>
+            </a:r>
+            <a:r>
+              <a:rPr lang="en-US" b="0" dirty="0">
+                <a:solidFill>
+                  <a:srgbClr val="CCCCCC"/>
+                </a:solidFill>
+                <a:effectLst/>
+                <a:latin typeface="Menlo" panose="020B0609030804020204" pitchFamily="49" charset="0"/>
+              </a:rPr>
+              <a:t> TRA </a:t>
+            </a:r>
+            <a:r>
+              <a:rPr lang="en-US" b="0" dirty="0" err="1">
+                <a:solidFill>
+                  <a:srgbClr val="CCCCCC"/>
+                </a:solidFill>
+                <a:effectLst/>
+                <a:latin typeface="Menlo" panose="020B0609030804020204" pitchFamily="49" charset="0"/>
+              </a:rPr>
+              <a:t>padj</a:t>
+            </a:r>
+            <a:endParaRPr lang="en-US" b="0" dirty="0">
+              <a:solidFill>
+                <a:srgbClr val="CCCCCC"/>
+              </a:solidFill>
+              <a:effectLst/>
+              <a:latin typeface="Menlo" panose="020B0609030804020204" pitchFamily="49" charset="0"/>
+            </a:endParaRPr>
+          </a:p>
+          <a:p>
+            <a:r>
+              <a:rPr lang="en-US" b="0" dirty="0">
+                <a:solidFill>
+                  <a:srgbClr val="CCCCCC"/>
+                </a:solidFill>
+                <a:effectLst/>
+                <a:latin typeface="Menlo" panose="020B0609030804020204" pitchFamily="49" charset="0"/>
+              </a:rPr>
+              <a:t># MAIT: 6.635000e-13</a:t>
+            </a:r>
+          </a:p>
+          <a:p>
+            <a:r>
+              <a:rPr lang="en-US" b="0" dirty="0">
+                <a:solidFill>
+                  <a:srgbClr val="CCCCCC"/>
+                </a:solidFill>
+                <a:effectLst/>
+                <a:latin typeface="Menlo" panose="020B0609030804020204" pitchFamily="49" charset="0"/>
+              </a:rPr>
+              <a:t># cdr3 length # MAIT: 2.3965e-10</a:t>
             </a:r>
           </a:p>
         </p:txBody>
@@ -937,256 +1042,6 @@
 </file>
 
 <file path=ppt/notesSlides/notesSlide12.xml><?xml version="1.0" encoding="utf-8"?>
-<p:notes xmlns:a="http://schemas.openxmlformats.org/drawingml/2006/main" xmlns:r="http://schemas.openxmlformats.org/officeDocument/2006/relationships" xmlns:p="http://schemas.openxmlformats.org/presentationml/2006/main">
-  <p:cSld>
-    <p:spTree>
-      <p:nvGrpSpPr>
-        <p:cNvPr id="1" name="">
-          <a:extLst>
-            <a:ext uri="{FF2B5EF4-FFF2-40B4-BE49-F238E27FC236}">
-              <a16:creationId xmlns:a16="http://schemas.microsoft.com/office/drawing/2014/main" id="{0BEEB9A3-50F8-6FDE-9D9D-D7D22C462B9A}"/>
-            </a:ext>
-          </a:extLst>
-        </p:cNvPr>
-        <p:cNvGrpSpPr/>
-        <p:nvPr/>
-      </p:nvGrpSpPr>
-      <p:grpSpPr>
-        <a:xfrm>
-          <a:off x="0" y="0"/>
-          <a:ext cx="0" cy="0"/>
-          <a:chOff x="0" y="0"/>
-          <a:chExt cx="0" cy="0"/>
-        </a:xfrm>
-      </p:grpSpPr>
-      <p:sp>
-        <p:nvSpPr>
-          <p:cNvPr id="2" name="Slide Image Placeholder 1">
-            <a:extLst>
-              <a:ext uri="{FF2B5EF4-FFF2-40B4-BE49-F238E27FC236}">
-                <a16:creationId xmlns:a16="http://schemas.microsoft.com/office/drawing/2014/main" id="{27839FF5-7F75-0610-3E13-C79D54704374}"/>
-              </a:ext>
-            </a:extLst>
-          </p:cNvPr>
-          <p:cNvSpPr>
-            <a:spLocks noGrp="1" noRot="1" noChangeAspect="1"/>
-          </p:cNvSpPr>
-          <p:nvPr>
-            <p:ph type="sldImg"/>
-          </p:nvPr>
-        </p:nvSpPr>
-        <p:spPr/>
-      </p:sp>
-      <p:sp>
-        <p:nvSpPr>
-          <p:cNvPr id="3" name="Notes Placeholder 2">
-            <a:extLst>
-              <a:ext uri="{FF2B5EF4-FFF2-40B4-BE49-F238E27FC236}">
-                <a16:creationId xmlns:a16="http://schemas.microsoft.com/office/drawing/2014/main" id="{4D9BE822-6C83-1486-1F12-4B93F2F6036B}"/>
-              </a:ext>
-            </a:extLst>
-          </p:cNvPr>
-          <p:cNvSpPr>
-            <a:spLocks noGrp="1"/>
-          </p:cNvSpPr>
-          <p:nvPr>
-            <p:ph type="body" idx="1"/>
-          </p:nvPr>
-        </p:nvSpPr>
-        <p:spPr/>
-        <p:txBody>
-          <a:bodyPr/>
-          <a:lstStyle/>
-          <a:p>
-            <a:r>
-              <a:rPr lang="en-US" b="0" dirty="0">
-                <a:solidFill>
-                  <a:srgbClr val="CCCCCC"/>
-                </a:solidFill>
-                <a:effectLst/>
-                <a:latin typeface="Menlo" panose="020B0609030804020204" pitchFamily="49" charset="0"/>
-              </a:rPr>
-              <a:t># </a:t>
-            </a:r>
-            <a:r>
-              <a:rPr lang="en-US" b="0" dirty="0" err="1">
-                <a:solidFill>
-                  <a:srgbClr val="CCCCCC"/>
-                </a:solidFill>
-                <a:effectLst/>
-                <a:latin typeface="Menlo" panose="020B0609030804020204" pitchFamily="49" charset="0"/>
-              </a:rPr>
-              <a:t>pgen</a:t>
-            </a:r>
-            <a:r>
-              <a:rPr lang="en-US" b="0" dirty="0">
-                <a:solidFill>
-                  <a:srgbClr val="CCCCCC"/>
-                </a:solidFill>
-                <a:effectLst/>
-                <a:latin typeface="Menlo" panose="020B0609030804020204" pitchFamily="49" charset="0"/>
-              </a:rPr>
-              <a:t> (TRA) </a:t>
-            </a:r>
-            <a:r>
-              <a:rPr lang="en-US" b="0" dirty="0" err="1">
-                <a:solidFill>
-                  <a:srgbClr val="CCCCCC"/>
-                </a:solidFill>
-                <a:effectLst/>
-                <a:latin typeface="Menlo" panose="020B0609030804020204" pitchFamily="49" charset="0"/>
-              </a:rPr>
-              <a:t>padj</a:t>
-            </a:r>
-            <a:r>
-              <a:rPr lang="en-US" b="0" dirty="0">
-                <a:solidFill>
-                  <a:srgbClr val="CCCCCC"/>
-                </a:solidFill>
-                <a:effectLst/>
-                <a:latin typeface="Menlo" panose="020B0609030804020204" pitchFamily="49" charset="0"/>
-              </a:rPr>
-              <a:t> </a:t>
-            </a:r>
-            <a:r>
-              <a:rPr lang="en-US" b="0" dirty="0" err="1">
-                <a:solidFill>
-                  <a:srgbClr val="CCCCCC"/>
-                </a:solidFill>
-                <a:effectLst/>
-                <a:latin typeface="Menlo" panose="020B0609030804020204" pitchFamily="49" charset="0"/>
-              </a:rPr>
-              <a:t>vals</a:t>
-            </a:r>
-            <a:endParaRPr lang="en-US" b="0" dirty="0">
-              <a:solidFill>
-                <a:srgbClr val="CCCCCC"/>
-              </a:solidFill>
-              <a:effectLst/>
-              <a:latin typeface="Menlo" panose="020B0609030804020204" pitchFamily="49" charset="0"/>
-            </a:endParaRPr>
-          </a:p>
-          <a:p>
-            <a:r>
-              <a:rPr lang="en-US" b="0" dirty="0">
-                <a:solidFill>
-                  <a:srgbClr val="CCCCCC"/>
-                </a:solidFill>
-                <a:effectLst/>
-                <a:latin typeface="Menlo" panose="020B0609030804020204" pitchFamily="49" charset="0"/>
-              </a:rPr>
-              <a:t># CD4 TEM: 4.85e-3</a:t>
-            </a:r>
-          </a:p>
-          <a:p>
-            <a:r>
-              <a:rPr lang="en-US" b="0" dirty="0">
-                <a:solidFill>
-                  <a:srgbClr val="CCCCCC"/>
-                </a:solidFill>
-                <a:effectLst/>
-                <a:latin typeface="Menlo" panose="020B0609030804020204" pitchFamily="49" charset="0"/>
-              </a:rPr>
-              <a:t># CDR3 length (TRA): </a:t>
-            </a:r>
-            <a:r>
-              <a:rPr lang="en-US" b="0" dirty="0" err="1">
-                <a:solidFill>
-                  <a:srgbClr val="CCCCCC"/>
-                </a:solidFill>
-                <a:effectLst/>
-                <a:latin typeface="Menlo" panose="020B0609030804020204" pitchFamily="49" charset="0"/>
-              </a:rPr>
-              <a:t>padj</a:t>
-            </a:r>
-            <a:r>
-              <a:rPr lang="en-US" b="0" dirty="0">
-                <a:solidFill>
-                  <a:srgbClr val="CCCCCC"/>
-                </a:solidFill>
-                <a:effectLst/>
-                <a:latin typeface="Menlo" panose="020B0609030804020204" pitchFamily="49" charset="0"/>
-              </a:rPr>
-              <a:t> </a:t>
-            </a:r>
-            <a:r>
-              <a:rPr lang="en-US" b="0" dirty="0" err="1">
-                <a:solidFill>
-                  <a:srgbClr val="CCCCCC"/>
-                </a:solidFill>
-                <a:effectLst/>
-                <a:latin typeface="Menlo" panose="020B0609030804020204" pitchFamily="49" charset="0"/>
-              </a:rPr>
-              <a:t>vals</a:t>
-            </a:r>
-            <a:r>
-              <a:rPr lang="en-US" b="0" dirty="0">
-                <a:solidFill>
-                  <a:srgbClr val="CCCCCC"/>
-                </a:solidFill>
-                <a:effectLst/>
-                <a:latin typeface="Menlo" panose="020B0609030804020204" pitchFamily="49" charset="0"/>
-              </a:rPr>
-              <a:t> (adjusted within 5 cell types I tested for this feature for TRA)</a:t>
-            </a:r>
-          </a:p>
-          <a:p>
-            <a:r>
-              <a:rPr lang="en-US" b="0" dirty="0">
-                <a:solidFill>
-                  <a:srgbClr val="CCCCCC"/>
-                </a:solidFill>
-                <a:effectLst/>
-                <a:latin typeface="Menlo" panose="020B0609030804020204" pitchFamily="49" charset="0"/>
-              </a:rPr>
-              <a:t># CD4 TEM: 1.6335e-3</a:t>
-            </a:r>
-          </a:p>
-        </p:txBody>
-      </p:sp>
-      <p:sp>
-        <p:nvSpPr>
-          <p:cNvPr id="4" name="Slide Number Placeholder 3">
-            <a:extLst>
-              <a:ext uri="{FF2B5EF4-FFF2-40B4-BE49-F238E27FC236}">
-                <a16:creationId xmlns:a16="http://schemas.microsoft.com/office/drawing/2014/main" id="{0FA763C7-52A6-B440-602A-BA448EEBAE4D}"/>
-              </a:ext>
-            </a:extLst>
-          </p:cNvPr>
-          <p:cNvSpPr>
-            <a:spLocks noGrp="1"/>
-          </p:cNvSpPr>
-          <p:nvPr>
-            <p:ph type="sldNum" sz="quarter" idx="5"/>
-          </p:nvPr>
-        </p:nvSpPr>
-        <p:spPr/>
-        <p:txBody>
-          <a:bodyPr/>
-          <a:lstStyle/>
-          <a:p>
-            <a:fld id="{061BAA8C-FDC6-D345-B4E0-3B02449209FB}" type="slidenum">
-              <a:rPr lang="en-US" smtClean="0"/>
-              <a:t>12</a:t>
-            </a:fld>
-            <a:endParaRPr lang="en-US"/>
-          </a:p>
-        </p:txBody>
-      </p:sp>
-    </p:spTree>
-    <p:extLst>
-      <p:ext uri="{BB962C8B-B14F-4D97-AF65-F5344CB8AC3E}">
-        <p14:creationId xmlns:p14="http://schemas.microsoft.com/office/powerpoint/2010/main" val="3347068622"/>
-      </p:ext>
-    </p:extLst>
-  </p:cSld>
-  <p:clrMapOvr>
-    <a:masterClrMapping/>
-  </p:clrMapOvr>
-</p:notes>
-</file>
-
-<file path=ppt/notesSlides/notesSlide13.xml><?xml version="1.0" encoding="utf-8"?>
 <p:notes xmlns:a="http://schemas.openxmlformats.org/drawingml/2006/main" xmlns:r="http://schemas.openxmlformats.org/officeDocument/2006/relationships" xmlns:p="http://schemas.openxmlformats.org/presentationml/2006/main">
   <p:cSld>
     <p:spTree>
@@ -1281,7 +1136,7 @@
           <a:p>
             <a:fld id="{061BAA8C-FDC6-D345-B4E0-3B02449209FB}" type="slidenum">
               <a:rPr lang="en-US" smtClean="0"/>
-              <a:t>13</a:t>
+              <a:t>12</a:t>
             </a:fld>
             <a:endParaRPr lang="en-US"/>
           </a:p>
@@ -1300,7 +1155,7 @@
 </p:notes>
 </file>
 
-<file path=ppt/notesSlides/notesSlide14.xml><?xml version="1.0" encoding="utf-8"?>
+<file path=ppt/notesSlides/notesSlide13.xml><?xml version="1.0" encoding="utf-8"?>
 <p:notes xmlns:a="http://schemas.openxmlformats.org/drawingml/2006/main" xmlns:r="http://schemas.openxmlformats.org/officeDocument/2006/relationships" xmlns:p="http://schemas.openxmlformats.org/presentationml/2006/main">
   <p:cSld>
     <p:spTree>
@@ -1371,7 +1226,7 @@
           <a:p>
             <a:fld id="{061BAA8C-FDC6-D345-B4E0-3B02449209FB}" type="slidenum">
               <a:rPr lang="en-US" smtClean="0"/>
-              <a:t>14</a:t>
+              <a:t>13</a:t>
             </a:fld>
             <a:endParaRPr lang="en-US"/>
           </a:p>
@@ -5908,7 +5763,7 @@
           <a:p>
             <a:r>
               <a:rPr lang="en-US" dirty="0"/>
-              <a:t>Myocarditis dataset: MAITs (less abundant in </a:t>
+              <a:t>In both datasets, MAITs (less abundant in </a:t>
             </a:r>
             <a:r>
               <a:rPr lang="en-US" dirty="0" err="1"/>
@@ -5943,8 +5798,8 @@
         </p:blipFill>
         <p:spPr>
           <a:xfrm>
-            <a:off x="5984341" y="2164307"/>
-            <a:ext cx="6164655" cy="3621625"/>
+            <a:off x="7088524" y="2164308"/>
+            <a:ext cx="3892755" cy="2286924"/>
           </a:xfrm>
           <a:prstGeom prst="rect">
             <a:avLst/>
@@ -5973,8 +5828,8 @@
         </p:blipFill>
         <p:spPr>
           <a:xfrm>
-            <a:off x="1" y="2164306"/>
-            <a:ext cx="5939134" cy="3621625"/>
+            <a:off x="1104183" y="2164307"/>
+            <a:ext cx="3750347" cy="2286924"/>
           </a:xfrm>
           <a:prstGeom prst="rect">
             <a:avLst/>
@@ -5983,10 +5838,10 @@
       </p:pic>
       <p:sp>
         <p:nvSpPr>
-          <p:cNvPr id="13" name="TextBox 12">
-            <a:extLst>
-              <a:ext uri="{FF2B5EF4-FFF2-40B4-BE49-F238E27FC236}">
-                <a16:creationId xmlns:a16="http://schemas.microsoft.com/office/drawing/2014/main" id="{83BB2B69-94DC-35DD-B2B2-963C08E5972C}"/>
+          <p:cNvPr id="14" name="TextBox 13">
+            <a:extLst>
+              <a:ext uri="{FF2B5EF4-FFF2-40B4-BE49-F238E27FC236}">
+                <a16:creationId xmlns:a16="http://schemas.microsoft.com/office/drawing/2014/main" id="{6AECA72F-609D-BF32-C4C7-9663472177BB}"/>
               </a:ext>
             </a:extLst>
           </p:cNvPr>
@@ -5995,7 +5850,172 @@
         </p:nvSpPr>
         <p:spPr>
           <a:xfrm>
-            <a:off x="2717345" y="6488668"/>
+            <a:off x="2839075" y="2656934"/>
+            <a:ext cx="646331" cy="369332"/>
+          </a:xfrm>
+          <a:prstGeom prst="rect">
+            <a:avLst/>
+          </a:prstGeom>
+          <a:noFill/>
+        </p:spPr>
+        <p:txBody>
+          <a:bodyPr wrap="none" rtlCol="0">
+            <a:spAutoFit/>
+          </a:bodyPr>
+          <a:lstStyle/>
+          <a:p>
+            <a:r>
+              <a:rPr lang="en-US" dirty="0"/>
+              <a:t>****</a:t>
+            </a:r>
+          </a:p>
+        </p:txBody>
+      </p:sp>
+      <p:sp>
+        <p:nvSpPr>
+          <p:cNvPr id="15" name="TextBox 14">
+            <a:extLst>
+              <a:ext uri="{FF2B5EF4-FFF2-40B4-BE49-F238E27FC236}">
+                <a16:creationId xmlns:a16="http://schemas.microsoft.com/office/drawing/2014/main" id="{E965995E-5D50-F00C-C1AD-3814ECCD5725}"/>
+              </a:ext>
+            </a:extLst>
+          </p:cNvPr>
+          <p:cNvSpPr txBox="1"/>
+          <p:nvPr/>
+        </p:nvSpPr>
+        <p:spPr>
+          <a:xfrm>
+            <a:off x="8926450" y="2656934"/>
+            <a:ext cx="646331" cy="369332"/>
+          </a:xfrm>
+          <a:prstGeom prst="rect">
+            <a:avLst/>
+          </a:prstGeom>
+          <a:noFill/>
+        </p:spPr>
+        <p:txBody>
+          <a:bodyPr wrap="none" rtlCol="0">
+            <a:spAutoFit/>
+          </a:bodyPr>
+          <a:lstStyle/>
+          <a:p>
+            <a:r>
+              <a:rPr lang="en-US" dirty="0"/>
+              <a:t>****</a:t>
+            </a:r>
+          </a:p>
+        </p:txBody>
+      </p:sp>
+      <p:sp>
+        <p:nvSpPr>
+          <p:cNvPr id="3" name="TextBox 2">
+            <a:extLst>
+              <a:ext uri="{FF2B5EF4-FFF2-40B4-BE49-F238E27FC236}">
+                <a16:creationId xmlns:a16="http://schemas.microsoft.com/office/drawing/2014/main" id="{66465532-5A83-BB78-7717-CD185C2E08B4}"/>
+              </a:ext>
+            </a:extLst>
+          </p:cNvPr>
+          <p:cNvSpPr txBox="1"/>
+          <p:nvPr/>
+        </p:nvSpPr>
+        <p:spPr>
+          <a:xfrm>
+            <a:off x="4854530" y="3014920"/>
+            <a:ext cx="2031838" cy="369332"/>
+          </a:xfrm>
+          <a:prstGeom prst="rect">
+            <a:avLst/>
+          </a:prstGeom>
+          <a:noFill/>
+        </p:spPr>
+        <p:txBody>
+          <a:bodyPr wrap="none" rtlCol="0">
+            <a:spAutoFit/>
+          </a:bodyPr>
+          <a:lstStyle/>
+          <a:p>
+            <a:r>
+              <a:rPr lang="en-US" dirty="0"/>
+              <a:t>Myocarditis dataset</a:t>
+            </a:r>
+          </a:p>
+        </p:txBody>
+      </p:sp>
+      <p:pic>
+        <p:nvPicPr>
+          <p:cNvPr id="6" name="Picture 5">
+            <a:extLst>
+              <a:ext uri="{FF2B5EF4-FFF2-40B4-BE49-F238E27FC236}">
+                <a16:creationId xmlns:a16="http://schemas.microsoft.com/office/drawing/2014/main" id="{2D7E530B-9E5E-2B3F-AE88-EDD9299DD2A1}"/>
+              </a:ext>
+            </a:extLst>
+          </p:cNvPr>
+          <p:cNvPicPr>
+            <a:picLocks noChangeAspect="1"/>
+          </p:cNvPicPr>
+          <p:nvPr/>
+        </p:nvPicPr>
+        <p:blipFill>
+          <a:blip r:embed="rId5"/>
+          <a:stretch>
+            <a:fillRect/>
+          </a:stretch>
+        </p:blipFill>
+        <p:spPr>
+          <a:xfrm>
+            <a:off x="1104183" y="4451231"/>
+            <a:ext cx="3750347" cy="2269250"/>
+          </a:xfrm>
+          <a:prstGeom prst="rect">
+            <a:avLst/>
+          </a:prstGeom>
+        </p:spPr>
+      </p:pic>
+      <p:pic>
+        <p:nvPicPr>
+          <p:cNvPr id="9" name="Picture 8">
+            <a:extLst>
+              <a:ext uri="{FF2B5EF4-FFF2-40B4-BE49-F238E27FC236}">
+                <a16:creationId xmlns:a16="http://schemas.microsoft.com/office/drawing/2014/main" id="{ECCF2A1F-A589-F6EF-BFED-6A5C2B3F7EE6}"/>
+              </a:ext>
+            </a:extLst>
+          </p:cNvPr>
+          <p:cNvPicPr>
+            <a:picLocks noChangeAspect="1"/>
+          </p:cNvPicPr>
+          <p:nvPr/>
+        </p:nvPicPr>
+        <p:blipFill>
+          <a:blip r:embed="rId6"/>
+          <a:stretch>
+            <a:fillRect/>
+          </a:stretch>
+        </p:blipFill>
+        <p:spPr>
+          <a:xfrm>
+            <a:off x="7088524" y="4451231"/>
+            <a:ext cx="3579963" cy="2210855"/>
+          </a:xfrm>
+          <a:prstGeom prst="rect">
+            <a:avLst/>
+          </a:prstGeom>
+        </p:spPr>
+      </p:pic>
+      <p:sp>
+        <p:nvSpPr>
+          <p:cNvPr id="13" name="TextBox 12">
+            <a:extLst>
+              <a:ext uri="{FF2B5EF4-FFF2-40B4-BE49-F238E27FC236}">
+                <a16:creationId xmlns:a16="http://schemas.microsoft.com/office/drawing/2014/main" id="{83BB2B69-94DC-35DD-B2B2-963C08E5972C}"/>
+              </a:ext>
+            </a:extLst>
+          </p:cNvPr>
+          <p:cNvSpPr txBox="1"/>
+          <p:nvPr/>
+        </p:nvSpPr>
+        <p:spPr>
+          <a:xfrm>
+            <a:off x="3598626" y="6479509"/>
             <a:ext cx="7382653" cy="369332"/>
           </a:xfrm>
           <a:prstGeom prst="rect">
@@ -6076,10 +6096,10 @@
       </p:sp>
       <p:sp>
         <p:nvSpPr>
-          <p:cNvPr id="14" name="TextBox 13">
-            <a:extLst>
-              <a:ext uri="{FF2B5EF4-FFF2-40B4-BE49-F238E27FC236}">
-                <a16:creationId xmlns:a16="http://schemas.microsoft.com/office/drawing/2014/main" id="{6AECA72F-609D-BF32-C4C7-9663472177BB}"/>
+          <p:cNvPr id="10" name="TextBox 9">
+            <a:extLst>
+              <a:ext uri="{FF2B5EF4-FFF2-40B4-BE49-F238E27FC236}">
+                <a16:creationId xmlns:a16="http://schemas.microsoft.com/office/drawing/2014/main" id="{8E134D2A-7BE4-B076-5C79-E3F1DB16642A}"/>
               </a:ext>
             </a:extLst>
           </p:cNvPr>
@@ -6088,7 +6108,7 @@
         </p:nvSpPr>
         <p:spPr>
           <a:xfrm>
-            <a:off x="2882205" y="2329132"/>
+            <a:off x="2758562" y="4922690"/>
             <a:ext cx="646331" cy="369332"/>
           </a:xfrm>
           <a:prstGeom prst="rect">
@@ -6111,10 +6131,10 @@
       </p:sp>
       <p:sp>
         <p:nvSpPr>
-          <p:cNvPr id="15" name="TextBox 14">
-            <a:extLst>
-              <a:ext uri="{FF2B5EF4-FFF2-40B4-BE49-F238E27FC236}">
-                <a16:creationId xmlns:a16="http://schemas.microsoft.com/office/drawing/2014/main" id="{E965995E-5D50-F00C-C1AD-3814ECCD5725}"/>
+          <p:cNvPr id="12" name="TextBox 11">
+            <a:extLst>
+              <a:ext uri="{FF2B5EF4-FFF2-40B4-BE49-F238E27FC236}">
+                <a16:creationId xmlns:a16="http://schemas.microsoft.com/office/drawing/2014/main" id="{E186D4C3-19AA-6D63-54E3-6B01C2CA25B9}"/>
               </a:ext>
             </a:extLst>
           </p:cNvPr>
@@ -6123,7 +6143,7 @@
         </p:nvSpPr>
         <p:spPr>
           <a:xfrm>
-            <a:off x="9081722" y="2329132"/>
+            <a:off x="8845937" y="4922690"/>
             <a:ext cx="646331" cy="369332"/>
           </a:xfrm>
           <a:prstGeom prst="rect">
@@ -6140,6 +6160,41 @@
             <a:r>
               <a:rPr lang="en-US" dirty="0"/>
               <a:t>****</a:t>
+            </a:r>
+          </a:p>
+        </p:txBody>
+      </p:sp>
+      <p:sp>
+        <p:nvSpPr>
+          <p:cNvPr id="16" name="TextBox 15">
+            <a:extLst>
+              <a:ext uri="{FF2B5EF4-FFF2-40B4-BE49-F238E27FC236}">
+                <a16:creationId xmlns:a16="http://schemas.microsoft.com/office/drawing/2014/main" id="{D9A540A9-F87A-1363-F9DC-7D957B7A12F3}"/>
+              </a:ext>
+            </a:extLst>
+          </p:cNvPr>
+          <p:cNvSpPr txBox="1"/>
+          <p:nvPr/>
+        </p:nvSpPr>
+        <p:spPr>
+          <a:xfrm>
+            <a:off x="5160208" y="5218548"/>
+            <a:ext cx="1504194" cy="369332"/>
+          </a:xfrm>
+          <a:prstGeom prst="rect">
+            <a:avLst/>
+          </a:prstGeom>
+          <a:noFill/>
+        </p:spPr>
+        <p:txBody>
+          <a:bodyPr wrap="none" rtlCol="0">
+            <a:spAutoFit/>
+          </a:bodyPr>
+          <a:lstStyle/>
+          <a:p>
+            <a:r>
+              <a:rPr lang="en-US" dirty="0"/>
+              <a:t>Colitis dataset</a:t>
             </a:r>
           </a:p>
         </p:txBody>
@@ -6158,312 +6213,6 @@
 </file>
 
 <file path=ppt/slides/slide12.xml><?xml version="1.0" encoding="utf-8"?>
-<p:sld xmlns:a="http://schemas.openxmlformats.org/drawingml/2006/main" xmlns:r="http://schemas.openxmlformats.org/officeDocument/2006/relationships" xmlns:p="http://schemas.openxmlformats.org/presentationml/2006/main">
-  <p:cSld>
-    <p:spTree>
-      <p:nvGrpSpPr>
-        <p:cNvPr id="1" name="">
-          <a:extLst>
-            <a:ext uri="{FF2B5EF4-FFF2-40B4-BE49-F238E27FC236}">
-              <a16:creationId xmlns:a16="http://schemas.microsoft.com/office/drawing/2014/main" id="{F7E19950-3191-BE08-C2CE-72E62F792442}"/>
-            </a:ext>
-          </a:extLst>
-        </p:cNvPr>
-        <p:cNvGrpSpPr/>
-        <p:nvPr/>
-      </p:nvGrpSpPr>
-      <p:grpSpPr>
-        <a:xfrm>
-          <a:off x="0" y="0"/>
-          <a:ext cx="0" cy="0"/>
-          <a:chOff x="0" y="0"/>
-          <a:chExt cx="0" cy="0"/>
-        </a:xfrm>
-      </p:grpSpPr>
-      <p:sp>
-        <p:nvSpPr>
-          <p:cNvPr id="2" name="Title 1">
-            <a:extLst>
-              <a:ext uri="{FF2B5EF4-FFF2-40B4-BE49-F238E27FC236}">
-                <a16:creationId xmlns:a16="http://schemas.microsoft.com/office/drawing/2014/main" id="{E36ECF4A-66F3-B00E-EE23-C52E9CBBC1F9}"/>
-              </a:ext>
-            </a:extLst>
-          </p:cNvPr>
-          <p:cNvSpPr>
-            <a:spLocks noGrp="1"/>
-          </p:cNvSpPr>
-          <p:nvPr>
-            <p:ph type="title"/>
-          </p:nvPr>
-        </p:nvSpPr>
-        <p:spPr>
-          <a:xfrm>
-            <a:off x="838200" y="593725"/>
-            <a:ext cx="10515600" cy="1325563"/>
-          </a:xfrm>
-        </p:spPr>
-        <p:txBody>
-          <a:bodyPr>
-            <a:normAutofit fontScale="90000"/>
-          </a:bodyPr>
-          <a:lstStyle/>
-          <a:p>
-            <a:r>
-              <a:rPr lang="en-US"/>
-              <a:t>Myocarditis </a:t>
-            </a:r>
-            <a:r>
-              <a:rPr lang="en-US" dirty="0"/>
-              <a:t>dataset: CD4 TEMs (less abundant in </a:t>
-            </a:r>
-            <a:r>
-              <a:rPr lang="en-US" dirty="0" err="1"/>
-              <a:t>irAE</a:t>
-            </a:r>
-            <a:r>
-              <a:rPr lang="en-US" dirty="0"/>
-              <a:t> colitis tissue) have shorter TRA CDR3s and more germline-like TRA chains vs. other cell types</a:t>
-            </a:r>
-          </a:p>
-        </p:txBody>
-      </p:sp>
-      <p:pic>
-        <p:nvPicPr>
-          <p:cNvPr id="3" name="Picture 2">
-            <a:extLst>
-              <a:ext uri="{FF2B5EF4-FFF2-40B4-BE49-F238E27FC236}">
-                <a16:creationId xmlns:a16="http://schemas.microsoft.com/office/drawing/2014/main" id="{12E8DA99-3AB6-6725-9683-685B05D0A97E}"/>
-              </a:ext>
-            </a:extLst>
-          </p:cNvPr>
-          <p:cNvPicPr>
-            <a:picLocks noChangeAspect="1"/>
-          </p:cNvPicPr>
-          <p:nvPr/>
-        </p:nvPicPr>
-        <p:blipFill>
-          <a:blip r:embed="rId3"/>
-          <a:stretch>
-            <a:fillRect/>
-          </a:stretch>
-        </p:blipFill>
-        <p:spPr>
-          <a:xfrm>
-            <a:off x="6186535" y="2111418"/>
-            <a:ext cx="5859377" cy="3518993"/>
-          </a:xfrm>
-          <a:prstGeom prst="rect">
-            <a:avLst/>
-          </a:prstGeom>
-        </p:spPr>
-      </p:pic>
-      <p:pic>
-        <p:nvPicPr>
-          <p:cNvPr id="4" name="Picture 3">
-            <a:extLst>
-              <a:ext uri="{FF2B5EF4-FFF2-40B4-BE49-F238E27FC236}">
-                <a16:creationId xmlns:a16="http://schemas.microsoft.com/office/drawing/2014/main" id="{33EC8ED5-344C-AB19-03AF-3D0DC2F5BBD1}"/>
-              </a:ext>
-            </a:extLst>
-          </p:cNvPr>
-          <p:cNvPicPr>
-            <a:picLocks noChangeAspect="1"/>
-          </p:cNvPicPr>
-          <p:nvPr/>
-        </p:nvPicPr>
-        <p:blipFill>
-          <a:blip r:embed="rId4"/>
-          <a:stretch>
-            <a:fillRect/>
-          </a:stretch>
-        </p:blipFill>
-        <p:spPr>
-          <a:xfrm>
-            <a:off x="90535" y="2119765"/>
-            <a:ext cx="5859377" cy="3510646"/>
-          </a:xfrm>
-          <a:prstGeom prst="rect">
-            <a:avLst/>
-          </a:prstGeom>
-        </p:spPr>
-      </p:pic>
-      <p:sp>
-        <p:nvSpPr>
-          <p:cNvPr id="7" name="TextBox 6">
-            <a:extLst>
-              <a:ext uri="{FF2B5EF4-FFF2-40B4-BE49-F238E27FC236}">
-                <a16:creationId xmlns:a16="http://schemas.microsoft.com/office/drawing/2014/main" id="{D6FF6E64-79B4-2EC1-C03F-53D2EFDD1AFD}"/>
-              </a:ext>
-            </a:extLst>
-          </p:cNvPr>
-          <p:cNvSpPr txBox="1"/>
-          <p:nvPr/>
-        </p:nvSpPr>
-        <p:spPr>
-          <a:xfrm>
-            <a:off x="3037475" y="2329132"/>
-            <a:ext cx="415498" cy="369332"/>
-          </a:xfrm>
-          <a:prstGeom prst="rect">
-            <a:avLst/>
-          </a:prstGeom>
-          <a:noFill/>
-        </p:spPr>
-        <p:txBody>
-          <a:bodyPr wrap="none" rtlCol="0">
-            <a:spAutoFit/>
-          </a:bodyPr>
-          <a:lstStyle/>
-          <a:p>
-            <a:r>
-              <a:rPr lang="en-US" dirty="0"/>
-              <a:t>**</a:t>
-            </a:r>
-          </a:p>
-        </p:txBody>
-      </p:sp>
-      <p:sp>
-        <p:nvSpPr>
-          <p:cNvPr id="8" name="TextBox 7">
-            <a:extLst>
-              <a:ext uri="{FF2B5EF4-FFF2-40B4-BE49-F238E27FC236}">
-                <a16:creationId xmlns:a16="http://schemas.microsoft.com/office/drawing/2014/main" id="{0F12B1BA-722B-A5C6-9F99-C5010BBD80B9}"/>
-              </a:ext>
-            </a:extLst>
-          </p:cNvPr>
-          <p:cNvSpPr txBox="1"/>
-          <p:nvPr/>
-        </p:nvSpPr>
-        <p:spPr>
-          <a:xfrm>
-            <a:off x="9236992" y="2329132"/>
-            <a:ext cx="415498" cy="369332"/>
-          </a:xfrm>
-          <a:prstGeom prst="rect">
-            <a:avLst/>
-          </a:prstGeom>
-          <a:noFill/>
-        </p:spPr>
-        <p:txBody>
-          <a:bodyPr wrap="none" rtlCol="0">
-            <a:spAutoFit/>
-          </a:bodyPr>
-          <a:lstStyle/>
-          <a:p>
-            <a:r>
-              <a:rPr lang="en-US" dirty="0"/>
-              <a:t>**</a:t>
-            </a:r>
-          </a:p>
-        </p:txBody>
-      </p:sp>
-      <p:sp>
-        <p:nvSpPr>
-          <p:cNvPr id="11" name="TextBox 10">
-            <a:extLst>
-              <a:ext uri="{FF2B5EF4-FFF2-40B4-BE49-F238E27FC236}">
-                <a16:creationId xmlns:a16="http://schemas.microsoft.com/office/drawing/2014/main" id="{EFB7F415-E751-3415-547F-EF5F6D507C9E}"/>
-              </a:ext>
-            </a:extLst>
-          </p:cNvPr>
-          <p:cNvSpPr txBox="1"/>
-          <p:nvPr/>
-        </p:nvSpPr>
-        <p:spPr>
-          <a:xfrm>
-            <a:off x="2717345" y="6488668"/>
-            <a:ext cx="7382653" cy="369332"/>
-          </a:xfrm>
-          <a:prstGeom prst="rect">
-            <a:avLst/>
-          </a:prstGeom>
-          <a:noFill/>
-        </p:spPr>
-        <p:txBody>
-          <a:bodyPr wrap="square" rtlCol="0">
-            <a:spAutoFit/>
-          </a:bodyPr>
-          <a:lstStyle/>
-          <a:p>
-            <a:r>
-              <a:rPr lang="en-US" sz="1800" dirty="0">
-                <a:effectLst/>
-                <a:ea typeface="Calibri" panose="020F0502020204030204" pitchFamily="34" charset="0"/>
-                <a:cs typeface="Times New Roman" panose="02020603050405020304" pitchFamily="18" charset="0"/>
-              </a:rPr>
-              <a:t>Wilcox rank sum test: ****; </a:t>
-            </a:r>
-            <a:r>
-              <a:rPr lang="en-US" sz="1800" dirty="0" err="1">
-                <a:effectLst/>
-                <a:ea typeface="Calibri" panose="020F0502020204030204" pitchFamily="34" charset="0"/>
-                <a:cs typeface="Times New Roman" panose="02020603050405020304" pitchFamily="18" charset="0"/>
-              </a:rPr>
-              <a:t>padj</a:t>
-            </a:r>
-            <a:r>
-              <a:rPr lang="en-US" sz="1800" dirty="0">
-                <a:effectLst/>
-                <a:ea typeface="Calibri" panose="020F0502020204030204" pitchFamily="34" charset="0"/>
-                <a:cs typeface="Times New Roman" panose="02020603050405020304" pitchFamily="18" charset="0"/>
-              </a:rPr>
-              <a:t> &lt; 1e-4, **; </a:t>
-            </a:r>
-            <a:r>
-              <a:rPr lang="en-US" sz="1800" dirty="0" err="1">
-                <a:effectLst/>
-                <a:ea typeface="Calibri" panose="020F0502020204030204" pitchFamily="34" charset="0"/>
-                <a:cs typeface="Times New Roman" panose="02020603050405020304" pitchFamily="18" charset="0"/>
-              </a:rPr>
-              <a:t>padj</a:t>
-            </a:r>
-            <a:r>
-              <a:rPr lang="en-US" sz="1800" dirty="0">
-                <a:effectLst/>
-                <a:ea typeface="Calibri" panose="020F0502020204030204" pitchFamily="34" charset="0"/>
-                <a:cs typeface="Times New Roman" panose="02020603050405020304" pitchFamily="18" charset="0"/>
-              </a:rPr>
-              <a:t> &lt;1e-2, *; </a:t>
-            </a:r>
-            <a:r>
-              <a:rPr lang="en-US" sz="1800" dirty="0" err="1">
-                <a:effectLst/>
-                <a:ea typeface="Calibri" panose="020F0502020204030204" pitchFamily="34" charset="0"/>
-                <a:cs typeface="Times New Roman" panose="02020603050405020304" pitchFamily="18" charset="0"/>
-              </a:rPr>
-              <a:t>padj</a:t>
-            </a:r>
-            <a:r>
-              <a:rPr lang="en-US" sz="1800" dirty="0">
-                <a:effectLst/>
-                <a:ea typeface="Calibri" panose="020F0502020204030204" pitchFamily="34" charset="0"/>
-                <a:cs typeface="Times New Roman" panose="02020603050405020304" pitchFamily="18" charset="0"/>
-              </a:rPr>
-              <a:t> &lt;0.05</a:t>
-            </a:r>
-            <a:endParaRPr lang="en-US" sz="1800" b="0" i="0" u="none" strike="noStrike" dirty="0">
-              <a:solidFill>
-                <a:srgbClr val="212121"/>
-              </a:solidFill>
-              <a:effectLst/>
-            </a:endParaRPr>
-          </a:p>
-        </p:txBody>
-      </p:sp>
-    </p:spTree>
-    <p:extLst>
-      <p:ext uri="{BB962C8B-B14F-4D97-AF65-F5344CB8AC3E}">
-        <p14:creationId xmlns:p14="http://schemas.microsoft.com/office/powerpoint/2010/main" val="3139615767"/>
-      </p:ext>
-    </p:extLst>
-  </p:cSld>
-  <p:clrMapOvr>
-    <a:masterClrMapping/>
-  </p:clrMapOvr>
-</p:sld>
-</file>
-
-<file path=ppt/slides/slide13.xml><?xml version="1.0" encoding="utf-8"?>
 <p:sld xmlns:a="http://schemas.openxmlformats.org/drawingml/2006/main" xmlns:r="http://schemas.openxmlformats.org/officeDocument/2006/relationships" xmlns:p="http://schemas.openxmlformats.org/presentationml/2006/main">
   <p:cSld>
     <p:spTree>
@@ -6566,7 +6315,7 @@
 </p:sld>
 </file>
 
-<file path=ppt/slides/slide14.xml><?xml version="1.0" encoding="utf-8"?>
+<file path=ppt/slides/slide13.xml><?xml version="1.0" encoding="utf-8"?>
 <p:sld xmlns:a="http://schemas.openxmlformats.org/drawingml/2006/main" xmlns:r="http://schemas.openxmlformats.org/officeDocument/2006/relationships" xmlns:p="http://schemas.openxmlformats.org/presentationml/2006/main">
   <p:cSld>
     <p:spTree>

--- a/linsley_postdoc/presentations/weekly_meetings/1_25_24.pptx
+++ b/linsley_postdoc/presentations/weekly_meetings/1_25_24.pptx
@@ -5,22 +5,25 @@
     <p:sldMasterId id="2147483648" r:id="rId1"/>
   </p:sldMasterIdLst>
   <p:notesMasterIdLst>
-    <p:notesMasterId r:id="rId15"/>
+    <p:notesMasterId r:id="rId18"/>
   </p:notesMasterIdLst>
   <p:sldIdLst>
     <p:sldId id="477" r:id="rId2"/>
     <p:sldId id="499" r:id="rId3"/>
-    <p:sldId id="530" r:id="rId4"/>
-    <p:sldId id="532" r:id="rId5"/>
-    <p:sldId id="535" r:id="rId6"/>
-    <p:sldId id="536" r:id="rId7"/>
-    <p:sldId id="533" r:id="rId8"/>
-    <p:sldId id="534" r:id="rId9"/>
-    <p:sldId id="529" r:id="rId10"/>
-    <p:sldId id="538" r:id="rId11"/>
-    <p:sldId id="539" r:id="rId12"/>
-    <p:sldId id="537" r:id="rId13"/>
-    <p:sldId id="519" r:id="rId14"/>
+    <p:sldId id="541" r:id="rId4"/>
+    <p:sldId id="542" r:id="rId5"/>
+    <p:sldId id="530" r:id="rId6"/>
+    <p:sldId id="532" r:id="rId7"/>
+    <p:sldId id="535" r:id="rId8"/>
+    <p:sldId id="536" r:id="rId9"/>
+    <p:sldId id="533" r:id="rId10"/>
+    <p:sldId id="534" r:id="rId11"/>
+    <p:sldId id="529" r:id="rId12"/>
+    <p:sldId id="538" r:id="rId13"/>
+    <p:sldId id="540" r:id="rId14"/>
+    <p:sldId id="539" r:id="rId15"/>
+    <p:sldId id="537" r:id="rId16"/>
+    <p:sldId id="519" r:id="rId17"/>
   </p:sldIdLst>
   <p:sldSz cx="12192000" cy="6858000"/>
   <p:notesSz cx="6858000" cy="9144000"/>
@@ -220,7 +223,7 @@
           <a:p>
             <a:fld id="{E933A773-0DCE-3544-BB67-D5FA58DF903C}" type="datetimeFigureOut">
               <a:rPr lang="en-US" smtClean="0"/>
-              <a:t>1/21/24</a:t>
+              <a:t>1/22/24</a:t>
             </a:fld>
             <a:endParaRPr lang="en-US"/>
           </a:p>
@@ -579,6 +582,210 @@
         <p:cNvPr id="1" name="">
           <a:extLst>
             <a:ext uri="{FF2B5EF4-FFF2-40B4-BE49-F238E27FC236}">
+              <a16:creationId xmlns:a16="http://schemas.microsoft.com/office/drawing/2014/main" id="{4E429921-7A74-6158-7ECC-33DE84F98AD9}"/>
+            </a:ext>
+          </a:extLst>
+        </p:cNvPr>
+        <p:cNvGrpSpPr/>
+        <p:nvPr/>
+      </p:nvGrpSpPr>
+      <p:grpSpPr>
+        <a:xfrm>
+          <a:off x="0" y="0"/>
+          <a:ext cx="0" cy="0"/>
+          <a:chOff x="0" y="0"/>
+          <a:chExt cx="0" cy="0"/>
+        </a:xfrm>
+      </p:grpSpPr>
+      <p:sp>
+        <p:nvSpPr>
+          <p:cNvPr id="2" name="Slide Image Placeholder 1">
+            <a:extLst>
+              <a:ext uri="{FF2B5EF4-FFF2-40B4-BE49-F238E27FC236}">
+                <a16:creationId xmlns:a16="http://schemas.microsoft.com/office/drawing/2014/main" id="{E507F9A5-A025-E06B-B53B-F515B64C1A7A}"/>
+              </a:ext>
+            </a:extLst>
+          </p:cNvPr>
+          <p:cNvSpPr>
+            <a:spLocks noGrp="1" noRot="1" noChangeAspect="1"/>
+          </p:cNvSpPr>
+          <p:nvPr>
+            <p:ph type="sldImg"/>
+          </p:nvPr>
+        </p:nvSpPr>
+        <p:spPr/>
+      </p:sp>
+      <p:sp>
+        <p:nvSpPr>
+          <p:cNvPr id="3" name="Notes Placeholder 2">
+            <a:extLst>
+              <a:ext uri="{FF2B5EF4-FFF2-40B4-BE49-F238E27FC236}">
+                <a16:creationId xmlns:a16="http://schemas.microsoft.com/office/drawing/2014/main" id="{85A522B1-4D4E-3B80-726F-1BB52DB76BA5}"/>
+              </a:ext>
+            </a:extLst>
+          </p:cNvPr>
+          <p:cNvSpPr>
+            <a:spLocks noGrp="1"/>
+          </p:cNvSpPr>
+          <p:nvPr>
+            <p:ph type="body" idx="1"/>
+          </p:nvPr>
+        </p:nvSpPr>
+        <p:spPr/>
+        <p:txBody>
+          <a:bodyPr/>
+          <a:lstStyle/>
+          <a:p>
+            <a:endParaRPr lang="en-US" b="0" dirty="0">
+              <a:solidFill>
+                <a:srgbClr val="CCCCCC"/>
+              </a:solidFill>
+              <a:effectLst/>
+              <a:latin typeface="Menlo" panose="020B0609030804020204" pitchFamily="49" charset="0"/>
+            </a:endParaRPr>
+          </a:p>
+        </p:txBody>
+      </p:sp>
+      <p:sp>
+        <p:nvSpPr>
+          <p:cNvPr id="4" name="Slide Number Placeholder 3">
+            <a:extLst>
+              <a:ext uri="{FF2B5EF4-FFF2-40B4-BE49-F238E27FC236}">
+                <a16:creationId xmlns:a16="http://schemas.microsoft.com/office/drawing/2014/main" id="{65E6186C-27C9-79AC-CC9A-1836A37097C0}"/>
+              </a:ext>
+            </a:extLst>
+          </p:cNvPr>
+          <p:cNvSpPr>
+            <a:spLocks noGrp="1"/>
+          </p:cNvSpPr>
+          <p:nvPr>
+            <p:ph type="sldNum" sz="quarter" idx="5"/>
+          </p:nvPr>
+        </p:nvSpPr>
+        <p:spPr/>
+        <p:txBody>
+          <a:bodyPr/>
+          <a:lstStyle/>
+          <a:p>
+            <a:fld id="{061BAA8C-FDC6-D345-B4E0-3B02449209FB}" type="slidenum">
+              <a:rPr lang="en-US" smtClean="0"/>
+              <a:t>10</a:t>
+            </a:fld>
+            <a:endParaRPr lang="en-US"/>
+          </a:p>
+        </p:txBody>
+      </p:sp>
+    </p:spTree>
+    <p:extLst>
+      <p:ext uri="{BB962C8B-B14F-4D97-AF65-F5344CB8AC3E}">
+        <p14:creationId xmlns:p14="http://schemas.microsoft.com/office/powerpoint/2010/main" val="2698159661"/>
+      </p:ext>
+    </p:extLst>
+  </p:cSld>
+  <p:clrMapOvr>
+    <a:masterClrMapping/>
+  </p:clrMapOvr>
+</p:notes>
+</file>
+
+<file path=ppt/notesSlides/notesSlide11.xml><?xml version="1.0" encoding="utf-8"?>
+<p:notes xmlns:a="http://schemas.openxmlformats.org/drawingml/2006/main" xmlns:r="http://schemas.openxmlformats.org/officeDocument/2006/relationships" xmlns:p="http://schemas.openxmlformats.org/presentationml/2006/main">
+  <p:cSld>
+    <p:spTree>
+      <p:nvGrpSpPr>
+        <p:cNvPr id="1" name=""/>
+        <p:cNvGrpSpPr/>
+        <p:nvPr/>
+      </p:nvGrpSpPr>
+      <p:grpSpPr>
+        <a:xfrm>
+          <a:off x="0" y="0"/>
+          <a:ext cx="0" cy="0"/>
+          <a:chOff x="0" y="0"/>
+          <a:chExt cx="0" cy="0"/>
+        </a:xfrm>
+      </p:grpSpPr>
+      <p:sp>
+        <p:nvSpPr>
+          <p:cNvPr id="2" name="Slide Image Placeholder 1"/>
+          <p:cNvSpPr>
+            <a:spLocks noGrp="1" noRot="1" noChangeAspect="1"/>
+          </p:cNvSpPr>
+          <p:nvPr>
+            <p:ph type="sldImg"/>
+          </p:nvPr>
+        </p:nvSpPr>
+        <p:spPr/>
+      </p:sp>
+      <p:sp>
+        <p:nvSpPr>
+          <p:cNvPr id="3" name="Notes Placeholder 2"/>
+          <p:cNvSpPr>
+            <a:spLocks noGrp="1"/>
+          </p:cNvSpPr>
+          <p:nvPr>
+            <p:ph type="body" idx="1"/>
+          </p:nvPr>
+        </p:nvSpPr>
+        <p:spPr/>
+        <p:txBody>
+          <a:bodyPr/>
+          <a:lstStyle/>
+          <a:p>
+            <a:endParaRPr lang="en-US" b="0" dirty="0">
+              <a:solidFill>
+                <a:srgbClr val="CCCCCC"/>
+              </a:solidFill>
+              <a:effectLst/>
+              <a:latin typeface="Menlo" panose="020B0609030804020204" pitchFamily="49" charset="0"/>
+            </a:endParaRPr>
+          </a:p>
+        </p:txBody>
+      </p:sp>
+      <p:sp>
+        <p:nvSpPr>
+          <p:cNvPr id="4" name="Slide Number Placeholder 3"/>
+          <p:cNvSpPr>
+            <a:spLocks noGrp="1"/>
+          </p:cNvSpPr>
+          <p:nvPr>
+            <p:ph type="sldNum" sz="quarter" idx="5"/>
+          </p:nvPr>
+        </p:nvSpPr>
+        <p:spPr/>
+        <p:txBody>
+          <a:bodyPr/>
+          <a:lstStyle/>
+          <a:p>
+            <a:fld id="{061BAA8C-FDC6-D345-B4E0-3B02449209FB}" type="slidenum">
+              <a:rPr lang="en-US" smtClean="0"/>
+              <a:t>11</a:t>
+            </a:fld>
+            <a:endParaRPr lang="en-US"/>
+          </a:p>
+        </p:txBody>
+      </p:sp>
+    </p:spTree>
+    <p:extLst>
+      <p:ext uri="{BB962C8B-B14F-4D97-AF65-F5344CB8AC3E}">
+        <p14:creationId xmlns:p14="http://schemas.microsoft.com/office/powerpoint/2010/main" val="3106864386"/>
+      </p:ext>
+    </p:extLst>
+  </p:cSld>
+  <p:clrMapOvr>
+    <a:masterClrMapping/>
+  </p:clrMapOvr>
+</p:notes>
+</file>
+
+<file path=ppt/notesSlides/notesSlide12.xml><?xml version="1.0" encoding="utf-8"?>
+<p:notes xmlns:a="http://schemas.openxmlformats.org/drawingml/2006/main" xmlns:r="http://schemas.openxmlformats.org/officeDocument/2006/relationships" xmlns:p="http://schemas.openxmlformats.org/presentationml/2006/main">
+  <p:cSld>
+    <p:spTree>
+      <p:nvGrpSpPr>
+        <p:cNvPr id="1" name="">
+          <a:extLst>
+            <a:ext uri="{FF2B5EF4-FFF2-40B4-BE49-F238E27FC236}">
               <a16:creationId xmlns:a16="http://schemas.microsoft.com/office/drawing/2014/main" id="{645B49EF-AE08-2875-9C07-04644D92A256}"/>
             </a:ext>
           </a:extLst>
@@ -666,7 +873,7 @@
           <a:p>
             <a:fld id="{061BAA8C-FDC6-D345-B4E0-3B02449209FB}" type="slidenum">
               <a:rPr lang="en-US" smtClean="0"/>
-              <a:t>10</a:t>
+              <a:t>12</a:t>
             </a:fld>
             <a:endParaRPr lang="en-US"/>
           </a:p>
@@ -685,7 +892,7 @@
 </p:notes>
 </file>
 
-<file path=ppt/notesSlides/notesSlide11.xml><?xml version="1.0" encoding="utf-8"?>
+<file path=ppt/notesSlides/notesSlide13.xml><?xml version="1.0" encoding="utf-8"?>
 <p:notes xmlns:a="http://schemas.openxmlformats.org/drawingml/2006/main" xmlns:r="http://schemas.openxmlformats.org/officeDocument/2006/relationships" xmlns:p="http://schemas.openxmlformats.org/presentationml/2006/main">
   <p:cSld>
     <p:spTree>
@@ -693,7 +900,7 @@
         <p:cNvPr id="1" name="">
           <a:extLst>
             <a:ext uri="{FF2B5EF4-FFF2-40B4-BE49-F238E27FC236}">
-              <a16:creationId xmlns:a16="http://schemas.microsoft.com/office/drawing/2014/main" id="{236A693A-023A-B6B0-0FBE-6A5888D4E501}"/>
+              <a16:creationId xmlns:a16="http://schemas.microsoft.com/office/drawing/2014/main" id="{5479F03D-88D1-6672-3367-01E173D65C22}"/>
             </a:ext>
           </a:extLst>
         </p:cNvPr>
@@ -713,7 +920,7 @@
           <p:cNvPr id="2" name="Slide Image Placeholder 1">
             <a:extLst>
               <a:ext uri="{FF2B5EF4-FFF2-40B4-BE49-F238E27FC236}">
-                <a16:creationId xmlns:a16="http://schemas.microsoft.com/office/drawing/2014/main" id="{05B58CDE-D096-21BB-4E25-FAEA8AF703CD}"/>
+                <a16:creationId xmlns:a16="http://schemas.microsoft.com/office/drawing/2014/main" id="{D003FC5C-7B69-02FA-B5E5-9FF85CDE8669}"/>
               </a:ext>
             </a:extLst>
           </p:cNvPr>
@@ -731,7 +938,7 @@
           <p:cNvPr id="3" name="Notes Placeholder 2">
             <a:extLst>
               <a:ext uri="{FF2B5EF4-FFF2-40B4-BE49-F238E27FC236}">
-                <a16:creationId xmlns:a16="http://schemas.microsoft.com/office/drawing/2014/main" id="{C5CDD220-0A8E-87EE-F5A0-074F243AB9E6}"/>
+                <a16:creationId xmlns:a16="http://schemas.microsoft.com/office/drawing/2014/main" id="{FDCD0096-888C-3606-F29C-D201948AFAED}"/>
               </a:ext>
             </a:extLst>
           </p:cNvPr>
@@ -747,78 +954,6 @@
           <a:bodyPr/>
           <a:lstStyle/>
           <a:p>
-            <a:r>
-              <a:rPr lang="en-US" b="0" dirty="0">
-                <a:solidFill>
-                  <a:srgbClr val="CCCCCC"/>
-                </a:solidFill>
-                <a:effectLst/>
-                <a:latin typeface="Menlo" panose="020B0609030804020204" pitchFamily="49" charset="0"/>
-              </a:rPr>
-              <a:t>myocarditis</a:t>
-            </a:r>
-          </a:p>
-          <a:p>
-            <a:r>
-              <a:rPr lang="en-US" b="0" dirty="0">
-                <a:solidFill>
-                  <a:srgbClr val="CCCCCC"/>
-                </a:solidFill>
-                <a:effectLst/>
-                <a:latin typeface="Menlo" panose="020B0609030804020204" pitchFamily="49" charset="0"/>
-              </a:rPr>
-              <a:t># </a:t>
-            </a:r>
-            <a:r>
-              <a:rPr lang="en-US" b="0" dirty="0" err="1">
-                <a:solidFill>
-                  <a:srgbClr val="CCCCCC"/>
-                </a:solidFill>
-                <a:effectLst/>
-                <a:latin typeface="Menlo" panose="020B0609030804020204" pitchFamily="49" charset="0"/>
-              </a:rPr>
-              <a:t>pgen</a:t>
-            </a:r>
-            <a:r>
-              <a:rPr lang="en-US" b="0" dirty="0">
-                <a:solidFill>
-                  <a:srgbClr val="CCCCCC"/>
-                </a:solidFill>
-                <a:effectLst/>
-                <a:latin typeface="Menlo" panose="020B0609030804020204" pitchFamily="49" charset="0"/>
-              </a:rPr>
-              <a:t> (TRA) </a:t>
-            </a:r>
-            <a:r>
-              <a:rPr lang="en-US" b="0" dirty="0" err="1">
-                <a:solidFill>
-                  <a:srgbClr val="CCCCCC"/>
-                </a:solidFill>
-                <a:effectLst/>
-                <a:latin typeface="Menlo" panose="020B0609030804020204" pitchFamily="49" charset="0"/>
-              </a:rPr>
-              <a:t>padj</a:t>
-            </a:r>
-            <a:r>
-              <a:rPr lang="en-US" b="0" dirty="0">
-                <a:solidFill>
-                  <a:srgbClr val="CCCCCC"/>
-                </a:solidFill>
-                <a:effectLst/>
-                <a:latin typeface="Menlo" panose="020B0609030804020204" pitchFamily="49" charset="0"/>
-              </a:rPr>
-              <a:t> </a:t>
-            </a:r>
-            <a:r>
-              <a:rPr lang="en-US" b="0" dirty="0" err="1">
-                <a:solidFill>
-                  <a:srgbClr val="CCCCCC"/>
-                </a:solidFill>
-                <a:effectLst/>
-                <a:latin typeface="Menlo" panose="020B0609030804020204" pitchFamily="49" charset="0"/>
-              </a:rPr>
-              <a:t>vals</a:t>
-            </a:r>
             <a:endParaRPr lang="en-US" b="0" dirty="0">
               <a:solidFill>
                 <a:srgbClr val="CCCCCC"/>
@@ -827,176 +962,6 @@
               <a:latin typeface="Menlo" panose="020B0609030804020204" pitchFamily="49" charset="0"/>
             </a:endParaRPr>
           </a:p>
-          <a:p>
-            <a:r>
-              <a:rPr lang="en-US" b="0" dirty="0">
-                <a:solidFill>
-                  <a:srgbClr val="CCCCCC"/>
-                </a:solidFill>
-                <a:effectLst/>
-                <a:latin typeface="Menlo" panose="020B0609030804020204" pitchFamily="49" charset="0"/>
-              </a:rPr>
-              <a:t># MAITs: 1.485e-13</a:t>
-            </a:r>
-          </a:p>
-          <a:p>
-            <a:r>
-              <a:rPr lang="en-US" b="0" dirty="0">
-                <a:solidFill>
-                  <a:srgbClr val="CCCCCC"/>
-                </a:solidFill>
-                <a:effectLst/>
-                <a:latin typeface="Menlo" panose="020B0609030804020204" pitchFamily="49" charset="0"/>
-              </a:rPr>
-              <a:t># CDR3 length (TRA): </a:t>
-            </a:r>
-            <a:r>
-              <a:rPr lang="en-US" b="0" dirty="0" err="1">
-                <a:solidFill>
-                  <a:srgbClr val="CCCCCC"/>
-                </a:solidFill>
-                <a:effectLst/>
-                <a:latin typeface="Menlo" panose="020B0609030804020204" pitchFamily="49" charset="0"/>
-              </a:rPr>
-              <a:t>padj</a:t>
-            </a:r>
-            <a:r>
-              <a:rPr lang="en-US" b="0" dirty="0">
-                <a:solidFill>
-                  <a:srgbClr val="CCCCCC"/>
-                </a:solidFill>
-                <a:effectLst/>
-                <a:latin typeface="Menlo" panose="020B0609030804020204" pitchFamily="49" charset="0"/>
-              </a:rPr>
-              <a:t> </a:t>
-            </a:r>
-            <a:r>
-              <a:rPr lang="en-US" b="0" dirty="0" err="1">
-                <a:solidFill>
-                  <a:srgbClr val="CCCCCC"/>
-                </a:solidFill>
-                <a:effectLst/>
-                <a:latin typeface="Menlo" panose="020B0609030804020204" pitchFamily="49" charset="0"/>
-              </a:rPr>
-              <a:t>vals</a:t>
-            </a:r>
-            <a:r>
-              <a:rPr lang="en-US" b="0" dirty="0">
-                <a:solidFill>
-                  <a:srgbClr val="CCCCCC"/>
-                </a:solidFill>
-                <a:effectLst/>
-                <a:latin typeface="Menlo" panose="020B0609030804020204" pitchFamily="49" charset="0"/>
-              </a:rPr>
-              <a:t> (adjusted within 5 cell types I tested for this feature for TRA)</a:t>
-            </a:r>
-          </a:p>
-          <a:p>
-            <a:r>
-              <a:rPr lang="en-US" b="0" dirty="0">
-                <a:solidFill>
-                  <a:srgbClr val="CCCCCC"/>
-                </a:solidFill>
-                <a:effectLst/>
-                <a:latin typeface="Menlo" panose="020B0609030804020204" pitchFamily="49" charset="0"/>
-              </a:rPr>
-              <a:t># MAITs: 8.52e-12</a:t>
-            </a:r>
-          </a:p>
-          <a:p>
-            <a:endParaRPr lang="en-US" b="0" dirty="0">
-              <a:solidFill>
-                <a:srgbClr val="CCCCCC"/>
-              </a:solidFill>
-              <a:effectLst/>
-              <a:latin typeface="Menlo" panose="020B0609030804020204" pitchFamily="49" charset="0"/>
-            </a:endParaRPr>
-          </a:p>
-          <a:p>
-            <a:r>
-              <a:rPr lang="en-US" b="0" dirty="0">
-                <a:solidFill>
-                  <a:srgbClr val="CCCCCC"/>
-                </a:solidFill>
-                <a:effectLst/>
-                <a:latin typeface="Menlo" panose="020B0609030804020204" pitchFamily="49" charset="0"/>
-              </a:rPr>
-              <a:t>Colitis:</a:t>
-            </a:r>
-          </a:p>
-          <a:p>
-            <a:r>
-              <a:rPr lang="en-US" b="0" dirty="0">
-                <a:solidFill>
-                  <a:srgbClr val="CCCCCC"/>
-                </a:solidFill>
-                <a:effectLst/>
-                <a:latin typeface="Menlo" panose="020B0609030804020204" pitchFamily="49" charset="0"/>
-              </a:rPr>
-              <a:t># cdr3 </a:t>
-            </a:r>
-            <a:r>
-              <a:rPr lang="en-US" b="0" dirty="0" err="1">
-                <a:solidFill>
-                  <a:srgbClr val="CCCCCC"/>
-                </a:solidFill>
-                <a:effectLst/>
-                <a:latin typeface="Menlo" panose="020B0609030804020204" pitchFamily="49" charset="0"/>
-              </a:rPr>
-              <a:t>pgen</a:t>
-            </a:r>
-            <a:r>
-              <a:rPr lang="en-US" b="0" dirty="0">
-                <a:solidFill>
-                  <a:srgbClr val="CCCCCC"/>
-                </a:solidFill>
-                <a:effectLst/>
-                <a:latin typeface="Menlo" panose="020B0609030804020204" pitchFamily="49" charset="0"/>
-              </a:rPr>
-              <a:t> TRA </a:t>
-            </a:r>
-            <a:r>
-              <a:rPr lang="en-US" b="0" dirty="0" err="1">
-                <a:solidFill>
-                  <a:srgbClr val="CCCCCC"/>
-                </a:solidFill>
-                <a:effectLst/>
-                <a:latin typeface="Menlo" panose="020B0609030804020204" pitchFamily="49" charset="0"/>
-              </a:rPr>
-              <a:t>padj</a:t>
-            </a:r>
-            <a:endParaRPr lang="en-US" b="0" dirty="0">
-              <a:solidFill>
-                <a:srgbClr val="CCCCCC"/>
-              </a:solidFill>
-              <a:effectLst/>
-              <a:latin typeface="Menlo" panose="020B0609030804020204" pitchFamily="49" charset="0"/>
-            </a:endParaRPr>
-          </a:p>
-          <a:p>
-            <a:r>
-              <a:rPr lang="en-US" b="0" dirty="0">
-                <a:solidFill>
-                  <a:srgbClr val="CCCCCC"/>
-                </a:solidFill>
-                <a:effectLst/>
-                <a:latin typeface="Menlo" panose="020B0609030804020204" pitchFamily="49" charset="0"/>
-              </a:rPr>
-              <a:t># MAIT: 6.635000e-13</a:t>
-            </a:r>
-          </a:p>
-          <a:p>
-            <a:r>
-              <a:rPr lang="en-US" b="0" dirty="0">
-                <a:solidFill>
-                  <a:srgbClr val="CCCCCC"/>
-                </a:solidFill>
-                <a:effectLst/>
-                <a:latin typeface="Menlo" panose="020B0609030804020204" pitchFamily="49" charset="0"/>
-              </a:rPr>
-              <a:t># cdr3 length # MAIT: 2.3965e-10</a:t>
-            </a:r>
-          </a:p>
         </p:txBody>
       </p:sp>
       <p:sp>
@@ -1004,7 +969,7 @@
           <p:cNvPr id="4" name="Slide Number Placeholder 3">
             <a:extLst>
               <a:ext uri="{FF2B5EF4-FFF2-40B4-BE49-F238E27FC236}">
-                <a16:creationId xmlns:a16="http://schemas.microsoft.com/office/drawing/2014/main" id="{2AD66CF5-F2B1-06FB-96AD-4398DF3301A8}"/>
+                <a16:creationId xmlns:a16="http://schemas.microsoft.com/office/drawing/2014/main" id="{42E83176-4C37-EBC8-E2BA-669238AC470D}"/>
               </a:ext>
             </a:extLst>
           </p:cNvPr>
@@ -1022,7 +987,7 @@
           <a:p>
             <a:fld id="{061BAA8C-FDC6-D345-B4E0-3B02449209FB}" type="slidenum">
               <a:rPr lang="en-US" smtClean="0"/>
-              <a:t>11</a:t>
+              <a:t>13</a:t>
             </a:fld>
             <a:endParaRPr lang="en-US"/>
           </a:p>
@@ -1031,7 +996,7 @@
     </p:spTree>
     <p:extLst>
       <p:ext uri="{BB962C8B-B14F-4D97-AF65-F5344CB8AC3E}">
-        <p14:creationId xmlns:p14="http://schemas.microsoft.com/office/powerpoint/2010/main" val="2334004386"/>
+        <p14:creationId xmlns:p14="http://schemas.microsoft.com/office/powerpoint/2010/main" val="3553991036"/>
       </p:ext>
     </p:extLst>
   </p:cSld>
@@ -1041,7 +1006,363 @@
 </p:notes>
 </file>
 
-<file path=ppt/notesSlides/notesSlide12.xml><?xml version="1.0" encoding="utf-8"?>
+<file path=ppt/notesSlides/notesSlide14.xml><?xml version="1.0" encoding="utf-8"?>
+<p:notes xmlns:a="http://schemas.openxmlformats.org/drawingml/2006/main" xmlns:r="http://schemas.openxmlformats.org/officeDocument/2006/relationships" xmlns:p="http://schemas.openxmlformats.org/presentationml/2006/main">
+  <p:cSld>
+    <p:spTree>
+      <p:nvGrpSpPr>
+        <p:cNvPr id="1" name="">
+          <a:extLst>
+            <a:ext uri="{FF2B5EF4-FFF2-40B4-BE49-F238E27FC236}">
+              <a16:creationId xmlns:a16="http://schemas.microsoft.com/office/drawing/2014/main" id="{1844330A-7FF1-364A-CF25-240A05B4A98D}"/>
+            </a:ext>
+          </a:extLst>
+        </p:cNvPr>
+        <p:cNvGrpSpPr/>
+        <p:nvPr/>
+      </p:nvGrpSpPr>
+      <p:grpSpPr>
+        <a:xfrm>
+          <a:off x="0" y="0"/>
+          <a:ext cx="0" cy="0"/>
+          <a:chOff x="0" y="0"/>
+          <a:chExt cx="0" cy="0"/>
+        </a:xfrm>
+      </p:grpSpPr>
+      <p:sp>
+        <p:nvSpPr>
+          <p:cNvPr id="2" name="Slide Image Placeholder 1">
+            <a:extLst>
+              <a:ext uri="{FF2B5EF4-FFF2-40B4-BE49-F238E27FC236}">
+                <a16:creationId xmlns:a16="http://schemas.microsoft.com/office/drawing/2014/main" id="{064066E4-68C0-CEDF-6D0F-FBC7648661AD}"/>
+              </a:ext>
+            </a:extLst>
+          </p:cNvPr>
+          <p:cNvSpPr>
+            <a:spLocks noGrp="1" noRot="1" noChangeAspect="1"/>
+          </p:cNvSpPr>
+          <p:nvPr>
+            <p:ph type="sldImg"/>
+          </p:nvPr>
+        </p:nvSpPr>
+        <p:spPr/>
+      </p:sp>
+      <p:sp>
+        <p:nvSpPr>
+          <p:cNvPr id="3" name="Notes Placeholder 2">
+            <a:extLst>
+              <a:ext uri="{FF2B5EF4-FFF2-40B4-BE49-F238E27FC236}">
+                <a16:creationId xmlns:a16="http://schemas.microsoft.com/office/drawing/2014/main" id="{5530CA1E-01C4-2029-7474-697A898CBB41}"/>
+              </a:ext>
+            </a:extLst>
+          </p:cNvPr>
+          <p:cNvSpPr>
+            <a:spLocks noGrp="1"/>
+          </p:cNvSpPr>
+          <p:nvPr>
+            <p:ph type="body" idx="1"/>
+          </p:nvPr>
+        </p:nvSpPr>
+        <p:spPr/>
+        <p:txBody>
+          <a:bodyPr/>
+          <a:lstStyle/>
+          <a:p>
+            <a:r>
+              <a:rPr lang="en-US" b="0" dirty="0">
+                <a:solidFill>
+                  <a:srgbClr val="CCCCCC"/>
+                </a:solidFill>
+                <a:effectLst/>
+                <a:latin typeface="Menlo" panose="020B0609030804020204" pitchFamily="49" charset="0"/>
+              </a:rPr>
+              <a:t>myocarditis</a:t>
+            </a:r>
+          </a:p>
+          <a:p>
+            <a:r>
+              <a:rPr lang="en-US" b="0" dirty="0">
+                <a:solidFill>
+                  <a:srgbClr val="CCCCCC"/>
+                </a:solidFill>
+                <a:effectLst/>
+                <a:latin typeface="Menlo" panose="020B0609030804020204" pitchFamily="49" charset="0"/>
+              </a:rPr>
+              <a:t># </a:t>
+            </a:r>
+            <a:r>
+              <a:rPr lang="en-US" b="0" dirty="0" err="1">
+                <a:solidFill>
+                  <a:srgbClr val="CCCCCC"/>
+                </a:solidFill>
+                <a:effectLst/>
+                <a:latin typeface="Menlo" panose="020B0609030804020204" pitchFamily="49" charset="0"/>
+              </a:rPr>
+              <a:t>pgen</a:t>
+            </a:r>
+            <a:r>
+              <a:rPr lang="en-US" b="0" dirty="0">
+                <a:solidFill>
+                  <a:srgbClr val="CCCCCC"/>
+                </a:solidFill>
+                <a:effectLst/>
+                <a:latin typeface="Menlo" panose="020B0609030804020204" pitchFamily="49" charset="0"/>
+              </a:rPr>
+              <a:t> (TRA) </a:t>
+            </a:r>
+            <a:r>
+              <a:rPr lang="en-US" b="0" dirty="0" err="1">
+                <a:solidFill>
+                  <a:srgbClr val="CCCCCC"/>
+                </a:solidFill>
+                <a:effectLst/>
+                <a:latin typeface="Menlo" panose="020B0609030804020204" pitchFamily="49" charset="0"/>
+              </a:rPr>
+              <a:t>padj</a:t>
+            </a:r>
+            <a:r>
+              <a:rPr lang="en-US" b="0" dirty="0">
+                <a:solidFill>
+                  <a:srgbClr val="CCCCCC"/>
+                </a:solidFill>
+                <a:effectLst/>
+                <a:latin typeface="Menlo" panose="020B0609030804020204" pitchFamily="49" charset="0"/>
+              </a:rPr>
+              <a:t> </a:t>
+            </a:r>
+            <a:r>
+              <a:rPr lang="en-US" b="0" dirty="0" err="1">
+                <a:solidFill>
+                  <a:srgbClr val="CCCCCC"/>
+                </a:solidFill>
+                <a:effectLst/>
+                <a:latin typeface="Menlo" panose="020B0609030804020204" pitchFamily="49" charset="0"/>
+              </a:rPr>
+              <a:t>vals</a:t>
+            </a:r>
+            <a:endParaRPr lang="en-US" b="0" dirty="0">
+              <a:solidFill>
+                <a:srgbClr val="CCCCCC"/>
+              </a:solidFill>
+              <a:effectLst/>
+              <a:latin typeface="Menlo" panose="020B0609030804020204" pitchFamily="49" charset="0"/>
+            </a:endParaRPr>
+          </a:p>
+          <a:p>
+            <a:r>
+              <a:rPr lang="en-US" b="0" dirty="0">
+                <a:solidFill>
+                  <a:srgbClr val="CCCCCC"/>
+                </a:solidFill>
+                <a:effectLst/>
+                <a:latin typeface="Menlo" panose="020B0609030804020204" pitchFamily="49" charset="0"/>
+              </a:rPr>
+              <a:t># MAITs: 1.485e-13</a:t>
+            </a:r>
+          </a:p>
+          <a:p>
+            <a:r>
+              <a:rPr lang="en-US" b="0" dirty="0">
+                <a:solidFill>
+                  <a:srgbClr val="CCCCCC"/>
+                </a:solidFill>
+                <a:effectLst/>
+                <a:latin typeface="Menlo" panose="020B0609030804020204" pitchFamily="49" charset="0"/>
+              </a:rPr>
+              <a:t># CDR3 length (TRA): </a:t>
+            </a:r>
+            <a:r>
+              <a:rPr lang="en-US" b="0" dirty="0" err="1">
+                <a:solidFill>
+                  <a:srgbClr val="CCCCCC"/>
+                </a:solidFill>
+                <a:effectLst/>
+                <a:latin typeface="Menlo" panose="020B0609030804020204" pitchFamily="49" charset="0"/>
+              </a:rPr>
+              <a:t>padj</a:t>
+            </a:r>
+            <a:r>
+              <a:rPr lang="en-US" b="0" dirty="0">
+                <a:solidFill>
+                  <a:srgbClr val="CCCCCC"/>
+                </a:solidFill>
+                <a:effectLst/>
+                <a:latin typeface="Menlo" panose="020B0609030804020204" pitchFamily="49" charset="0"/>
+              </a:rPr>
+              <a:t> </a:t>
+            </a:r>
+            <a:r>
+              <a:rPr lang="en-US" b="0" dirty="0" err="1">
+                <a:solidFill>
+                  <a:srgbClr val="CCCCCC"/>
+                </a:solidFill>
+                <a:effectLst/>
+                <a:latin typeface="Menlo" panose="020B0609030804020204" pitchFamily="49" charset="0"/>
+              </a:rPr>
+              <a:t>vals</a:t>
+            </a:r>
+            <a:r>
+              <a:rPr lang="en-US" b="0" dirty="0">
+                <a:solidFill>
+                  <a:srgbClr val="CCCCCC"/>
+                </a:solidFill>
+                <a:effectLst/>
+                <a:latin typeface="Menlo" panose="020B0609030804020204" pitchFamily="49" charset="0"/>
+              </a:rPr>
+              <a:t> (adjusted within 5 cell types I tested for this feature for TRA)</a:t>
+            </a:r>
+          </a:p>
+          <a:p>
+            <a:r>
+              <a:rPr lang="en-US" b="0" dirty="0">
+                <a:solidFill>
+                  <a:srgbClr val="CCCCCC"/>
+                </a:solidFill>
+                <a:effectLst/>
+                <a:latin typeface="Menlo" panose="020B0609030804020204" pitchFamily="49" charset="0"/>
+              </a:rPr>
+              <a:t># MAITs: 8.52e-12</a:t>
+            </a:r>
+          </a:p>
+          <a:p>
+            <a:endParaRPr lang="en-US" b="0" dirty="0">
+              <a:solidFill>
+                <a:srgbClr val="CCCCCC"/>
+              </a:solidFill>
+              <a:effectLst/>
+              <a:latin typeface="Menlo" panose="020B0609030804020204" pitchFamily="49" charset="0"/>
+            </a:endParaRPr>
+          </a:p>
+          <a:p>
+            <a:r>
+              <a:rPr lang="en-US" b="0" dirty="0">
+                <a:solidFill>
+                  <a:srgbClr val="CCCCCC"/>
+                </a:solidFill>
+                <a:effectLst/>
+                <a:latin typeface="Menlo" panose="020B0609030804020204" pitchFamily="49" charset="0"/>
+              </a:rPr>
+              <a:t>Colitis:</a:t>
+            </a:r>
+          </a:p>
+          <a:p>
+            <a:r>
+              <a:rPr lang="en-US" b="0" dirty="0">
+                <a:solidFill>
+                  <a:srgbClr val="CCCCCC"/>
+                </a:solidFill>
+                <a:effectLst/>
+                <a:latin typeface="Menlo" panose="020B0609030804020204" pitchFamily="49" charset="0"/>
+              </a:rPr>
+              <a:t># cdr3 </a:t>
+            </a:r>
+            <a:r>
+              <a:rPr lang="en-US" b="0" dirty="0" err="1">
+                <a:solidFill>
+                  <a:srgbClr val="CCCCCC"/>
+                </a:solidFill>
+                <a:effectLst/>
+                <a:latin typeface="Menlo" panose="020B0609030804020204" pitchFamily="49" charset="0"/>
+              </a:rPr>
+              <a:t>pgen</a:t>
+            </a:r>
+            <a:r>
+              <a:rPr lang="en-US" b="0" dirty="0">
+                <a:solidFill>
+                  <a:srgbClr val="CCCCCC"/>
+                </a:solidFill>
+                <a:effectLst/>
+                <a:latin typeface="Menlo" panose="020B0609030804020204" pitchFamily="49" charset="0"/>
+              </a:rPr>
+              <a:t> TRA </a:t>
+            </a:r>
+            <a:r>
+              <a:rPr lang="en-US" b="0" dirty="0" err="1">
+                <a:solidFill>
+                  <a:srgbClr val="CCCCCC"/>
+                </a:solidFill>
+                <a:effectLst/>
+                <a:latin typeface="Menlo" panose="020B0609030804020204" pitchFamily="49" charset="0"/>
+              </a:rPr>
+              <a:t>padj</a:t>
+            </a:r>
+            <a:endParaRPr lang="en-US" b="0" dirty="0">
+              <a:solidFill>
+                <a:srgbClr val="CCCCCC"/>
+              </a:solidFill>
+              <a:effectLst/>
+              <a:latin typeface="Menlo" panose="020B0609030804020204" pitchFamily="49" charset="0"/>
+            </a:endParaRPr>
+          </a:p>
+          <a:p>
+            <a:r>
+              <a:rPr lang="en-US" b="0" dirty="0">
+                <a:solidFill>
+                  <a:srgbClr val="CCCCCC"/>
+                </a:solidFill>
+                <a:effectLst/>
+                <a:latin typeface="Menlo" panose="020B0609030804020204" pitchFamily="49" charset="0"/>
+              </a:rPr>
+              <a:t># MAIT: 6.635000e-13</a:t>
+            </a:r>
+          </a:p>
+          <a:p>
+            <a:r>
+              <a:rPr lang="en-US" b="0" dirty="0">
+                <a:solidFill>
+                  <a:srgbClr val="CCCCCC"/>
+                </a:solidFill>
+                <a:effectLst/>
+                <a:latin typeface="Menlo" panose="020B0609030804020204" pitchFamily="49" charset="0"/>
+              </a:rPr>
+              <a:t># cdr3 length # MAIT: 2.3965e-10</a:t>
+            </a:r>
+          </a:p>
+        </p:txBody>
+      </p:sp>
+      <p:sp>
+        <p:nvSpPr>
+          <p:cNvPr id="4" name="Slide Number Placeholder 3">
+            <a:extLst>
+              <a:ext uri="{FF2B5EF4-FFF2-40B4-BE49-F238E27FC236}">
+                <a16:creationId xmlns:a16="http://schemas.microsoft.com/office/drawing/2014/main" id="{3D9AD248-AA76-7147-3679-2FB3FFDAD259}"/>
+              </a:ext>
+            </a:extLst>
+          </p:cNvPr>
+          <p:cNvSpPr>
+            <a:spLocks noGrp="1"/>
+          </p:cNvSpPr>
+          <p:nvPr>
+            <p:ph type="sldNum" sz="quarter" idx="5"/>
+          </p:nvPr>
+        </p:nvSpPr>
+        <p:spPr/>
+        <p:txBody>
+          <a:bodyPr/>
+          <a:lstStyle/>
+          <a:p>
+            <a:fld id="{061BAA8C-FDC6-D345-B4E0-3B02449209FB}" type="slidenum">
+              <a:rPr lang="en-US" smtClean="0"/>
+              <a:t>14</a:t>
+            </a:fld>
+            <a:endParaRPr lang="en-US"/>
+          </a:p>
+        </p:txBody>
+      </p:sp>
+    </p:spTree>
+    <p:extLst>
+      <p:ext uri="{BB962C8B-B14F-4D97-AF65-F5344CB8AC3E}">
+        <p14:creationId xmlns:p14="http://schemas.microsoft.com/office/powerpoint/2010/main" val="3203978592"/>
+      </p:ext>
+    </p:extLst>
+  </p:cSld>
+  <p:clrMapOvr>
+    <a:masterClrMapping/>
+  </p:clrMapOvr>
+</p:notes>
+</file>
+
+<file path=ppt/notesSlides/notesSlide15.xml><?xml version="1.0" encoding="utf-8"?>
 <p:notes xmlns:a="http://schemas.openxmlformats.org/drawingml/2006/main" xmlns:r="http://schemas.openxmlformats.org/officeDocument/2006/relationships" xmlns:p="http://schemas.openxmlformats.org/presentationml/2006/main">
   <p:cSld>
     <p:spTree>
@@ -1136,7 +1457,7 @@
           <a:p>
             <a:fld id="{061BAA8C-FDC6-D345-B4E0-3B02449209FB}" type="slidenum">
               <a:rPr lang="en-US" smtClean="0"/>
-              <a:t>12</a:t>
+              <a:t>15</a:t>
             </a:fld>
             <a:endParaRPr lang="en-US"/>
           </a:p>
@@ -1155,7 +1476,7 @@
 </p:notes>
 </file>
 
-<file path=ppt/notesSlides/notesSlide13.xml><?xml version="1.0" encoding="utf-8"?>
+<file path=ppt/notesSlides/notesSlide16.xml><?xml version="1.0" encoding="utf-8"?>
 <p:notes xmlns:a="http://schemas.openxmlformats.org/drawingml/2006/main" xmlns:r="http://schemas.openxmlformats.org/officeDocument/2006/relationships" xmlns:p="http://schemas.openxmlformats.org/presentationml/2006/main">
   <p:cSld>
     <p:spTree>
@@ -1226,7 +1547,7 @@
           <a:p>
             <a:fld id="{061BAA8C-FDC6-D345-B4E0-3B02449209FB}" type="slidenum">
               <a:rPr lang="en-US" smtClean="0"/>
-              <a:t>13</a:t>
+              <a:t>16</a:t>
             </a:fld>
             <a:endParaRPr lang="en-US"/>
           </a:p>
@@ -1343,6 +1664,260 @@
         <p:cNvPr id="1" name="">
           <a:extLst>
             <a:ext uri="{FF2B5EF4-FFF2-40B4-BE49-F238E27FC236}">
+              <a16:creationId xmlns:a16="http://schemas.microsoft.com/office/drawing/2014/main" id="{B882F89D-17FD-0FC5-19CB-182B6EB09CA1}"/>
+            </a:ext>
+          </a:extLst>
+        </p:cNvPr>
+        <p:cNvGrpSpPr/>
+        <p:nvPr/>
+      </p:nvGrpSpPr>
+      <p:grpSpPr>
+        <a:xfrm>
+          <a:off x="0" y="0"/>
+          <a:ext cx="0" cy="0"/>
+          <a:chOff x="0" y="0"/>
+          <a:chExt cx="0" cy="0"/>
+        </a:xfrm>
+      </p:grpSpPr>
+      <p:sp>
+        <p:nvSpPr>
+          <p:cNvPr id="2" name="Slide Image Placeholder 1">
+            <a:extLst>
+              <a:ext uri="{FF2B5EF4-FFF2-40B4-BE49-F238E27FC236}">
+                <a16:creationId xmlns:a16="http://schemas.microsoft.com/office/drawing/2014/main" id="{FD9275CE-80C1-7E2D-D835-C8047F6B7D4B}"/>
+              </a:ext>
+            </a:extLst>
+          </p:cNvPr>
+          <p:cNvSpPr>
+            <a:spLocks noGrp="1" noRot="1" noChangeAspect="1"/>
+          </p:cNvSpPr>
+          <p:nvPr>
+            <p:ph type="sldImg"/>
+          </p:nvPr>
+        </p:nvSpPr>
+        <p:spPr/>
+      </p:sp>
+      <p:sp>
+        <p:nvSpPr>
+          <p:cNvPr id="3" name="Notes Placeholder 2">
+            <a:extLst>
+              <a:ext uri="{FF2B5EF4-FFF2-40B4-BE49-F238E27FC236}">
+                <a16:creationId xmlns:a16="http://schemas.microsoft.com/office/drawing/2014/main" id="{6461B3C5-2A2A-F6A4-550B-953E4981A099}"/>
+              </a:ext>
+            </a:extLst>
+          </p:cNvPr>
+          <p:cNvSpPr>
+            <a:spLocks noGrp="1"/>
+          </p:cNvSpPr>
+          <p:nvPr>
+            <p:ph type="body" idx="1"/>
+          </p:nvPr>
+        </p:nvSpPr>
+        <p:spPr/>
+        <p:txBody>
+          <a:bodyPr/>
+          <a:lstStyle/>
+          <a:p>
+            <a:r>
+              <a:rPr lang="en-US" b="0" dirty="0">
+                <a:solidFill>
+                  <a:srgbClr val="CCCCCC"/>
+                </a:solidFill>
+                <a:effectLst/>
+                <a:latin typeface="Menlo" panose="020B0609030804020204" pitchFamily="49" charset="0"/>
+              </a:rPr>
+              <a:t>CD4 </a:t>
+            </a:r>
+            <a:r>
+              <a:rPr lang="en-US" b="0" dirty="0" err="1">
+                <a:solidFill>
+                  <a:srgbClr val="CCCCCC"/>
+                </a:solidFill>
+                <a:effectLst/>
+                <a:latin typeface="Menlo" panose="020B0609030804020204" pitchFamily="49" charset="0"/>
+              </a:rPr>
+              <a:t>Trm</a:t>
+            </a:r>
+            <a:r>
+              <a:rPr lang="en-US" b="0" dirty="0">
+                <a:solidFill>
+                  <a:srgbClr val="CCCCCC"/>
+                </a:solidFill>
+                <a:effectLst/>
+                <a:latin typeface="Menlo" panose="020B0609030804020204" pitchFamily="49" charset="0"/>
+              </a:rPr>
+              <a:t>: 0.004662 (not adjusted but looks significant still guessing even with adjustment)</a:t>
+            </a:r>
+          </a:p>
+        </p:txBody>
+      </p:sp>
+      <p:sp>
+        <p:nvSpPr>
+          <p:cNvPr id="4" name="Slide Number Placeholder 3">
+            <a:extLst>
+              <a:ext uri="{FF2B5EF4-FFF2-40B4-BE49-F238E27FC236}">
+                <a16:creationId xmlns:a16="http://schemas.microsoft.com/office/drawing/2014/main" id="{DEB067F9-0FD1-7604-516A-DED1947EEAD0}"/>
+              </a:ext>
+            </a:extLst>
+          </p:cNvPr>
+          <p:cNvSpPr>
+            <a:spLocks noGrp="1"/>
+          </p:cNvSpPr>
+          <p:nvPr>
+            <p:ph type="sldNum" sz="quarter" idx="5"/>
+          </p:nvPr>
+        </p:nvSpPr>
+        <p:spPr/>
+        <p:txBody>
+          <a:bodyPr/>
+          <a:lstStyle/>
+          <a:p>
+            <a:fld id="{061BAA8C-FDC6-D345-B4E0-3B02449209FB}" type="slidenum">
+              <a:rPr lang="en-US" smtClean="0"/>
+              <a:t>3</a:t>
+            </a:fld>
+            <a:endParaRPr lang="en-US"/>
+          </a:p>
+        </p:txBody>
+      </p:sp>
+    </p:spTree>
+    <p:extLst>
+      <p:ext uri="{BB962C8B-B14F-4D97-AF65-F5344CB8AC3E}">
+        <p14:creationId xmlns:p14="http://schemas.microsoft.com/office/powerpoint/2010/main" val="1611229424"/>
+      </p:ext>
+    </p:extLst>
+  </p:cSld>
+  <p:clrMapOvr>
+    <a:masterClrMapping/>
+  </p:clrMapOvr>
+</p:notes>
+</file>
+
+<file path=ppt/notesSlides/notesSlide4.xml><?xml version="1.0" encoding="utf-8"?>
+<p:notes xmlns:a="http://schemas.openxmlformats.org/drawingml/2006/main" xmlns:r="http://schemas.openxmlformats.org/officeDocument/2006/relationships" xmlns:p="http://schemas.openxmlformats.org/presentationml/2006/main">
+  <p:cSld>
+    <p:spTree>
+      <p:nvGrpSpPr>
+        <p:cNvPr id="1" name="">
+          <a:extLst>
+            <a:ext uri="{FF2B5EF4-FFF2-40B4-BE49-F238E27FC236}">
+              <a16:creationId xmlns:a16="http://schemas.microsoft.com/office/drawing/2014/main" id="{93158A22-04AB-2E86-D7B7-7A628969C1F6}"/>
+            </a:ext>
+          </a:extLst>
+        </p:cNvPr>
+        <p:cNvGrpSpPr/>
+        <p:nvPr/>
+      </p:nvGrpSpPr>
+      <p:grpSpPr>
+        <a:xfrm>
+          <a:off x="0" y="0"/>
+          <a:ext cx="0" cy="0"/>
+          <a:chOff x="0" y="0"/>
+          <a:chExt cx="0" cy="0"/>
+        </a:xfrm>
+      </p:grpSpPr>
+      <p:sp>
+        <p:nvSpPr>
+          <p:cNvPr id="2" name="Slide Image Placeholder 1">
+            <a:extLst>
+              <a:ext uri="{FF2B5EF4-FFF2-40B4-BE49-F238E27FC236}">
+                <a16:creationId xmlns:a16="http://schemas.microsoft.com/office/drawing/2014/main" id="{939FF2E1-0E10-1C18-EC31-49D5A5D8A11D}"/>
+              </a:ext>
+            </a:extLst>
+          </p:cNvPr>
+          <p:cNvSpPr>
+            <a:spLocks noGrp="1" noRot="1" noChangeAspect="1"/>
+          </p:cNvSpPr>
+          <p:nvPr>
+            <p:ph type="sldImg"/>
+          </p:nvPr>
+        </p:nvSpPr>
+        <p:spPr/>
+      </p:sp>
+      <p:sp>
+        <p:nvSpPr>
+          <p:cNvPr id="3" name="Notes Placeholder 2">
+            <a:extLst>
+              <a:ext uri="{FF2B5EF4-FFF2-40B4-BE49-F238E27FC236}">
+                <a16:creationId xmlns:a16="http://schemas.microsoft.com/office/drawing/2014/main" id="{AFE9931B-4102-A3C0-4869-1F6E4A6AFC27}"/>
+              </a:ext>
+            </a:extLst>
+          </p:cNvPr>
+          <p:cNvSpPr>
+            <a:spLocks noGrp="1"/>
+          </p:cNvSpPr>
+          <p:nvPr>
+            <p:ph type="body" idx="1"/>
+          </p:nvPr>
+        </p:nvSpPr>
+        <p:spPr/>
+        <p:txBody>
+          <a:bodyPr/>
+          <a:lstStyle/>
+          <a:p>
+            <a:r>
+              <a:rPr lang="en-US" b="0" dirty="0">
+                <a:solidFill>
+                  <a:srgbClr val="CCCCCC"/>
+                </a:solidFill>
+                <a:effectLst/>
+                <a:latin typeface="Menlo" panose="020B0609030804020204" pitchFamily="49" charset="0"/>
+              </a:rPr>
+              <a:t>Cumulative binning</a:t>
+            </a:r>
+          </a:p>
+        </p:txBody>
+      </p:sp>
+      <p:sp>
+        <p:nvSpPr>
+          <p:cNvPr id="4" name="Slide Number Placeholder 3">
+            <a:extLst>
+              <a:ext uri="{FF2B5EF4-FFF2-40B4-BE49-F238E27FC236}">
+                <a16:creationId xmlns:a16="http://schemas.microsoft.com/office/drawing/2014/main" id="{D83C5056-9AB9-8D1C-FC20-229B95ED7232}"/>
+              </a:ext>
+            </a:extLst>
+          </p:cNvPr>
+          <p:cNvSpPr>
+            <a:spLocks noGrp="1"/>
+          </p:cNvSpPr>
+          <p:nvPr>
+            <p:ph type="sldNum" sz="quarter" idx="5"/>
+          </p:nvPr>
+        </p:nvSpPr>
+        <p:spPr/>
+        <p:txBody>
+          <a:bodyPr/>
+          <a:lstStyle/>
+          <a:p>
+            <a:fld id="{061BAA8C-FDC6-D345-B4E0-3B02449209FB}" type="slidenum">
+              <a:rPr lang="en-US" smtClean="0"/>
+              <a:t>4</a:t>
+            </a:fld>
+            <a:endParaRPr lang="en-US"/>
+          </a:p>
+        </p:txBody>
+      </p:sp>
+    </p:spTree>
+    <p:extLst>
+      <p:ext uri="{BB962C8B-B14F-4D97-AF65-F5344CB8AC3E}">
+        <p14:creationId xmlns:p14="http://schemas.microsoft.com/office/powerpoint/2010/main" val="1829942279"/>
+      </p:ext>
+    </p:extLst>
+  </p:cSld>
+  <p:clrMapOvr>
+    <a:masterClrMapping/>
+  </p:clrMapOvr>
+</p:notes>
+</file>
+
+<file path=ppt/notesSlides/notesSlide5.xml><?xml version="1.0" encoding="utf-8"?>
+<p:notes xmlns:a="http://schemas.openxmlformats.org/drawingml/2006/main" xmlns:r="http://schemas.openxmlformats.org/officeDocument/2006/relationships" xmlns:p="http://schemas.openxmlformats.org/presentationml/2006/main">
+  <p:cSld>
+    <p:spTree>
+      <p:nvGrpSpPr>
+        <p:cNvPr id="1" name="">
+          <a:extLst>
+            <a:ext uri="{FF2B5EF4-FFF2-40B4-BE49-F238E27FC236}">
               <a16:creationId xmlns:a16="http://schemas.microsoft.com/office/drawing/2014/main" id="{0AE69B90-A82C-E1E9-4914-6970D86835F3}"/>
             </a:ext>
           </a:extLst>
@@ -1453,7 +2028,7 @@
           <a:p>
             <a:fld id="{061BAA8C-FDC6-D345-B4E0-3B02449209FB}" type="slidenum">
               <a:rPr lang="en-US" smtClean="0"/>
-              <a:t>3</a:t>
+              <a:t>5</a:t>
             </a:fld>
             <a:endParaRPr lang="en-US"/>
           </a:p>
@@ -1472,7 +2047,7 @@
 </p:notes>
 </file>
 
-<file path=ppt/notesSlides/notesSlide4.xml><?xml version="1.0" encoding="utf-8"?>
+<file path=ppt/notesSlides/notesSlide6.xml><?xml version="1.0" encoding="utf-8"?>
 <p:notes xmlns:a="http://schemas.openxmlformats.org/drawingml/2006/main" xmlns:r="http://schemas.openxmlformats.org/officeDocument/2006/relationships" xmlns:p="http://schemas.openxmlformats.org/presentationml/2006/main">
   <p:cSld>
     <p:spTree>
@@ -1607,7 +2182,7 @@
           <a:p>
             <a:fld id="{061BAA8C-FDC6-D345-B4E0-3B02449209FB}" type="slidenum">
               <a:rPr lang="en-US" smtClean="0"/>
-              <a:t>4</a:t>
+              <a:t>6</a:t>
             </a:fld>
             <a:endParaRPr lang="en-US"/>
           </a:p>
@@ -1626,7 +2201,7 @@
 </p:notes>
 </file>
 
-<file path=ppt/notesSlides/notesSlide5.xml><?xml version="1.0" encoding="utf-8"?>
+<file path=ppt/notesSlides/notesSlide7.xml><?xml version="1.0" encoding="utf-8"?>
 <p:notes xmlns:a="http://schemas.openxmlformats.org/drawingml/2006/main" xmlns:r="http://schemas.openxmlformats.org/officeDocument/2006/relationships" xmlns:p="http://schemas.openxmlformats.org/presentationml/2006/main">
   <p:cSld>
     <p:spTree>
@@ -1721,7 +2296,7 @@
           <a:p>
             <a:fld id="{061BAA8C-FDC6-D345-B4E0-3B02449209FB}" type="slidenum">
               <a:rPr lang="en-US" smtClean="0"/>
-              <a:t>5</a:t>
+              <a:t>7</a:t>
             </a:fld>
             <a:endParaRPr lang="en-US"/>
           </a:p>
@@ -1740,7 +2315,7 @@
 </p:notes>
 </file>
 
-<file path=ppt/notesSlides/notesSlide6.xml><?xml version="1.0" encoding="utf-8"?>
+<file path=ppt/notesSlides/notesSlide8.xml><?xml version="1.0" encoding="utf-8"?>
 <p:notes xmlns:a="http://schemas.openxmlformats.org/drawingml/2006/main" xmlns:r="http://schemas.openxmlformats.org/officeDocument/2006/relationships" xmlns:p="http://schemas.openxmlformats.org/presentationml/2006/main">
   <p:cSld>
     <p:spTree>
@@ -1835,7 +2410,7 @@
           <a:p>
             <a:fld id="{061BAA8C-FDC6-D345-B4E0-3B02449209FB}" type="slidenum">
               <a:rPr lang="en-US" smtClean="0"/>
-              <a:t>6</a:t>
+              <a:t>8</a:t>
             </a:fld>
             <a:endParaRPr lang="en-US"/>
           </a:p>
@@ -1854,7 +2429,7 @@
 </p:notes>
 </file>
 
-<file path=ppt/notesSlides/notesSlide7.xml><?xml version="1.0" encoding="utf-8"?>
+<file path=ppt/notesSlides/notesSlide9.xml><?xml version="1.0" encoding="utf-8"?>
 <p:notes xmlns:a="http://schemas.openxmlformats.org/drawingml/2006/main" xmlns:r="http://schemas.openxmlformats.org/officeDocument/2006/relationships" xmlns:p="http://schemas.openxmlformats.org/presentationml/2006/main">
   <p:cSld>
     <p:spTree>
@@ -1949,7 +2524,7 @@
           <a:p>
             <a:fld id="{061BAA8C-FDC6-D345-B4E0-3B02449209FB}" type="slidenum">
               <a:rPr lang="en-US" smtClean="0"/>
-              <a:t>7</a:t>
+              <a:t>9</a:t>
             </a:fld>
             <a:endParaRPr lang="en-US"/>
           </a:p>
@@ -1959,210 +2534,6 @@
     <p:extLst>
       <p:ext uri="{BB962C8B-B14F-4D97-AF65-F5344CB8AC3E}">
         <p14:creationId xmlns:p14="http://schemas.microsoft.com/office/powerpoint/2010/main" val="479777460"/>
-      </p:ext>
-    </p:extLst>
-  </p:cSld>
-  <p:clrMapOvr>
-    <a:masterClrMapping/>
-  </p:clrMapOvr>
-</p:notes>
-</file>
-
-<file path=ppt/notesSlides/notesSlide8.xml><?xml version="1.0" encoding="utf-8"?>
-<p:notes xmlns:a="http://schemas.openxmlformats.org/drawingml/2006/main" xmlns:r="http://schemas.openxmlformats.org/officeDocument/2006/relationships" xmlns:p="http://schemas.openxmlformats.org/presentationml/2006/main">
-  <p:cSld>
-    <p:spTree>
-      <p:nvGrpSpPr>
-        <p:cNvPr id="1" name="">
-          <a:extLst>
-            <a:ext uri="{FF2B5EF4-FFF2-40B4-BE49-F238E27FC236}">
-              <a16:creationId xmlns:a16="http://schemas.microsoft.com/office/drawing/2014/main" id="{4E429921-7A74-6158-7ECC-33DE84F98AD9}"/>
-            </a:ext>
-          </a:extLst>
-        </p:cNvPr>
-        <p:cNvGrpSpPr/>
-        <p:nvPr/>
-      </p:nvGrpSpPr>
-      <p:grpSpPr>
-        <a:xfrm>
-          <a:off x="0" y="0"/>
-          <a:ext cx="0" cy="0"/>
-          <a:chOff x="0" y="0"/>
-          <a:chExt cx="0" cy="0"/>
-        </a:xfrm>
-      </p:grpSpPr>
-      <p:sp>
-        <p:nvSpPr>
-          <p:cNvPr id="2" name="Slide Image Placeholder 1">
-            <a:extLst>
-              <a:ext uri="{FF2B5EF4-FFF2-40B4-BE49-F238E27FC236}">
-                <a16:creationId xmlns:a16="http://schemas.microsoft.com/office/drawing/2014/main" id="{E507F9A5-A025-E06B-B53B-F515B64C1A7A}"/>
-              </a:ext>
-            </a:extLst>
-          </p:cNvPr>
-          <p:cNvSpPr>
-            <a:spLocks noGrp="1" noRot="1" noChangeAspect="1"/>
-          </p:cNvSpPr>
-          <p:nvPr>
-            <p:ph type="sldImg"/>
-          </p:nvPr>
-        </p:nvSpPr>
-        <p:spPr/>
-      </p:sp>
-      <p:sp>
-        <p:nvSpPr>
-          <p:cNvPr id="3" name="Notes Placeholder 2">
-            <a:extLst>
-              <a:ext uri="{FF2B5EF4-FFF2-40B4-BE49-F238E27FC236}">
-                <a16:creationId xmlns:a16="http://schemas.microsoft.com/office/drawing/2014/main" id="{85A522B1-4D4E-3B80-726F-1BB52DB76BA5}"/>
-              </a:ext>
-            </a:extLst>
-          </p:cNvPr>
-          <p:cNvSpPr>
-            <a:spLocks noGrp="1"/>
-          </p:cNvSpPr>
-          <p:nvPr>
-            <p:ph type="body" idx="1"/>
-          </p:nvPr>
-        </p:nvSpPr>
-        <p:spPr/>
-        <p:txBody>
-          <a:bodyPr/>
-          <a:lstStyle/>
-          <a:p>
-            <a:endParaRPr lang="en-US" b="0" dirty="0">
-              <a:solidFill>
-                <a:srgbClr val="CCCCCC"/>
-              </a:solidFill>
-              <a:effectLst/>
-              <a:latin typeface="Menlo" panose="020B0609030804020204" pitchFamily="49" charset="0"/>
-            </a:endParaRPr>
-          </a:p>
-        </p:txBody>
-      </p:sp>
-      <p:sp>
-        <p:nvSpPr>
-          <p:cNvPr id="4" name="Slide Number Placeholder 3">
-            <a:extLst>
-              <a:ext uri="{FF2B5EF4-FFF2-40B4-BE49-F238E27FC236}">
-                <a16:creationId xmlns:a16="http://schemas.microsoft.com/office/drawing/2014/main" id="{65E6186C-27C9-79AC-CC9A-1836A37097C0}"/>
-              </a:ext>
-            </a:extLst>
-          </p:cNvPr>
-          <p:cNvSpPr>
-            <a:spLocks noGrp="1"/>
-          </p:cNvSpPr>
-          <p:nvPr>
-            <p:ph type="sldNum" sz="quarter" idx="5"/>
-          </p:nvPr>
-        </p:nvSpPr>
-        <p:spPr/>
-        <p:txBody>
-          <a:bodyPr/>
-          <a:lstStyle/>
-          <a:p>
-            <a:fld id="{061BAA8C-FDC6-D345-B4E0-3B02449209FB}" type="slidenum">
-              <a:rPr lang="en-US" smtClean="0"/>
-              <a:t>8</a:t>
-            </a:fld>
-            <a:endParaRPr lang="en-US"/>
-          </a:p>
-        </p:txBody>
-      </p:sp>
-    </p:spTree>
-    <p:extLst>
-      <p:ext uri="{BB962C8B-B14F-4D97-AF65-F5344CB8AC3E}">
-        <p14:creationId xmlns:p14="http://schemas.microsoft.com/office/powerpoint/2010/main" val="2698159661"/>
-      </p:ext>
-    </p:extLst>
-  </p:cSld>
-  <p:clrMapOvr>
-    <a:masterClrMapping/>
-  </p:clrMapOvr>
-</p:notes>
-</file>
-
-<file path=ppt/notesSlides/notesSlide9.xml><?xml version="1.0" encoding="utf-8"?>
-<p:notes xmlns:a="http://schemas.openxmlformats.org/drawingml/2006/main" xmlns:r="http://schemas.openxmlformats.org/officeDocument/2006/relationships" xmlns:p="http://schemas.openxmlformats.org/presentationml/2006/main">
-  <p:cSld>
-    <p:spTree>
-      <p:nvGrpSpPr>
-        <p:cNvPr id="1" name=""/>
-        <p:cNvGrpSpPr/>
-        <p:nvPr/>
-      </p:nvGrpSpPr>
-      <p:grpSpPr>
-        <a:xfrm>
-          <a:off x="0" y="0"/>
-          <a:ext cx="0" cy="0"/>
-          <a:chOff x="0" y="0"/>
-          <a:chExt cx="0" cy="0"/>
-        </a:xfrm>
-      </p:grpSpPr>
-      <p:sp>
-        <p:nvSpPr>
-          <p:cNvPr id="2" name="Slide Image Placeholder 1"/>
-          <p:cNvSpPr>
-            <a:spLocks noGrp="1" noRot="1" noChangeAspect="1"/>
-          </p:cNvSpPr>
-          <p:nvPr>
-            <p:ph type="sldImg"/>
-          </p:nvPr>
-        </p:nvSpPr>
-        <p:spPr/>
-      </p:sp>
-      <p:sp>
-        <p:nvSpPr>
-          <p:cNvPr id="3" name="Notes Placeholder 2"/>
-          <p:cNvSpPr>
-            <a:spLocks noGrp="1"/>
-          </p:cNvSpPr>
-          <p:nvPr>
-            <p:ph type="body" idx="1"/>
-          </p:nvPr>
-        </p:nvSpPr>
-        <p:spPr/>
-        <p:txBody>
-          <a:bodyPr/>
-          <a:lstStyle/>
-          <a:p>
-            <a:endParaRPr lang="en-US" b="0" dirty="0">
-              <a:solidFill>
-                <a:srgbClr val="CCCCCC"/>
-              </a:solidFill>
-              <a:effectLst/>
-              <a:latin typeface="Menlo" panose="020B0609030804020204" pitchFamily="49" charset="0"/>
-            </a:endParaRPr>
-          </a:p>
-        </p:txBody>
-      </p:sp>
-      <p:sp>
-        <p:nvSpPr>
-          <p:cNvPr id="4" name="Slide Number Placeholder 3"/>
-          <p:cNvSpPr>
-            <a:spLocks noGrp="1"/>
-          </p:cNvSpPr>
-          <p:nvPr>
-            <p:ph type="sldNum" sz="quarter" idx="5"/>
-          </p:nvPr>
-        </p:nvSpPr>
-        <p:spPr/>
-        <p:txBody>
-          <a:bodyPr/>
-          <a:lstStyle/>
-          <a:p>
-            <a:fld id="{061BAA8C-FDC6-D345-B4E0-3B02449209FB}" type="slidenum">
-              <a:rPr lang="en-US" smtClean="0"/>
-              <a:t>9</a:t>
-            </a:fld>
-            <a:endParaRPr lang="en-US"/>
-          </a:p>
-        </p:txBody>
-      </p:sp>
-    </p:spTree>
-    <p:extLst>
-      <p:ext uri="{BB962C8B-B14F-4D97-AF65-F5344CB8AC3E}">
-        <p14:creationId xmlns:p14="http://schemas.microsoft.com/office/powerpoint/2010/main" val="3106864386"/>
       </p:ext>
     </p:extLst>
   </p:cSld>
@@ -2319,7 +2690,7 @@
           <a:p>
             <a:fld id="{80FC6068-BAFB-FC44-B9D8-F4B3BB105DE6}" type="datetimeFigureOut">
               <a:rPr lang="en-US" smtClean="0"/>
-              <a:t>1/21/24</a:t>
+              <a:t>1/22/24</a:t>
             </a:fld>
             <a:endParaRPr lang="en-US"/>
           </a:p>
@@ -2517,7 +2888,7 @@
           <a:p>
             <a:fld id="{80FC6068-BAFB-FC44-B9D8-F4B3BB105DE6}" type="datetimeFigureOut">
               <a:rPr lang="en-US" smtClean="0"/>
-              <a:t>1/21/24</a:t>
+              <a:t>1/22/24</a:t>
             </a:fld>
             <a:endParaRPr lang="en-US"/>
           </a:p>
@@ -2725,7 +3096,7 @@
           <a:p>
             <a:fld id="{80FC6068-BAFB-FC44-B9D8-F4B3BB105DE6}" type="datetimeFigureOut">
               <a:rPr lang="en-US" smtClean="0"/>
-              <a:t>1/21/24</a:t>
+              <a:t>1/22/24</a:t>
             </a:fld>
             <a:endParaRPr lang="en-US"/>
           </a:p>
@@ -2929,7 +3300,7 @@
           <a:p>
             <a:fld id="{80FC6068-BAFB-FC44-B9D8-F4B3BB105DE6}" type="datetimeFigureOut">
               <a:rPr lang="en-US" smtClean="0"/>
-              <a:t>1/21/24</a:t>
+              <a:t>1/22/24</a:t>
             </a:fld>
             <a:endParaRPr lang="en-US"/>
           </a:p>
@@ -3220,7 +3591,7 @@
           <a:p>
             <a:fld id="{80FC6068-BAFB-FC44-B9D8-F4B3BB105DE6}" type="datetimeFigureOut">
               <a:rPr lang="en-US" smtClean="0"/>
-              <a:t>1/21/24</a:t>
+              <a:t>1/22/24</a:t>
             </a:fld>
             <a:endParaRPr lang="en-US"/>
           </a:p>
@@ -3485,7 +3856,7 @@
           <a:p>
             <a:fld id="{80FC6068-BAFB-FC44-B9D8-F4B3BB105DE6}" type="datetimeFigureOut">
               <a:rPr lang="en-US" smtClean="0"/>
-              <a:t>1/21/24</a:t>
+              <a:t>1/22/24</a:t>
             </a:fld>
             <a:endParaRPr lang="en-US"/>
           </a:p>
@@ -3897,7 +4268,7 @@
           <a:p>
             <a:fld id="{80FC6068-BAFB-FC44-B9D8-F4B3BB105DE6}" type="datetimeFigureOut">
               <a:rPr lang="en-US" smtClean="0"/>
-              <a:t>1/21/24</a:t>
+              <a:t>1/22/24</a:t>
             </a:fld>
             <a:endParaRPr lang="en-US"/>
           </a:p>
@@ -4038,7 +4409,7 @@
           <a:p>
             <a:fld id="{80FC6068-BAFB-FC44-B9D8-F4B3BB105DE6}" type="datetimeFigureOut">
               <a:rPr lang="en-US" smtClean="0"/>
-              <a:t>1/21/24</a:t>
+              <a:t>1/22/24</a:t>
             </a:fld>
             <a:endParaRPr lang="en-US"/>
           </a:p>
@@ -4151,7 +4522,7 @@
           <a:p>
             <a:fld id="{80FC6068-BAFB-FC44-B9D8-F4B3BB105DE6}" type="datetimeFigureOut">
               <a:rPr lang="en-US" smtClean="0"/>
-              <a:t>1/21/24</a:t>
+              <a:t>1/22/24</a:t>
             </a:fld>
             <a:endParaRPr lang="en-US"/>
           </a:p>
@@ -4462,7 +4833,7 @@
           <a:p>
             <a:fld id="{80FC6068-BAFB-FC44-B9D8-F4B3BB105DE6}" type="datetimeFigureOut">
               <a:rPr lang="en-US" smtClean="0"/>
-              <a:t>1/21/24</a:t>
+              <a:t>1/22/24</a:t>
             </a:fld>
             <a:endParaRPr lang="en-US"/>
           </a:p>
@@ -4750,7 +5121,7 @@
           <a:p>
             <a:fld id="{80FC6068-BAFB-FC44-B9D8-F4B3BB105DE6}" type="datetimeFigureOut">
               <a:rPr lang="en-US" smtClean="0"/>
-              <a:t>1/21/24</a:t>
+              <a:t>1/22/24</a:t>
             </a:fld>
             <a:endParaRPr lang="en-US"/>
           </a:p>
@@ -4991,7 +5362,7 @@
           <a:p>
             <a:fld id="{80FC6068-BAFB-FC44-B9D8-F4B3BB105DE6}" type="datetimeFigureOut">
               <a:rPr lang="en-US" smtClean="0"/>
-              <a:t>1/21/24</a:t>
+              <a:t>1/22/24</a:t>
             </a:fld>
             <a:endParaRPr lang="en-US"/>
           </a:p>
@@ -5493,6 +5864,512 @@
         <p:cNvPr id="1" name="">
           <a:extLst>
             <a:ext uri="{FF2B5EF4-FFF2-40B4-BE49-F238E27FC236}">
+              <a16:creationId xmlns:a16="http://schemas.microsoft.com/office/drawing/2014/main" id="{7FE54AA5-F5C4-06ED-0745-3FD8F25960FB}"/>
+            </a:ext>
+          </a:extLst>
+        </p:cNvPr>
+        <p:cNvGrpSpPr/>
+        <p:nvPr/>
+      </p:nvGrpSpPr>
+      <p:grpSpPr>
+        <a:xfrm>
+          <a:off x="0" y="0"/>
+          <a:ext cx="0" cy="0"/>
+          <a:chOff x="0" y="0"/>
+          <a:chExt cx="0" cy="0"/>
+        </a:xfrm>
+      </p:grpSpPr>
+      <p:sp>
+        <p:nvSpPr>
+          <p:cNvPr id="2" name="Title 1">
+            <a:extLst>
+              <a:ext uri="{FF2B5EF4-FFF2-40B4-BE49-F238E27FC236}">
+                <a16:creationId xmlns:a16="http://schemas.microsoft.com/office/drawing/2014/main" id="{DBFF71BC-D96F-7591-261A-351E019B29B4}"/>
+              </a:ext>
+            </a:extLst>
+          </p:cNvPr>
+          <p:cNvSpPr>
+            <a:spLocks noGrp="1"/>
+          </p:cNvSpPr>
+          <p:nvPr>
+            <p:ph type="title"/>
+          </p:nvPr>
+        </p:nvSpPr>
+        <p:spPr>
+          <a:xfrm>
+            <a:off x="838200" y="593725"/>
+            <a:ext cx="10515600" cy="1325563"/>
+          </a:xfrm>
+        </p:spPr>
+        <p:txBody>
+          <a:bodyPr>
+            <a:normAutofit/>
+          </a:bodyPr>
+          <a:lstStyle/>
+          <a:p>
+            <a:r>
+              <a:rPr lang="en-US" dirty="0"/>
+              <a:t>In myocarditis dataset (TRB), don’t see same trend</a:t>
+            </a:r>
+          </a:p>
+        </p:txBody>
+      </p:sp>
+      <p:sp>
+        <p:nvSpPr>
+          <p:cNvPr id="3" name="TextBox 2">
+            <a:extLst>
+              <a:ext uri="{FF2B5EF4-FFF2-40B4-BE49-F238E27FC236}">
+                <a16:creationId xmlns:a16="http://schemas.microsoft.com/office/drawing/2014/main" id="{3BB62542-125D-A4DD-27E5-8DF7693C925E}"/>
+              </a:ext>
+            </a:extLst>
+          </p:cNvPr>
+          <p:cNvSpPr txBox="1"/>
+          <p:nvPr/>
+        </p:nvSpPr>
+        <p:spPr>
+          <a:xfrm>
+            <a:off x="1314560" y="2135480"/>
+            <a:ext cx="1851276" cy="369332"/>
+          </a:xfrm>
+          <a:prstGeom prst="rect">
+            <a:avLst/>
+          </a:prstGeom>
+          <a:noFill/>
+        </p:spPr>
+        <p:txBody>
+          <a:bodyPr wrap="none" rtlCol="0">
+            <a:spAutoFit/>
+          </a:bodyPr>
+          <a:lstStyle/>
+          <a:p>
+            <a:r>
+              <a:rPr lang="en-US" dirty="0"/>
+              <a:t>Within </a:t>
+            </a:r>
+            <a:r>
+              <a:rPr lang="en-US" dirty="0" err="1"/>
+              <a:t>irAE</a:t>
+            </a:r>
+            <a:r>
+              <a:rPr lang="en-US" dirty="0"/>
+              <a:t> group</a:t>
+            </a:r>
+          </a:p>
+        </p:txBody>
+      </p:sp>
+      <p:sp>
+        <p:nvSpPr>
+          <p:cNvPr id="4" name="TextBox 3">
+            <a:extLst>
+              <a:ext uri="{FF2B5EF4-FFF2-40B4-BE49-F238E27FC236}">
+                <a16:creationId xmlns:a16="http://schemas.microsoft.com/office/drawing/2014/main" id="{5731430A-099F-AD88-7101-185C1C8715EF}"/>
+              </a:ext>
+            </a:extLst>
+          </p:cNvPr>
+          <p:cNvSpPr txBox="1"/>
+          <p:nvPr/>
+        </p:nvSpPr>
+        <p:spPr>
+          <a:xfrm>
+            <a:off x="7138357" y="2135480"/>
+            <a:ext cx="2147832" cy="369332"/>
+          </a:xfrm>
+          <a:prstGeom prst="rect">
+            <a:avLst/>
+          </a:prstGeom>
+          <a:noFill/>
+        </p:spPr>
+        <p:txBody>
+          <a:bodyPr wrap="none" rtlCol="0">
+            <a:spAutoFit/>
+          </a:bodyPr>
+          <a:lstStyle/>
+          <a:p>
+            <a:r>
+              <a:rPr lang="en-US" dirty="0"/>
+              <a:t>Within no </a:t>
+            </a:r>
+            <a:r>
+              <a:rPr lang="en-US" dirty="0" err="1"/>
+              <a:t>irAE</a:t>
+            </a:r>
+            <a:r>
+              <a:rPr lang="en-US" dirty="0"/>
+              <a:t> group</a:t>
+            </a:r>
+          </a:p>
+        </p:txBody>
+      </p:sp>
+      <p:sp>
+        <p:nvSpPr>
+          <p:cNvPr id="9" name="TextBox 8">
+            <a:extLst>
+              <a:ext uri="{FF2B5EF4-FFF2-40B4-BE49-F238E27FC236}">
+                <a16:creationId xmlns:a16="http://schemas.microsoft.com/office/drawing/2014/main" id="{0A5F15DD-5230-3F8D-BE99-13359EA33F97}"/>
+              </a:ext>
+            </a:extLst>
+          </p:cNvPr>
+          <p:cNvSpPr txBox="1"/>
+          <p:nvPr/>
+        </p:nvSpPr>
+        <p:spPr>
+          <a:xfrm>
+            <a:off x="1458382" y="6201565"/>
+            <a:ext cx="2420471" cy="369332"/>
+          </a:xfrm>
+          <a:prstGeom prst="rect">
+            <a:avLst/>
+          </a:prstGeom>
+          <a:noFill/>
+        </p:spPr>
+        <p:txBody>
+          <a:bodyPr wrap="none" rtlCol="0">
+            <a:spAutoFit/>
+          </a:bodyPr>
+          <a:lstStyle/>
+          <a:p>
+            <a:r>
+              <a:rPr lang="en-US" dirty="0"/>
+              <a:t>Total linkages = 300,944</a:t>
+            </a:r>
+          </a:p>
+        </p:txBody>
+      </p:sp>
+      <p:sp>
+        <p:nvSpPr>
+          <p:cNvPr id="13" name="TextBox 12">
+            <a:extLst>
+              <a:ext uri="{FF2B5EF4-FFF2-40B4-BE49-F238E27FC236}">
+                <a16:creationId xmlns:a16="http://schemas.microsoft.com/office/drawing/2014/main" id="{2F891EBE-CAF2-5E64-5955-D2B5C7D44870}"/>
+              </a:ext>
+            </a:extLst>
+          </p:cNvPr>
+          <p:cNvSpPr txBox="1"/>
+          <p:nvPr/>
+        </p:nvSpPr>
+        <p:spPr>
+          <a:xfrm>
+            <a:off x="6988456" y="6201565"/>
+            <a:ext cx="2420471" cy="369332"/>
+          </a:xfrm>
+          <a:prstGeom prst="rect">
+            <a:avLst/>
+          </a:prstGeom>
+          <a:noFill/>
+        </p:spPr>
+        <p:txBody>
+          <a:bodyPr wrap="none" rtlCol="0">
+            <a:spAutoFit/>
+          </a:bodyPr>
+          <a:lstStyle/>
+          <a:p>
+            <a:r>
+              <a:rPr lang="en-US" dirty="0"/>
+              <a:t>Total linkages = 408,859</a:t>
+            </a:r>
+          </a:p>
+        </p:txBody>
+      </p:sp>
+      <p:pic>
+        <p:nvPicPr>
+          <p:cNvPr id="11" name="Picture 10">
+            <a:extLst>
+              <a:ext uri="{FF2B5EF4-FFF2-40B4-BE49-F238E27FC236}">
+                <a16:creationId xmlns:a16="http://schemas.microsoft.com/office/drawing/2014/main" id="{183007E0-AAE5-34F9-3122-DD5E502461D6}"/>
+              </a:ext>
+            </a:extLst>
+          </p:cNvPr>
+          <p:cNvPicPr>
+            <a:picLocks noChangeAspect="1"/>
+          </p:cNvPicPr>
+          <p:nvPr/>
+        </p:nvPicPr>
+        <p:blipFill>
+          <a:blip r:embed="rId3"/>
+          <a:stretch>
+            <a:fillRect/>
+          </a:stretch>
+        </p:blipFill>
+        <p:spPr>
+          <a:xfrm>
+            <a:off x="346336" y="2721004"/>
+            <a:ext cx="5191822" cy="3072710"/>
+          </a:xfrm>
+          <a:prstGeom prst="rect">
+            <a:avLst/>
+          </a:prstGeom>
+        </p:spPr>
+      </p:pic>
+      <p:pic>
+        <p:nvPicPr>
+          <p:cNvPr id="5" name="Picture 4">
+            <a:extLst>
+              <a:ext uri="{FF2B5EF4-FFF2-40B4-BE49-F238E27FC236}">
+                <a16:creationId xmlns:a16="http://schemas.microsoft.com/office/drawing/2014/main" id="{60411011-B685-8389-500D-F49AC62C86B0}"/>
+              </a:ext>
+            </a:extLst>
+          </p:cNvPr>
+          <p:cNvPicPr>
+            <a:picLocks noChangeAspect="1"/>
+          </p:cNvPicPr>
+          <p:nvPr/>
+        </p:nvPicPr>
+        <p:blipFill>
+          <a:blip r:embed="rId4"/>
+          <a:stretch>
+            <a:fillRect/>
+          </a:stretch>
+        </p:blipFill>
+        <p:spPr>
+          <a:xfrm>
+            <a:off x="6204746" y="2721004"/>
+            <a:ext cx="5149054" cy="3072710"/>
+          </a:xfrm>
+          <a:prstGeom prst="rect">
+            <a:avLst/>
+          </a:prstGeom>
+        </p:spPr>
+      </p:pic>
+    </p:spTree>
+    <p:extLst>
+      <p:ext uri="{BB962C8B-B14F-4D97-AF65-F5344CB8AC3E}">
+        <p14:creationId xmlns:p14="http://schemas.microsoft.com/office/powerpoint/2010/main" val="2353577598"/>
+      </p:ext>
+    </p:extLst>
+  </p:cSld>
+  <p:clrMapOvr>
+    <a:masterClrMapping/>
+  </p:clrMapOvr>
+</p:sld>
+</file>
+
+<file path=ppt/slides/slide11.xml><?xml version="1.0" encoding="utf-8"?>
+<p:sld xmlns:a="http://schemas.openxmlformats.org/drawingml/2006/main" xmlns:r="http://schemas.openxmlformats.org/officeDocument/2006/relationships" xmlns:p="http://schemas.openxmlformats.org/presentationml/2006/main">
+  <p:cSld>
+    <p:spTree>
+      <p:nvGrpSpPr>
+        <p:cNvPr id="1" name=""/>
+        <p:cNvGrpSpPr/>
+        <p:nvPr/>
+      </p:nvGrpSpPr>
+      <p:grpSpPr>
+        <a:xfrm>
+          <a:off x="0" y="0"/>
+          <a:ext cx="0" cy="0"/>
+          <a:chOff x="0" y="0"/>
+          <a:chExt cx="0" cy="0"/>
+        </a:xfrm>
+      </p:grpSpPr>
+      <p:sp>
+        <p:nvSpPr>
+          <p:cNvPr id="2" name="Title 1">
+            <a:extLst>
+              <a:ext uri="{FF2B5EF4-FFF2-40B4-BE49-F238E27FC236}">
+                <a16:creationId xmlns:a16="http://schemas.microsoft.com/office/drawing/2014/main" id="{70A4C97D-8F21-3D3B-6A90-EA7145324964}"/>
+              </a:ext>
+            </a:extLst>
+          </p:cNvPr>
+          <p:cNvSpPr>
+            <a:spLocks noGrp="1"/>
+          </p:cNvSpPr>
+          <p:nvPr>
+            <p:ph type="title"/>
+          </p:nvPr>
+        </p:nvSpPr>
+        <p:spPr>
+          <a:xfrm>
+            <a:off x="838200" y="593725"/>
+            <a:ext cx="10515600" cy="1325563"/>
+          </a:xfrm>
+        </p:spPr>
+        <p:txBody>
+          <a:bodyPr>
+            <a:normAutofit/>
+          </a:bodyPr>
+          <a:lstStyle/>
+          <a:p>
+            <a:r>
+              <a:rPr lang="en-US" dirty="0"/>
+              <a:t>Myocarditis upset plots (TRA) don’t seem very different by </a:t>
+            </a:r>
+            <a:r>
+              <a:rPr lang="en-US" dirty="0" err="1"/>
+              <a:t>irAE</a:t>
+            </a:r>
+            <a:r>
+              <a:rPr lang="en-US" dirty="0"/>
+              <a:t> group</a:t>
+            </a:r>
+          </a:p>
+        </p:txBody>
+      </p:sp>
+      <p:pic>
+        <p:nvPicPr>
+          <p:cNvPr id="6" name="Picture 5">
+            <a:extLst>
+              <a:ext uri="{FF2B5EF4-FFF2-40B4-BE49-F238E27FC236}">
+                <a16:creationId xmlns:a16="http://schemas.microsoft.com/office/drawing/2014/main" id="{E042D6EA-4782-3007-D6D7-E7816D07200A}"/>
+              </a:ext>
+            </a:extLst>
+          </p:cNvPr>
+          <p:cNvPicPr>
+            <a:picLocks noChangeAspect="1"/>
+          </p:cNvPicPr>
+          <p:nvPr/>
+        </p:nvPicPr>
+        <p:blipFill>
+          <a:blip r:embed="rId3"/>
+          <a:stretch>
+            <a:fillRect/>
+          </a:stretch>
+        </p:blipFill>
+        <p:spPr>
+          <a:xfrm>
+            <a:off x="6039312" y="2199736"/>
+            <a:ext cx="6041658" cy="3693552"/>
+          </a:xfrm>
+          <a:prstGeom prst="rect">
+            <a:avLst/>
+          </a:prstGeom>
+        </p:spPr>
+      </p:pic>
+      <p:pic>
+        <p:nvPicPr>
+          <p:cNvPr id="7" name="Picture 6">
+            <a:extLst>
+              <a:ext uri="{FF2B5EF4-FFF2-40B4-BE49-F238E27FC236}">
+                <a16:creationId xmlns:a16="http://schemas.microsoft.com/office/drawing/2014/main" id="{1E394172-58F2-44E6-F71C-D8ABBE9F34B4}"/>
+              </a:ext>
+            </a:extLst>
+          </p:cNvPr>
+          <p:cNvPicPr>
+            <a:picLocks noChangeAspect="1"/>
+          </p:cNvPicPr>
+          <p:nvPr/>
+        </p:nvPicPr>
+        <p:blipFill>
+          <a:blip r:embed="rId4"/>
+          <a:stretch>
+            <a:fillRect/>
+          </a:stretch>
+        </p:blipFill>
+        <p:spPr>
+          <a:xfrm>
+            <a:off x="-8626" y="2199736"/>
+            <a:ext cx="5977611" cy="3693552"/>
+          </a:xfrm>
+          <a:prstGeom prst="rect">
+            <a:avLst/>
+          </a:prstGeom>
+        </p:spPr>
+      </p:pic>
+      <p:sp>
+        <p:nvSpPr>
+          <p:cNvPr id="8" name="TextBox 7">
+            <a:extLst>
+              <a:ext uri="{FF2B5EF4-FFF2-40B4-BE49-F238E27FC236}">
+                <a16:creationId xmlns:a16="http://schemas.microsoft.com/office/drawing/2014/main" id="{E09D05AC-39BA-DE82-E63A-5EFC2D909BDB}"/>
+              </a:ext>
+            </a:extLst>
+          </p:cNvPr>
+          <p:cNvSpPr txBox="1"/>
+          <p:nvPr/>
+        </p:nvSpPr>
+        <p:spPr>
+          <a:xfrm>
+            <a:off x="2018334" y="1919288"/>
+            <a:ext cx="1851276" cy="369332"/>
+          </a:xfrm>
+          <a:prstGeom prst="rect">
+            <a:avLst/>
+          </a:prstGeom>
+          <a:noFill/>
+        </p:spPr>
+        <p:txBody>
+          <a:bodyPr wrap="none" rtlCol="0">
+            <a:spAutoFit/>
+          </a:bodyPr>
+          <a:lstStyle/>
+          <a:p>
+            <a:r>
+              <a:rPr lang="en-US" dirty="0"/>
+              <a:t>Within </a:t>
+            </a:r>
+            <a:r>
+              <a:rPr lang="en-US" dirty="0" err="1"/>
+              <a:t>irAE</a:t>
+            </a:r>
+            <a:r>
+              <a:rPr lang="en-US" dirty="0"/>
+              <a:t> group</a:t>
+            </a:r>
+          </a:p>
+        </p:txBody>
+      </p:sp>
+      <p:sp>
+        <p:nvSpPr>
+          <p:cNvPr id="9" name="TextBox 8">
+            <a:extLst>
+              <a:ext uri="{FF2B5EF4-FFF2-40B4-BE49-F238E27FC236}">
+                <a16:creationId xmlns:a16="http://schemas.microsoft.com/office/drawing/2014/main" id="{A9F36D19-4B51-0E91-F88A-94DB64337125}"/>
+              </a:ext>
+            </a:extLst>
+          </p:cNvPr>
+          <p:cNvSpPr txBox="1"/>
+          <p:nvPr/>
+        </p:nvSpPr>
+        <p:spPr>
+          <a:xfrm>
+            <a:off x="7842131" y="1919288"/>
+            <a:ext cx="2147832" cy="369332"/>
+          </a:xfrm>
+          <a:prstGeom prst="rect">
+            <a:avLst/>
+          </a:prstGeom>
+          <a:noFill/>
+        </p:spPr>
+        <p:txBody>
+          <a:bodyPr wrap="none" rtlCol="0">
+            <a:spAutoFit/>
+          </a:bodyPr>
+          <a:lstStyle/>
+          <a:p>
+            <a:r>
+              <a:rPr lang="en-US" dirty="0"/>
+              <a:t>Within no </a:t>
+            </a:r>
+            <a:r>
+              <a:rPr lang="en-US" dirty="0" err="1"/>
+              <a:t>irAE</a:t>
+            </a:r>
+            <a:r>
+              <a:rPr lang="en-US" dirty="0"/>
+              <a:t> group</a:t>
+            </a:r>
+          </a:p>
+        </p:txBody>
+      </p:sp>
+    </p:spTree>
+    <p:extLst>
+      <p:ext uri="{BB962C8B-B14F-4D97-AF65-F5344CB8AC3E}">
+        <p14:creationId xmlns:p14="http://schemas.microsoft.com/office/powerpoint/2010/main" val="3586049552"/>
+      </p:ext>
+    </p:extLst>
+  </p:cSld>
+  <p:clrMapOvr>
+    <a:masterClrMapping/>
+  </p:clrMapOvr>
+</p:sld>
+</file>
+
+<file path=ppt/slides/slide12.xml><?xml version="1.0" encoding="utf-8"?>
+<p:sld xmlns:a="http://schemas.openxmlformats.org/drawingml/2006/main" xmlns:r="http://schemas.openxmlformats.org/officeDocument/2006/relationships" xmlns:p="http://schemas.openxmlformats.org/presentationml/2006/main">
+  <p:cSld>
+    <p:spTree>
+      <p:nvGrpSpPr>
+        <p:cNvPr id="1" name="">
+          <a:extLst>
+            <a:ext uri="{FF2B5EF4-FFF2-40B4-BE49-F238E27FC236}">
               <a16:creationId xmlns:a16="http://schemas.microsoft.com/office/drawing/2014/main" id="{47F130CC-93C0-8C7D-A3D7-93CFE0983234}"/>
             </a:ext>
           </a:extLst>
@@ -5710,7 +6587,7 @@
 </p:sld>
 </file>
 
-<file path=ppt/slides/slide11.xml><?xml version="1.0" encoding="utf-8"?>
+<file path=ppt/slides/slide13.xml><?xml version="1.0" encoding="utf-8"?>
 <p:sld xmlns:a="http://schemas.openxmlformats.org/drawingml/2006/main" xmlns:r="http://schemas.openxmlformats.org/officeDocument/2006/relationships" xmlns:p="http://schemas.openxmlformats.org/presentationml/2006/main">
   <p:cSld>
     <p:spTree>
@@ -5718,7 +6595,7 @@
         <p:cNvPr id="1" name="">
           <a:extLst>
             <a:ext uri="{FF2B5EF4-FFF2-40B4-BE49-F238E27FC236}">
-              <a16:creationId xmlns:a16="http://schemas.microsoft.com/office/drawing/2014/main" id="{B6C8F6DA-0901-301E-FB80-8D573C215B81}"/>
+              <a16:creationId xmlns:a16="http://schemas.microsoft.com/office/drawing/2014/main" id="{DE8AD7CA-3E76-E3D4-F6A1-29B3D2CD6406}"/>
             </a:ext>
           </a:extLst>
         </p:cNvPr>
@@ -5738,7 +6615,7 @@
           <p:cNvPr id="2" name="Title 1">
             <a:extLst>
               <a:ext uri="{FF2B5EF4-FFF2-40B4-BE49-F238E27FC236}">
-                <a16:creationId xmlns:a16="http://schemas.microsoft.com/office/drawing/2014/main" id="{84F6A779-A0B9-0B1E-B394-7F61F8E36959}"/>
+                <a16:creationId xmlns:a16="http://schemas.microsoft.com/office/drawing/2014/main" id="{4E6D885C-2C23-9403-20C4-66C86676E083}"/>
               </a:ext>
             </a:extLst>
           </p:cNvPr>
@@ -5763,7 +6640,15 @@
           <a:p>
             <a:r>
               <a:rPr lang="en-US" dirty="0"/>
-              <a:t>In both datasets, MAITs (less abundant in </a:t>
+              <a:t>No differences in convergence (not publicity, </a:t>
+            </a:r>
+            <a:r>
+              <a:rPr lang="en-US" dirty="0" err="1"/>
+              <a:t>privicity</a:t>
+            </a:r>
+            <a:r>
+              <a:rPr lang="en-US" dirty="0"/>
+              <a:t>, not shown) between </a:t>
             </a:r>
             <a:r>
               <a:rPr lang="en-US" dirty="0" err="1"/>
@@ -5771,17 +6656,17 @@
             </a:r>
             <a:r>
               <a:rPr lang="en-US" dirty="0"/>
-              <a:t> colitis tissue) have shorter TRA CDR3s and more germline-like TRA chains vs. other cell types</a:t>
+              <a:t> groups by chain, cell type (nor at l2 level, not shown)</a:t>
             </a:r>
           </a:p>
         </p:txBody>
       </p:sp>
       <p:pic>
         <p:nvPicPr>
-          <p:cNvPr id="5" name="Picture 4">
-            <a:extLst>
-              <a:ext uri="{FF2B5EF4-FFF2-40B4-BE49-F238E27FC236}">
-                <a16:creationId xmlns:a16="http://schemas.microsoft.com/office/drawing/2014/main" id="{64CA1C6E-BF16-87C2-C713-AF78E12708EB}"/>
+          <p:cNvPr id="4" name="Picture 3">
+            <a:extLst>
+              <a:ext uri="{FF2B5EF4-FFF2-40B4-BE49-F238E27FC236}">
+                <a16:creationId xmlns:a16="http://schemas.microsoft.com/office/drawing/2014/main" id="{E30454F8-0D84-94EF-6823-62418D75B6FC}"/>
               </a:ext>
             </a:extLst>
           </p:cNvPr>
@@ -5798,20 +6683,55 @@
         </p:blipFill>
         <p:spPr>
           <a:xfrm>
-            <a:off x="7088524" y="2164308"/>
-            <a:ext cx="3892755" cy="2286924"/>
+            <a:off x="336430" y="2615611"/>
+            <a:ext cx="5512279" cy="3459154"/>
           </a:xfrm>
           <a:prstGeom prst="rect">
             <a:avLst/>
           </a:prstGeom>
         </p:spPr>
       </p:pic>
+      <p:sp>
+        <p:nvSpPr>
+          <p:cNvPr id="7" name="TextBox 6">
+            <a:extLst>
+              <a:ext uri="{FF2B5EF4-FFF2-40B4-BE49-F238E27FC236}">
+                <a16:creationId xmlns:a16="http://schemas.microsoft.com/office/drawing/2014/main" id="{D7EF0B28-E21B-1C33-A4A3-CF18409E1D20}"/>
+              </a:ext>
+            </a:extLst>
+          </p:cNvPr>
+          <p:cNvSpPr txBox="1"/>
+          <p:nvPr/>
+        </p:nvSpPr>
+        <p:spPr>
+          <a:xfrm>
+            <a:off x="1984076" y="2156605"/>
+            <a:ext cx="2031838" cy="369332"/>
+          </a:xfrm>
+          <a:prstGeom prst="rect">
+            <a:avLst/>
+          </a:prstGeom>
+          <a:noFill/>
+        </p:spPr>
+        <p:txBody>
+          <a:bodyPr wrap="none" rtlCol="0">
+            <a:spAutoFit/>
+          </a:bodyPr>
+          <a:lstStyle/>
+          <a:p>
+            <a:r>
+              <a:rPr lang="en-US" dirty="0"/>
+              <a:t>Myocarditis dataset</a:t>
+            </a:r>
+          </a:p>
+        </p:txBody>
+      </p:sp>
       <p:pic>
         <p:nvPicPr>
-          <p:cNvPr id="11" name="Picture 10">
-            <a:extLst>
-              <a:ext uri="{FF2B5EF4-FFF2-40B4-BE49-F238E27FC236}">
-                <a16:creationId xmlns:a16="http://schemas.microsoft.com/office/drawing/2014/main" id="{9EF2D368-5E15-5B10-4909-617F6E5A8CA3}"/>
+          <p:cNvPr id="8" name="Picture 7">
+            <a:extLst>
+              <a:ext uri="{FF2B5EF4-FFF2-40B4-BE49-F238E27FC236}">
+                <a16:creationId xmlns:a16="http://schemas.microsoft.com/office/drawing/2014/main" id="{CC2C55A1-726D-0B65-AEB1-B5CA02D26909}"/>
               </a:ext>
             </a:extLst>
           </p:cNvPr>
@@ -5828,8 +6748,8 @@
         </p:blipFill>
         <p:spPr>
           <a:xfrm>
-            <a:off x="1104183" y="2164307"/>
-            <a:ext cx="3750347" cy="2286924"/>
+            <a:off x="5950592" y="2615611"/>
+            <a:ext cx="5813978" cy="3459154"/>
           </a:xfrm>
           <a:prstGeom prst="rect">
             <a:avLst/>
@@ -5838,10 +6758,10 @@
       </p:pic>
       <p:sp>
         <p:nvSpPr>
-          <p:cNvPr id="14" name="TextBox 13">
-            <a:extLst>
-              <a:ext uri="{FF2B5EF4-FFF2-40B4-BE49-F238E27FC236}">
-                <a16:creationId xmlns:a16="http://schemas.microsoft.com/office/drawing/2014/main" id="{6AECA72F-609D-BF32-C4C7-9663472177BB}"/>
+          <p:cNvPr id="17" name="TextBox 16">
+            <a:extLst>
+              <a:ext uri="{FF2B5EF4-FFF2-40B4-BE49-F238E27FC236}">
+                <a16:creationId xmlns:a16="http://schemas.microsoft.com/office/drawing/2014/main" id="{C24923C7-B890-6CED-31C3-CA66C33A436A}"/>
               </a:ext>
             </a:extLst>
           </p:cNvPr>
@@ -5850,8 +6770,8 @@
         </p:nvSpPr>
         <p:spPr>
           <a:xfrm>
-            <a:off x="2839075" y="2656934"/>
-            <a:ext cx="646331" cy="369332"/>
+            <a:off x="7821283" y="2156605"/>
+            <a:ext cx="1504194" cy="369332"/>
           </a:xfrm>
           <a:prstGeom prst="rect">
             <a:avLst/>
@@ -5866,87 +6786,17 @@
           <a:p>
             <a:r>
               <a:rPr lang="en-US" dirty="0"/>
-              <a:t>****</a:t>
-            </a:r>
-          </a:p>
-        </p:txBody>
-      </p:sp>
-      <p:sp>
-        <p:nvSpPr>
-          <p:cNvPr id="15" name="TextBox 14">
-            <a:extLst>
-              <a:ext uri="{FF2B5EF4-FFF2-40B4-BE49-F238E27FC236}">
-                <a16:creationId xmlns:a16="http://schemas.microsoft.com/office/drawing/2014/main" id="{E965995E-5D50-F00C-C1AD-3814ECCD5725}"/>
-              </a:ext>
-            </a:extLst>
-          </p:cNvPr>
-          <p:cNvSpPr txBox="1"/>
-          <p:nvPr/>
-        </p:nvSpPr>
-        <p:spPr>
-          <a:xfrm>
-            <a:off x="8926450" y="2656934"/>
-            <a:ext cx="646331" cy="369332"/>
-          </a:xfrm>
-          <a:prstGeom prst="rect">
-            <a:avLst/>
-          </a:prstGeom>
-          <a:noFill/>
-        </p:spPr>
-        <p:txBody>
-          <a:bodyPr wrap="none" rtlCol="0">
-            <a:spAutoFit/>
-          </a:bodyPr>
-          <a:lstStyle/>
-          <a:p>
-            <a:r>
-              <a:rPr lang="en-US" dirty="0"/>
-              <a:t>****</a:t>
-            </a:r>
-          </a:p>
-        </p:txBody>
-      </p:sp>
-      <p:sp>
-        <p:nvSpPr>
-          <p:cNvPr id="3" name="TextBox 2">
-            <a:extLst>
-              <a:ext uri="{FF2B5EF4-FFF2-40B4-BE49-F238E27FC236}">
-                <a16:creationId xmlns:a16="http://schemas.microsoft.com/office/drawing/2014/main" id="{66465532-5A83-BB78-7717-CD185C2E08B4}"/>
-              </a:ext>
-            </a:extLst>
-          </p:cNvPr>
-          <p:cNvSpPr txBox="1"/>
-          <p:nvPr/>
-        </p:nvSpPr>
-        <p:spPr>
-          <a:xfrm>
-            <a:off x="4854530" y="3014920"/>
-            <a:ext cx="2031838" cy="369332"/>
-          </a:xfrm>
-          <a:prstGeom prst="rect">
-            <a:avLst/>
-          </a:prstGeom>
-          <a:noFill/>
-        </p:spPr>
-        <p:txBody>
-          <a:bodyPr wrap="none" rtlCol="0">
-            <a:spAutoFit/>
-          </a:bodyPr>
-          <a:lstStyle/>
-          <a:p>
-            <a:r>
-              <a:rPr lang="en-US" dirty="0"/>
-              <a:t>Myocarditis dataset</a:t>
+              <a:t>Colitis dataset</a:t>
             </a:r>
           </a:p>
         </p:txBody>
       </p:sp>
       <p:pic>
         <p:nvPicPr>
-          <p:cNvPr id="6" name="Picture 5">
-            <a:extLst>
-              <a:ext uri="{FF2B5EF4-FFF2-40B4-BE49-F238E27FC236}">
-                <a16:creationId xmlns:a16="http://schemas.microsoft.com/office/drawing/2014/main" id="{2D7E530B-9E5E-2B3F-AE88-EDD9299DD2A1}"/>
+          <p:cNvPr id="18" name="Picture 17">
+            <a:extLst>
+              <a:ext uri="{FF2B5EF4-FFF2-40B4-BE49-F238E27FC236}">
+                <a16:creationId xmlns:a16="http://schemas.microsoft.com/office/drawing/2014/main" id="{869676C2-1F01-D86C-A774-45375E5374A9}"/>
               </a:ext>
             </a:extLst>
           </p:cNvPr>
@@ -5963,6 +6813,280 @@
         </p:blipFill>
         <p:spPr>
           <a:xfrm>
+            <a:off x="10698193" y="5908656"/>
+            <a:ext cx="1157377" cy="711237"/>
+          </a:xfrm>
+          <a:prstGeom prst="rect">
+            <a:avLst/>
+          </a:prstGeom>
+        </p:spPr>
+      </p:pic>
+    </p:spTree>
+    <p:extLst>
+      <p:ext uri="{BB962C8B-B14F-4D97-AF65-F5344CB8AC3E}">
+        <p14:creationId xmlns:p14="http://schemas.microsoft.com/office/powerpoint/2010/main" val="605115762"/>
+      </p:ext>
+    </p:extLst>
+  </p:cSld>
+  <p:clrMapOvr>
+    <a:masterClrMapping/>
+  </p:clrMapOvr>
+</p:sld>
+</file>
+
+<file path=ppt/slides/slide14.xml><?xml version="1.0" encoding="utf-8"?>
+<p:sld xmlns:a="http://schemas.openxmlformats.org/drawingml/2006/main" xmlns:r="http://schemas.openxmlformats.org/officeDocument/2006/relationships" xmlns:p="http://schemas.openxmlformats.org/presentationml/2006/main">
+  <p:cSld>
+    <p:spTree>
+      <p:nvGrpSpPr>
+        <p:cNvPr id="1" name="">
+          <a:extLst>
+            <a:ext uri="{FF2B5EF4-FFF2-40B4-BE49-F238E27FC236}">
+              <a16:creationId xmlns:a16="http://schemas.microsoft.com/office/drawing/2014/main" id="{1C13A064-F69B-7C91-18A1-FEF919C3F44F}"/>
+            </a:ext>
+          </a:extLst>
+        </p:cNvPr>
+        <p:cNvGrpSpPr/>
+        <p:nvPr/>
+      </p:nvGrpSpPr>
+      <p:grpSpPr>
+        <a:xfrm>
+          <a:off x="0" y="0"/>
+          <a:ext cx="0" cy="0"/>
+          <a:chOff x="0" y="0"/>
+          <a:chExt cx="0" cy="0"/>
+        </a:xfrm>
+      </p:grpSpPr>
+      <p:sp>
+        <p:nvSpPr>
+          <p:cNvPr id="2" name="Title 1">
+            <a:extLst>
+              <a:ext uri="{FF2B5EF4-FFF2-40B4-BE49-F238E27FC236}">
+                <a16:creationId xmlns:a16="http://schemas.microsoft.com/office/drawing/2014/main" id="{063155B8-D537-4257-7CF1-3D525083DE2C}"/>
+              </a:ext>
+            </a:extLst>
+          </p:cNvPr>
+          <p:cNvSpPr>
+            <a:spLocks noGrp="1"/>
+          </p:cNvSpPr>
+          <p:nvPr>
+            <p:ph type="title"/>
+          </p:nvPr>
+        </p:nvSpPr>
+        <p:spPr>
+          <a:xfrm>
+            <a:off x="838200" y="593725"/>
+            <a:ext cx="10515600" cy="1325563"/>
+          </a:xfrm>
+        </p:spPr>
+        <p:txBody>
+          <a:bodyPr>
+            <a:normAutofit fontScale="90000"/>
+          </a:bodyPr>
+          <a:lstStyle/>
+          <a:p>
+            <a:r>
+              <a:rPr lang="en-US" dirty="0"/>
+              <a:t>In both datasets, MAITs (less abundant in </a:t>
+            </a:r>
+            <a:r>
+              <a:rPr lang="en-US" dirty="0" err="1"/>
+              <a:t>irAE</a:t>
+            </a:r>
+            <a:r>
+              <a:rPr lang="en-US" dirty="0"/>
+              <a:t> colitis tissue) have shorter TRA CDR3s and more germline-like TRA chains vs. other cell types</a:t>
+            </a:r>
+          </a:p>
+        </p:txBody>
+      </p:sp>
+      <p:pic>
+        <p:nvPicPr>
+          <p:cNvPr id="5" name="Picture 4">
+            <a:extLst>
+              <a:ext uri="{FF2B5EF4-FFF2-40B4-BE49-F238E27FC236}">
+                <a16:creationId xmlns:a16="http://schemas.microsoft.com/office/drawing/2014/main" id="{EA658282-7C3A-F7DE-0F61-D456D10E44D0}"/>
+              </a:ext>
+            </a:extLst>
+          </p:cNvPr>
+          <p:cNvPicPr>
+            <a:picLocks noChangeAspect="1"/>
+          </p:cNvPicPr>
+          <p:nvPr/>
+        </p:nvPicPr>
+        <p:blipFill>
+          <a:blip r:embed="rId3"/>
+          <a:stretch>
+            <a:fillRect/>
+          </a:stretch>
+        </p:blipFill>
+        <p:spPr>
+          <a:xfrm>
+            <a:off x="7088524" y="2164308"/>
+            <a:ext cx="3892755" cy="2286924"/>
+          </a:xfrm>
+          <a:prstGeom prst="rect">
+            <a:avLst/>
+          </a:prstGeom>
+        </p:spPr>
+      </p:pic>
+      <p:pic>
+        <p:nvPicPr>
+          <p:cNvPr id="11" name="Picture 10">
+            <a:extLst>
+              <a:ext uri="{FF2B5EF4-FFF2-40B4-BE49-F238E27FC236}">
+                <a16:creationId xmlns:a16="http://schemas.microsoft.com/office/drawing/2014/main" id="{13FB0F50-9D30-82F9-30E4-C05F7874A8CD}"/>
+              </a:ext>
+            </a:extLst>
+          </p:cNvPr>
+          <p:cNvPicPr>
+            <a:picLocks noChangeAspect="1"/>
+          </p:cNvPicPr>
+          <p:nvPr/>
+        </p:nvPicPr>
+        <p:blipFill>
+          <a:blip r:embed="rId4"/>
+          <a:stretch>
+            <a:fillRect/>
+          </a:stretch>
+        </p:blipFill>
+        <p:spPr>
+          <a:xfrm>
+            <a:off x="1104183" y="2164307"/>
+            <a:ext cx="3750347" cy="2286924"/>
+          </a:xfrm>
+          <a:prstGeom prst="rect">
+            <a:avLst/>
+          </a:prstGeom>
+        </p:spPr>
+      </p:pic>
+      <p:sp>
+        <p:nvSpPr>
+          <p:cNvPr id="14" name="TextBox 13">
+            <a:extLst>
+              <a:ext uri="{FF2B5EF4-FFF2-40B4-BE49-F238E27FC236}">
+                <a16:creationId xmlns:a16="http://schemas.microsoft.com/office/drawing/2014/main" id="{62ED1322-3B07-D100-6671-50A4DF768197}"/>
+              </a:ext>
+            </a:extLst>
+          </p:cNvPr>
+          <p:cNvSpPr txBox="1"/>
+          <p:nvPr/>
+        </p:nvSpPr>
+        <p:spPr>
+          <a:xfrm>
+            <a:off x="2839075" y="2656934"/>
+            <a:ext cx="646331" cy="369332"/>
+          </a:xfrm>
+          <a:prstGeom prst="rect">
+            <a:avLst/>
+          </a:prstGeom>
+          <a:noFill/>
+        </p:spPr>
+        <p:txBody>
+          <a:bodyPr wrap="none" rtlCol="0">
+            <a:spAutoFit/>
+          </a:bodyPr>
+          <a:lstStyle/>
+          <a:p>
+            <a:r>
+              <a:rPr lang="en-US" dirty="0"/>
+              <a:t>****</a:t>
+            </a:r>
+          </a:p>
+        </p:txBody>
+      </p:sp>
+      <p:sp>
+        <p:nvSpPr>
+          <p:cNvPr id="15" name="TextBox 14">
+            <a:extLst>
+              <a:ext uri="{FF2B5EF4-FFF2-40B4-BE49-F238E27FC236}">
+                <a16:creationId xmlns:a16="http://schemas.microsoft.com/office/drawing/2014/main" id="{C57714AE-FF97-139E-0DFD-DB3B30768366}"/>
+              </a:ext>
+            </a:extLst>
+          </p:cNvPr>
+          <p:cNvSpPr txBox="1"/>
+          <p:nvPr/>
+        </p:nvSpPr>
+        <p:spPr>
+          <a:xfrm>
+            <a:off x="8926450" y="2656934"/>
+            <a:ext cx="646331" cy="369332"/>
+          </a:xfrm>
+          <a:prstGeom prst="rect">
+            <a:avLst/>
+          </a:prstGeom>
+          <a:noFill/>
+        </p:spPr>
+        <p:txBody>
+          <a:bodyPr wrap="none" rtlCol="0">
+            <a:spAutoFit/>
+          </a:bodyPr>
+          <a:lstStyle/>
+          <a:p>
+            <a:r>
+              <a:rPr lang="en-US" dirty="0"/>
+              <a:t>****</a:t>
+            </a:r>
+          </a:p>
+        </p:txBody>
+      </p:sp>
+      <p:sp>
+        <p:nvSpPr>
+          <p:cNvPr id="3" name="TextBox 2">
+            <a:extLst>
+              <a:ext uri="{FF2B5EF4-FFF2-40B4-BE49-F238E27FC236}">
+                <a16:creationId xmlns:a16="http://schemas.microsoft.com/office/drawing/2014/main" id="{7840F41E-1FA4-7271-71DD-BE76F8F85878}"/>
+              </a:ext>
+            </a:extLst>
+          </p:cNvPr>
+          <p:cNvSpPr txBox="1"/>
+          <p:nvPr/>
+        </p:nvSpPr>
+        <p:spPr>
+          <a:xfrm>
+            <a:off x="4854530" y="3014920"/>
+            <a:ext cx="2031838" cy="369332"/>
+          </a:xfrm>
+          <a:prstGeom prst="rect">
+            <a:avLst/>
+          </a:prstGeom>
+          <a:noFill/>
+        </p:spPr>
+        <p:txBody>
+          <a:bodyPr wrap="none" rtlCol="0">
+            <a:spAutoFit/>
+          </a:bodyPr>
+          <a:lstStyle/>
+          <a:p>
+            <a:r>
+              <a:rPr lang="en-US" dirty="0"/>
+              <a:t>Myocarditis dataset</a:t>
+            </a:r>
+          </a:p>
+        </p:txBody>
+      </p:sp>
+      <p:pic>
+        <p:nvPicPr>
+          <p:cNvPr id="6" name="Picture 5">
+            <a:extLst>
+              <a:ext uri="{FF2B5EF4-FFF2-40B4-BE49-F238E27FC236}">
+                <a16:creationId xmlns:a16="http://schemas.microsoft.com/office/drawing/2014/main" id="{D4161804-77D3-9D9A-3597-79459E624AE6}"/>
+              </a:ext>
+            </a:extLst>
+          </p:cNvPr>
+          <p:cNvPicPr>
+            <a:picLocks noChangeAspect="1"/>
+          </p:cNvPicPr>
+          <p:nvPr/>
+        </p:nvPicPr>
+        <p:blipFill>
+          <a:blip r:embed="rId5"/>
+          <a:stretch>
+            <a:fillRect/>
+          </a:stretch>
+        </p:blipFill>
+        <p:spPr>
+          <a:xfrm>
             <a:off x="1104183" y="4451231"/>
             <a:ext cx="3750347" cy="2269250"/>
           </a:xfrm>
@@ -5976,7 +7100,7 @@
           <p:cNvPr id="9" name="Picture 8">
             <a:extLst>
               <a:ext uri="{FF2B5EF4-FFF2-40B4-BE49-F238E27FC236}">
-                <a16:creationId xmlns:a16="http://schemas.microsoft.com/office/drawing/2014/main" id="{ECCF2A1F-A589-F6EF-BFED-6A5C2B3F7EE6}"/>
+                <a16:creationId xmlns:a16="http://schemas.microsoft.com/office/drawing/2014/main" id="{A3B09C03-4022-8770-B672-5740164FD967}"/>
               </a:ext>
             </a:extLst>
           </p:cNvPr>
@@ -6006,7 +7130,7 @@
           <p:cNvPr id="13" name="TextBox 12">
             <a:extLst>
               <a:ext uri="{FF2B5EF4-FFF2-40B4-BE49-F238E27FC236}">
-                <a16:creationId xmlns:a16="http://schemas.microsoft.com/office/drawing/2014/main" id="{83BB2B69-94DC-35DD-B2B2-963C08E5972C}"/>
+                <a16:creationId xmlns:a16="http://schemas.microsoft.com/office/drawing/2014/main" id="{2EBF5772-AD2F-D59A-EE01-B46E42DEB8B8}"/>
               </a:ext>
             </a:extLst>
           </p:cNvPr>
@@ -6099,7 +7223,7 @@
           <p:cNvPr id="10" name="TextBox 9">
             <a:extLst>
               <a:ext uri="{FF2B5EF4-FFF2-40B4-BE49-F238E27FC236}">
-                <a16:creationId xmlns:a16="http://schemas.microsoft.com/office/drawing/2014/main" id="{8E134D2A-7BE4-B076-5C79-E3F1DB16642A}"/>
+                <a16:creationId xmlns:a16="http://schemas.microsoft.com/office/drawing/2014/main" id="{A18F866A-1864-ABA2-1E41-0A2D382EF254}"/>
               </a:ext>
             </a:extLst>
           </p:cNvPr>
@@ -6134,7 +7258,7 @@
           <p:cNvPr id="12" name="TextBox 11">
             <a:extLst>
               <a:ext uri="{FF2B5EF4-FFF2-40B4-BE49-F238E27FC236}">
-                <a16:creationId xmlns:a16="http://schemas.microsoft.com/office/drawing/2014/main" id="{E186D4C3-19AA-6D63-54E3-6B01C2CA25B9}"/>
+                <a16:creationId xmlns:a16="http://schemas.microsoft.com/office/drawing/2014/main" id="{04A19F14-EDBC-FB2D-CA37-A3C0076FF22D}"/>
               </a:ext>
             </a:extLst>
           </p:cNvPr>
@@ -6169,7 +7293,7 @@
           <p:cNvPr id="16" name="TextBox 15">
             <a:extLst>
               <a:ext uri="{FF2B5EF4-FFF2-40B4-BE49-F238E27FC236}">
-                <a16:creationId xmlns:a16="http://schemas.microsoft.com/office/drawing/2014/main" id="{D9A540A9-F87A-1363-F9DC-7D957B7A12F3}"/>
+                <a16:creationId xmlns:a16="http://schemas.microsoft.com/office/drawing/2014/main" id="{2F1610E9-AFD3-C2AA-E324-7C841D0AF588}"/>
               </a:ext>
             </a:extLst>
           </p:cNvPr>
@@ -6202,7 +7326,7 @@
     </p:spTree>
     <p:extLst>
       <p:ext uri="{BB962C8B-B14F-4D97-AF65-F5344CB8AC3E}">
-        <p14:creationId xmlns:p14="http://schemas.microsoft.com/office/powerpoint/2010/main" val="1312123470"/>
+        <p14:creationId xmlns:p14="http://schemas.microsoft.com/office/powerpoint/2010/main" val="3066924138"/>
       </p:ext>
     </p:extLst>
   </p:cSld>
@@ -6212,7 +7336,7 @@
 </p:sld>
 </file>
 
-<file path=ppt/slides/slide12.xml><?xml version="1.0" encoding="utf-8"?>
+<file path=ppt/slides/slide15.xml><?xml version="1.0" encoding="utf-8"?>
 <p:sld xmlns:a="http://schemas.openxmlformats.org/drawingml/2006/main" xmlns:r="http://schemas.openxmlformats.org/officeDocument/2006/relationships" xmlns:p="http://schemas.openxmlformats.org/presentationml/2006/main">
   <p:cSld>
     <p:spTree>
@@ -6315,7 +7439,7 @@
 </p:sld>
 </file>
 
-<file path=ppt/slides/slide13.xml><?xml version="1.0" encoding="utf-8"?>
+<file path=ppt/slides/slide16.xml><?xml version="1.0" encoding="utf-8"?>
 <p:sld xmlns:a="http://schemas.openxmlformats.org/drawingml/2006/main" xmlns:r="http://schemas.openxmlformats.org/officeDocument/2006/relationships" xmlns:p="http://schemas.openxmlformats.org/presentationml/2006/main">
   <p:cSld>
     <p:spTree>
@@ -6521,6 +7645,571 @@
         <p:cNvPr id="1" name="">
           <a:extLst>
             <a:ext uri="{FF2B5EF4-FFF2-40B4-BE49-F238E27FC236}">
+              <a16:creationId xmlns:a16="http://schemas.microsoft.com/office/drawing/2014/main" id="{E0F14292-DD99-A9DF-44C1-EDBF74A65A40}"/>
+            </a:ext>
+          </a:extLst>
+        </p:cNvPr>
+        <p:cNvGrpSpPr/>
+        <p:nvPr/>
+      </p:nvGrpSpPr>
+      <p:grpSpPr>
+        <a:xfrm>
+          <a:off x="0" y="0"/>
+          <a:ext cx="0" cy="0"/>
+          <a:chOff x="0" y="0"/>
+          <a:chExt cx="0" cy="0"/>
+        </a:xfrm>
+      </p:grpSpPr>
+      <p:sp>
+        <p:nvSpPr>
+          <p:cNvPr id="2" name="Title 1">
+            <a:extLst>
+              <a:ext uri="{FF2B5EF4-FFF2-40B4-BE49-F238E27FC236}">
+                <a16:creationId xmlns:a16="http://schemas.microsoft.com/office/drawing/2014/main" id="{31DFD031-292A-A7C7-7247-67B95C775691}"/>
+              </a:ext>
+            </a:extLst>
+          </p:cNvPr>
+          <p:cNvSpPr>
+            <a:spLocks noGrp="1"/>
+          </p:cNvSpPr>
+          <p:nvPr>
+            <p:ph type="title"/>
+          </p:nvPr>
+        </p:nvSpPr>
+        <p:spPr>
+          <a:xfrm>
+            <a:off x="838200" y="593725"/>
+            <a:ext cx="10515600" cy="1325563"/>
+          </a:xfrm>
+        </p:spPr>
+        <p:txBody>
+          <a:bodyPr>
+            <a:normAutofit fontScale="90000"/>
+          </a:bodyPr>
+          <a:lstStyle/>
+          <a:p>
+            <a:r>
+              <a:rPr lang="en-US" dirty="0"/>
+              <a:t>Manually looked through colitis dataset clusters for those expressing </a:t>
+            </a:r>
+            <a:r>
+              <a:rPr lang="en-US" dirty="0" err="1"/>
+              <a:t>Trm</a:t>
+            </a:r>
+            <a:r>
+              <a:rPr lang="en-US" dirty="0"/>
+              <a:t> markers (CD69, CD103, CD49a): 2 CD4 TCM </a:t>
+            </a:r>
+            <a:r>
+              <a:rPr lang="en-US" dirty="0">
+                <a:sym typeface="Wingdings" pitchFamily="2" charset="2"/>
+              </a:rPr>
+              <a:t> CD4 </a:t>
+            </a:r>
+            <a:r>
+              <a:rPr lang="en-US" dirty="0" err="1">
+                <a:sym typeface="Wingdings" pitchFamily="2" charset="2"/>
+              </a:rPr>
+              <a:t>Trm</a:t>
+            </a:r>
+            <a:r>
+              <a:rPr lang="en-US" dirty="0">
+                <a:sym typeface="Wingdings" pitchFamily="2" charset="2"/>
+              </a:rPr>
+              <a:t>, 5 CD8 TEM  CD8 </a:t>
+            </a:r>
+            <a:r>
+              <a:rPr lang="en-US" dirty="0" err="1">
+                <a:sym typeface="Wingdings" pitchFamily="2" charset="2"/>
+              </a:rPr>
+              <a:t>Trm</a:t>
+            </a:r>
+            <a:r>
+              <a:rPr lang="en-US" dirty="0">
+                <a:sym typeface="Wingdings" pitchFamily="2" charset="2"/>
+              </a:rPr>
+              <a:t>, do see same trend as published (</a:t>
+            </a:r>
+            <a:r>
+              <a:rPr lang="en-US" dirty="0" err="1">
+                <a:sym typeface="Wingdings" pitchFamily="2" charset="2"/>
+              </a:rPr>
+              <a:t>Trm</a:t>
+            </a:r>
+            <a:r>
+              <a:rPr lang="en-US" dirty="0">
+                <a:sym typeface="Wingdings" pitchFamily="2" charset="2"/>
+              </a:rPr>
+              <a:t> lower in </a:t>
+            </a:r>
+            <a:r>
+              <a:rPr lang="en-US" dirty="0" err="1">
+                <a:sym typeface="Wingdings" pitchFamily="2" charset="2"/>
+              </a:rPr>
+              <a:t>irAE</a:t>
+            </a:r>
+            <a:r>
+              <a:rPr lang="en-US" dirty="0">
+                <a:sym typeface="Wingdings" pitchFamily="2" charset="2"/>
+              </a:rPr>
+              <a:t> colitis group)</a:t>
+            </a:r>
+            <a:endParaRPr lang="en-US" dirty="0"/>
+          </a:p>
+        </p:txBody>
+      </p:sp>
+      <p:pic>
+        <p:nvPicPr>
+          <p:cNvPr id="3" name="Picture 2">
+            <a:extLst>
+              <a:ext uri="{FF2B5EF4-FFF2-40B4-BE49-F238E27FC236}">
+                <a16:creationId xmlns:a16="http://schemas.microsoft.com/office/drawing/2014/main" id="{20DC2575-2B3E-24D9-F2F2-5D34EABFA559}"/>
+              </a:ext>
+            </a:extLst>
+          </p:cNvPr>
+          <p:cNvPicPr>
+            <a:picLocks noChangeAspect="1"/>
+          </p:cNvPicPr>
+          <p:nvPr/>
+        </p:nvPicPr>
+        <p:blipFill>
+          <a:blip r:embed="rId3"/>
+          <a:stretch>
+            <a:fillRect/>
+          </a:stretch>
+        </p:blipFill>
+        <p:spPr>
+          <a:xfrm>
+            <a:off x="1972431" y="2268747"/>
+            <a:ext cx="7423171" cy="4589253"/>
+          </a:xfrm>
+          <a:prstGeom prst="rect">
+            <a:avLst/>
+          </a:prstGeom>
+        </p:spPr>
+      </p:pic>
+    </p:spTree>
+    <p:extLst>
+      <p:ext uri="{BB962C8B-B14F-4D97-AF65-F5344CB8AC3E}">
+        <p14:creationId xmlns:p14="http://schemas.microsoft.com/office/powerpoint/2010/main" val="884910669"/>
+      </p:ext>
+    </p:extLst>
+  </p:cSld>
+  <p:clrMapOvr>
+    <a:masterClrMapping/>
+  </p:clrMapOvr>
+</p:sld>
+</file>
+
+<file path=ppt/slides/slide4.xml><?xml version="1.0" encoding="utf-8"?>
+<p:sld xmlns:a="http://schemas.openxmlformats.org/drawingml/2006/main" xmlns:r="http://schemas.openxmlformats.org/officeDocument/2006/relationships" xmlns:p="http://schemas.openxmlformats.org/presentationml/2006/main">
+  <p:cSld>
+    <p:spTree>
+      <p:nvGrpSpPr>
+        <p:cNvPr id="1" name="">
+          <a:extLst>
+            <a:ext uri="{FF2B5EF4-FFF2-40B4-BE49-F238E27FC236}">
+              <a16:creationId xmlns:a16="http://schemas.microsoft.com/office/drawing/2014/main" id="{BF01A6D3-2039-D6F4-617C-74798E1B2BBF}"/>
+            </a:ext>
+          </a:extLst>
+        </p:cNvPr>
+        <p:cNvGrpSpPr/>
+        <p:nvPr/>
+      </p:nvGrpSpPr>
+      <p:grpSpPr>
+        <a:xfrm>
+          <a:off x="0" y="0"/>
+          <a:ext cx="0" cy="0"/>
+          <a:chOff x="0" y="0"/>
+          <a:chExt cx="0" cy="0"/>
+        </a:xfrm>
+      </p:grpSpPr>
+      <p:sp>
+        <p:nvSpPr>
+          <p:cNvPr id="2" name="Title 1">
+            <a:extLst>
+              <a:ext uri="{FF2B5EF4-FFF2-40B4-BE49-F238E27FC236}">
+                <a16:creationId xmlns:a16="http://schemas.microsoft.com/office/drawing/2014/main" id="{88C169DC-ABB5-77F9-13D7-57C8C84C29EE}"/>
+              </a:ext>
+            </a:extLst>
+          </p:cNvPr>
+          <p:cNvSpPr>
+            <a:spLocks noGrp="1"/>
+          </p:cNvSpPr>
+          <p:nvPr>
+            <p:ph type="title"/>
+          </p:nvPr>
+        </p:nvSpPr>
+        <p:spPr>
+          <a:xfrm>
+            <a:off x="838200" y="593725"/>
+            <a:ext cx="10515600" cy="1325563"/>
+          </a:xfrm>
+        </p:spPr>
+        <p:txBody>
+          <a:bodyPr>
+            <a:normAutofit/>
+          </a:bodyPr>
+          <a:lstStyle/>
+          <a:p>
+            <a:r>
+              <a:rPr lang="en-US" dirty="0"/>
+              <a:t>Highly expanded CD8 </a:t>
+            </a:r>
+            <a:r>
+              <a:rPr lang="en-US" dirty="0" err="1"/>
+              <a:t>Trm</a:t>
+            </a:r>
+            <a:r>
+              <a:rPr lang="en-US" dirty="0"/>
+              <a:t> TRAs seem to have distinct features between colitis </a:t>
+            </a:r>
+            <a:r>
+              <a:rPr lang="en-US" dirty="0" err="1"/>
+              <a:t>irAE</a:t>
+            </a:r>
+            <a:r>
+              <a:rPr lang="en-US" dirty="0"/>
+              <a:t> and no colitis </a:t>
+            </a:r>
+            <a:r>
+              <a:rPr lang="en-US" dirty="0" err="1"/>
+              <a:t>irAE</a:t>
+            </a:r>
+            <a:r>
+              <a:rPr lang="en-US" dirty="0"/>
+              <a:t> groups</a:t>
+            </a:r>
+          </a:p>
+        </p:txBody>
+      </p:sp>
+      <p:pic>
+        <p:nvPicPr>
+          <p:cNvPr id="6" name="Picture 5">
+            <a:extLst>
+              <a:ext uri="{FF2B5EF4-FFF2-40B4-BE49-F238E27FC236}">
+                <a16:creationId xmlns:a16="http://schemas.microsoft.com/office/drawing/2014/main" id="{F32D2CC4-1075-4E0A-C3DD-4656327C8E6C}"/>
+              </a:ext>
+            </a:extLst>
+          </p:cNvPr>
+          <p:cNvPicPr>
+            <a:picLocks noChangeAspect="1"/>
+          </p:cNvPicPr>
+          <p:nvPr/>
+        </p:nvPicPr>
+        <p:blipFill>
+          <a:blip r:embed="rId3"/>
+          <a:stretch>
+            <a:fillRect/>
+          </a:stretch>
+        </p:blipFill>
+        <p:spPr>
+          <a:xfrm>
+            <a:off x="6462624" y="2475781"/>
+            <a:ext cx="5420670" cy="3331138"/>
+          </a:xfrm>
+          <a:prstGeom prst="rect">
+            <a:avLst/>
+          </a:prstGeom>
+        </p:spPr>
+      </p:pic>
+      <p:pic>
+        <p:nvPicPr>
+          <p:cNvPr id="7" name="Picture 6">
+            <a:extLst>
+              <a:ext uri="{FF2B5EF4-FFF2-40B4-BE49-F238E27FC236}">
+                <a16:creationId xmlns:a16="http://schemas.microsoft.com/office/drawing/2014/main" id="{D03416A8-D274-8AB7-9F52-4F2C2D95A668}"/>
+              </a:ext>
+            </a:extLst>
+          </p:cNvPr>
+          <p:cNvPicPr>
+            <a:picLocks noChangeAspect="1"/>
+          </p:cNvPicPr>
+          <p:nvPr/>
+        </p:nvPicPr>
+        <p:blipFill>
+          <a:blip r:embed="rId4"/>
+          <a:stretch>
+            <a:fillRect/>
+          </a:stretch>
+        </p:blipFill>
+        <p:spPr>
+          <a:xfrm>
+            <a:off x="173967" y="2475781"/>
+            <a:ext cx="5378165" cy="3331138"/>
+          </a:xfrm>
+          <a:prstGeom prst="rect">
+            <a:avLst/>
+          </a:prstGeom>
+        </p:spPr>
+      </p:pic>
+      <p:sp>
+        <p:nvSpPr>
+          <p:cNvPr id="8" name="TextBox 7">
+            <a:extLst>
+              <a:ext uri="{FF2B5EF4-FFF2-40B4-BE49-F238E27FC236}">
+                <a16:creationId xmlns:a16="http://schemas.microsoft.com/office/drawing/2014/main" id="{0D0D228A-C47B-6E04-AB4C-01457B9269B3}"/>
+              </a:ext>
+            </a:extLst>
+          </p:cNvPr>
+          <p:cNvSpPr txBox="1"/>
+          <p:nvPr/>
+        </p:nvSpPr>
+        <p:spPr>
+          <a:xfrm>
+            <a:off x="646981" y="2038747"/>
+            <a:ext cx="3134833" cy="369332"/>
+          </a:xfrm>
+          <a:prstGeom prst="rect">
+            <a:avLst/>
+          </a:prstGeom>
+          <a:noFill/>
+        </p:spPr>
+        <p:txBody>
+          <a:bodyPr wrap="none" rtlCol="0">
+            <a:spAutoFit/>
+          </a:bodyPr>
+          <a:lstStyle/>
+          <a:p>
+            <a:r>
+              <a:rPr lang="en-US" dirty="0"/>
+              <a:t>Normalized by clonotype depth</a:t>
+            </a:r>
+          </a:p>
+        </p:txBody>
+      </p:sp>
+      <p:sp>
+        <p:nvSpPr>
+          <p:cNvPr id="9" name="TextBox 8">
+            <a:extLst>
+              <a:ext uri="{FF2B5EF4-FFF2-40B4-BE49-F238E27FC236}">
+                <a16:creationId xmlns:a16="http://schemas.microsoft.com/office/drawing/2014/main" id="{7A8F76CC-F3ED-8B8D-425D-2B0DD36AA518}"/>
+              </a:ext>
+            </a:extLst>
+          </p:cNvPr>
+          <p:cNvSpPr txBox="1"/>
+          <p:nvPr/>
+        </p:nvSpPr>
+        <p:spPr>
+          <a:xfrm>
+            <a:off x="7778150" y="2040056"/>
+            <a:ext cx="1531894" cy="369332"/>
+          </a:xfrm>
+          <a:prstGeom prst="rect">
+            <a:avLst/>
+          </a:prstGeom>
+          <a:noFill/>
+        </p:spPr>
+        <p:txBody>
+          <a:bodyPr wrap="none" rtlCol="0">
+            <a:spAutoFit/>
+          </a:bodyPr>
+          <a:lstStyle/>
+          <a:p>
+            <a:r>
+              <a:rPr lang="en-US" dirty="0" err="1"/>
+              <a:t>Downsampled</a:t>
+            </a:r>
+            <a:endParaRPr lang="en-US" dirty="0"/>
+          </a:p>
+        </p:txBody>
+      </p:sp>
+      <p:sp>
+        <p:nvSpPr>
+          <p:cNvPr id="10" name="TextBox 9">
+            <a:extLst>
+              <a:ext uri="{FF2B5EF4-FFF2-40B4-BE49-F238E27FC236}">
+                <a16:creationId xmlns:a16="http://schemas.microsoft.com/office/drawing/2014/main" id="{C9BACCE4-52F4-1830-CA4F-47210C01EF35}"/>
+              </a:ext>
+            </a:extLst>
+          </p:cNvPr>
+          <p:cNvSpPr txBox="1"/>
+          <p:nvPr/>
+        </p:nvSpPr>
+        <p:spPr>
+          <a:xfrm>
+            <a:off x="321286" y="5873312"/>
+            <a:ext cx="4084320" cy="369332"/>
+          </a:xfrm>
+          <a:prstGeom prst="rect">
+            <a:avLst/>
+          </a:prstGeom>
+          <a:noFill/>
+        </p:spPr>
+        <p:txBody>
+          <a:bodyPr wrap="square" rtlCol="0">
+            <a:spAutoFit/>
+          </a:bodyPr>
+          <a:lstStyle/>
+          <a:p>
+            <a:r>
+              <a:rPr lang="en-US" dirty="0">
+                <a:sym typeface="Wingdings" pitchFamily="2" charset="2"/>
+              </a:rPr>
+              <a:t> </a:t>
+            </a:r>
+            <a:r>
+              <a:rPr lang="en-US" dirty="0"/>
+              <a:t>Increasing clonotype abundance</a:t>
+            </a:r>
+          </a:p>
+        </p:txBody>
+      </p:sp>
+      <p:sp>
+        <p:nvSpPr>
+          <p:cNvPr id="11" name="TextBox 10">
+            <a:extLst>
+              <a:ext uri="{FF2B5EF4-FFF2-40B4-BE49-F238E27FC236}">
+                <a16:creationId xmlns:a16="http://schemas.microsoft.com/office/drawing/2014/main" id="{E9593E9A-0EE1-4ECD-CC4E-E900D26F32E3}"/>
+              </a:ext>
+            </a:extLst>
+          </p:cNvPr>
+          <p:cNvSpPr txBox="1"/>
+          <p:nvPr/>
+        </p:nvSpPr>
+        <p:spPr>
+          <a:xfrm>
+            <a:off x="6340367" y="5873312"/>
+            <a:ext cx="4084320" cy="369332"/>
+          </a:xfrm>
+          <a:prstGeom prst="rect">
+            <a:avLst/>
+          </a:prstGeom>
+          <a:noFill/>
+        </p:spPr>
+        <p:txBody>
+          <a:bodyPr wrap="square" rtlCol="0">
+            <a:spAutoFit/>
+          </a:bodyPr>
+          <a:lstStyle/>
+          <a:p>
+            <a:r>
+              <a:rPr lang="en-US" dirty="0">
+                <a:sym typeface="Wingdings" pitchFamily="2" charset="2"/>
+              </a:rPr>
+              <a:t> </a:t>
+            </a:r>
+            <a:r>
+              <a:rPr lang="en-US" dirty="0"/>
+              <a:t>Increasing clonotype abundance</a:t>
+            </a:r>
+          </a:p>
+        </p:txBody>
+      </p:sp>
+      <p:sp>
+        <p:nvSpPr>
+          <p:cNvPr id="12" name="TextBox 11">
+            <a:extLst>
+              <a:ext uri="{FF2B5EF4-FFF2-40B4-BE49-F238E27FC236}">
+                <a16:creationId xmlns:a16="http://schemas.microsoft.com/office/drawing/2014/main" id="{8CD54471-B37B-44D1-E818-6AA3818DF802}"/>
+              </a:ext>
+            </a:extLst>
+          </p:cNvPr>
+          <p:cNvSpPr txBox="1"/>
+          <p:nvPr/>
+        </p:nvSpPr>
+        <p:spPr>
+          <a:xfrm>
+            <a:off x="2572082" y="6488668"/>
+            <a:ext cx="7382653" cy="369332"/>
+          </a:xfrm>
+          <a:prstGeom prst="rect">
+            <a:avLst/>
+          </a:prstGeom>
+          <a:noFill/>
+        </p:spPr>
+        <p:txBody>
+          <a:bodyPr wrap="square" rtlCol="0">
+            <a:spAutoFit/>
+          </a:bodyPr>
+          <a:lstStyle/>
+          <a:p>
+            <a:r>
+              <a:rPr lang="en-US" sz="1800" dirty="0">
+                <a:effectLst/>
+                <a:ea typeface="Calibri" panose="020F0502020204030204" pitchFamily="34" charset="0"/>
+                <a:cs typeface="Times New Roman" panose="02020603050405020304" pitchFamily="18" charset="0"/>
+              </a:rPr>
+              <a:t>Wilcox rank sum test: ****; </a:t>
+            </a:r>
+            <a:r>
+              <a:rPr lang="en-US" sz="1800" dirty="0" err="1">
+                <a:effectLst/>
+                <a:ea typeface="Calibri" panose="020F0502020204030204" pitchFamily="34" charset="0"/>
+                <a:cs typeface="Times New Roman" panose="02020603050405020304" pitchFamily="18" charset="0"/>
+              </a:rPr>
+              <a:t>padj</a:t>
+            </a:r>
+            <a:r>
+              <a:rPr lang="en-US" sz="1800" dirty="0">
+                <a:effectLst/>
+                <a:ea typeface="Calibri" panose="020F0502020204030204" pitchFamily="34" charset="0"/>
+                <a:cs typeface="Times New Roman" panose="02020603050405020304" pitchFamily="18" charset="0"/>
+              </a:rPr>
+              <a:t> &lt; 1e-4, **; </a:t>
+            </a:r>
+            <a:r>
+              <a:rPr lang="en-US" sz="1800" dirty="0" err="1">
+                <a:effectLst/>
+                <a:ea typeface="Calibri" panose="020F0502020204030204" pitchFamily="34" charset="0"/>
+                <a:cs typeface="Times New Roman" panose="02020603050405020304" pitchFamily="18" charset="0"/>
+              </a:rPr>
+              <a:t>padj</a:t>
+            </a:r>
+            <a:r>
+              <a:rPr lang="en-US" sz="1800" dirty="0">
+                <a:effectLst/>
+                <a:ea typeface="Calibri" panose="020F0502020204030204" pitchFamily="34" charset="0"/>
+                <a:cs typeface="Times New Roman" panose="02020603050405020304" pitchFamily="18" charset="0"/>
+              </a:rPr>
+              <a:t> &lt;1e-2, *; </a:t>
+            </a:r>
+            <a:r>
+              <a:rPr lang="en-US" sz="1800" dirty="0" err="1">
+                <a:effectLst/>
+                <a:ea typeface="Calibri" panose="020F0502020204030204" pitchFamily="34" charset="0"/>
+                <a:cs typeface="Times New Roman" panose="02020603050405020304" pitchFamily="18" charset="0"/>
+              </a:rPr>
+              <a:t>padj</a:t>
+            </a:r>
+            <a:r>
+              <a:rPr lang="en-US" sz="1800" dirty="0">
+                <a:effectLst/>
+                <a:ea typeface="Calibri" panose="020F0502020204030204" pitchFamily="34" charset="0"/>
+                <a:cs typeface="Times New Roman" panose="02020603050405020304" pitchFamily="18" charset="0"/>
+              </a:rPr>
+              <a:t> &lt;0.05</a:t>
+            </a:r>
+            <a:endParaRPr lang="en-US" sz="1800" b="0" i="0" u="none" strike="noStrike" dirty="0">
+              <a:solidFill>
+                <a:srgbClr val="212121"/>
+              </a:solidFill>
+              <a:effectLst/>
+            </a:endParaRPr>
+          </a:p>
+        </p:txBody>
+      </p:sp>
+    </p:spTree>
+    <p:extLst>
+      <p:ext uri="{BB962C8B-B14F-4D97-AF65-F5344CB8AC3E}">
+        <p14:creationId xmlns:p14="http://schemas.microsoft.com/office/powerpoint/2010/main" val="2336503076"/>
+      </p:ext>
+    </p:extLst>
+  </p:cSld>
+  <p:clrMapOvr>
+    <a:masterClrMapping/>
+  </p:clrMapOvr>
+</p:sld>
+</file>
+
+<file path=ppt/slides/slide5.xml><?xml version="1.0" encoding="utf-8"?>
+<p:sld xmlns:a="http://schemas.openxmlformats.org/drawingml/2006/main" xmlns:r="http://schemas.openxmlformats.org/officeDocument/2006/relationships" xmlns:p="http://schemas.openxmlformats.org/presentationml/2006/main">
+  <p:cSld>
+    <p:spTree>
+      <p:nvGrpSpPr>
+        <p:cNvPr id="1" name="">
+          <a:extLst>
+            <a:ext uri="{FF2B5EF4-FFF2-40B4-BE49-F238E27FC236}">
               <a16:creationId xmlns:a16="http://schemas.microsoft.com/office/drawing/2014/main" id="{493FDD22-822B-7538-9FB8-B8FA23F06731}"/>
             </a:ext>
           </a:extLst>
@@ -6574,7 +8263,15 @@
             </a:r>
             <a:r>
               <a:rPr lang="en-US" dirty="0"/>
-              <a:t> colitis group</a:t>
+              <a:t> colitis group (no </a:t>
+            </a:r>
+            <a:r>
+              <a:rPr lang="en-US" dirty="0" err="1"/>
+              <a:t>Trms</a:t>
+            </a:r>
+            <a:r>
+              <a:rPr lang="en-US" dirty="0"/>
+              <a:t>)</a:t>
             </a:r>
           </a:p>
         </p:txBody>
@@ -6808,7 +8505,7 @@
 </p:sld>
 </file>
 
-<file path=ppt/slides/slide4.xml><?xml version="1.0" encoding="utf-8"?>
+<file path=ppt/slides/slide6.xml><?xml version="1.0" encoding="utf-8"?>
 <p:sld xmlns:a="http://schemas.openxmlformats.org/drawingml/2006/main" xmlns:r="http://schemas.openxmlformats.org/officeDocument/2006/relationships" xmlns:p="http://schemas.openxmlformats.org/presentationml/2006/main">
   <p:cSld>
     <p:spTree>
@@ -6861,7 +8558,15 @@
           <a:p>
             <a:r>
               <a:rPr lang="en-US" dirty="0"/>
-              <a:t>See same trend for TRB in colitis dataset</a:t>
+              <a:t>See same trend for TRB in colitis dataset (no </a:t>
+            </a:r>
+            <a:r>
+              <a:rPr lang="en-US" dirty="0" err="1"/>
+              <a:t>Trms</a:t>
+            </a:r>
+            <a:r>
+              <a:rPr lang="en-US" dirty="0"/>
+              <a:t>)</a:t>
             </a:r>
           </a:p>
         </p:txBody>
@@ -7138,7 +8843,7 @@
 </p:sld>
 </file>
 
-<file path=ppt/slides/slide5.xml><?xml version="1.0" encoding="utf-8"?>
+<file path=ppt/slides/slide7.xml><?xml version="1.0" encoding="utf-8"?>
 <p:sld xmlns:a="http://schemas.openxmlformats.org/drawingml/2006/main" xmlns:r="http://schemas.openxmlformats.org/officeDocument/2006/relationships" xmlns:p="http://schemas.openxmlformats.org/presentationml/2006/main">
   <p:cSld>
     <p:spTree>
@@ -7284,10 +8989,10 @@
       </p:sp>
       <p:pic>
         <p:nvPicPr>
-          <p:cNvPr id="8" name="Picture 7">
-            <a:extLst>
-              <a:ext uri="{FF2B5EF4-FFF2-40B4-BE49-F238E27FC236}">
-                <a16:creationId xmlns:a16="http://schemas.microsoft.com/office/drawing/2014/main" id="{1525F71B-4E64-28B2-FB69-17034603D3FF}"/>
+          <p:cNvPr id="5" name="Picture 4">
+            <a:extLst>
+              <a:ext uri="{FF2B5EF4-FFF2-40B4-BE49-F238E27FC236}">
+                <a16:creationId xmlns:a16="http://schemas.microsoft.com/office/drawing/2014/main" id="{ACB87164-2A04-FC94-27ED-BEEBE13F8FCE}"/>
               </a:ext>
             </a:extLst>
           </p:cNvPr>
@@ -7304,8 +9009,8 @@
         </p:blipFill>
         <p:spPr>
           <a:xfrm>
-            <a:off x="0" y="2672146"/>
-            <a:ext cx="6096000" cy="3833024"/>
+            <a:off x="0" y="2721004"/>
+            <a:ext cx="5892738" cy="3629523"/>
           </a:xfrm>
           <a:prstGeom prst="rect">
             <a:avLst/>
@@ -7314,10 +9019,10 @@
       </p:pic>
       <p:pic>
         <p:nvPicPr>
-          <p:cNvPr id="10" name="Picture 9">
-            <a:extLst>
-              <a:ext uri="{FF2B5EF4-FFF2-40B4-BE49-F238E27FC236}">
-                <a16:creationId xmlns:a16="http://schemas.microsoft.com/office/drawing/2014/main" id="{0D9FEE41-210A-327B-242A-4021AF015D06}"/>
+          <p:cNvPr id="6" name="Picture 5">
+            <a:extLst>
+              <a:ext uri="{FF2B5EF4-FFF2-40B4-BE49-F238E27FC236}">
+                <a16:creationId xmlns:a16="http://schemas.microsoft.com/office/drawing/2014/main" id="{69FDB94A-FEC5-991F-2BF4-1FA86F2FC0EF}"/>
               </a:ext>
             </a:extLst>
           </p:cNvPr>
@@ -7334,8 +9039,8 @@
         </p:blipFill>
         <p:spPr>
           <a:xfrm>
-            <a:off x="6077247" y="2689365"/>
-            <a:ext cx="6121004" cy="3815804"/>
+            <a:off x="5892738" y="2721004"/>
+            <a:ext cx="6003803" cy="3680852"/>
           </a:xfrm>
           <a:prstGeom prst="rect">
             <a:avLst/>
@@ -7355,7 +9060,7 @@
 </p:sld>
 </file>
 
-<file path=ppt/slides/slide6.xml><?xml version="1.0" encoding="utf-8"?>
+<file path=ppt/slides/slide8.xml><?xml version="1.0" encoding="utf-8"?>
 <p:sld xmlns:a="http://schemas.openxmlformats.org/drawingml/2006/main" xmlns:r="http://schemas.openxmlformats.org/officeDocument/2006/relationships" xmlns:p="http://schemas.openxmlformats.org/presentationml/2006/main">
   <p:cSld>
     <p:spTree>
@@ -7501,10 +9206,10 @@
       </p:sp>
       <p:pic>
         <p:nvPicPr>
-          <p:cNvPr id="5" name="Picture 4">
-            <a:extLst>
-              <a:ext uri="{FF2B5EF4-FFF2-40B4-BE49-F238E27FC236}">
-                <a16:creationId xmlns:a16="http://schemas.microsoft.com/office/drawing/2014/main" id="{35516CCD-7056-EA57-F2A3-788843BB4FA1}"/>
+          <p:cNvPr id="9" name="Picture 8">
+            <a:extLst>
+              <a:ext uri="{FF2B5EF4-FFF2-40B4-BE49-F238E27FC236}">
+                <a16:creationId xmlns:a16="http://schemas.microsoft.com/office/drawing/2014/main" id="{2E06A653-147A-20CE-D3DF-BE5C097F6C15}"/>
               </a:ext>
             </a:extLst>
           </p:cNvPr>
@@ -7521,8 +9226,8 @@
         </p:blipFill>
         <p:spPr>
           <a:xfrm>
-            <a:off x="115326" y="2539130"/>
-            <a:ext cx="5980674" cy="3629297"/>
+            <a:off x="5910057" y="2634467"/>
+            <a:ext cx="5778734" cy="3537335"/>
           </a:xfrm>
           <a:prstGeom prst="rect">
             <a:avLst/>
@@ -7531,10 +9236,10 @@
       </p:pic>
       <p:pic>
         <p:nvPicPr>
-          <p:cNvPr id="6" name="Picture 5">
-            <a:extLst>
-              <a:ext uri="{FF2B5EF4-FFF2-40B4-BE49-F238E27FC236}">
-                <a16:creationId xmlns:a16="http://schemas.microsoft.com/office/drawing/2014/main" id="{ED0F1FEE-1F10-2BF3-36C0-DDB5CFDF7ED5}"/>
+          <p:cNvPr id="10" name="Picture 9">
+            <a:extLst>
+              <a:ext uri="{FF2B5EF4-FFF2-40B4-BE49-F238E27FC236}">
+                <a16:creationId xmlns:a16="http://schemas.microsoft.com/office/drawing/2014/main" id="{A04062CE-FEA7-36BF-740D-6032AFF136B9}"/>
               </a:ext>
             </a:extLst>
           </p:cNvPr>
@@ -7551,8 +9256,8 @@
         </p:blipFill>
         <p:spPr>
           <a:xfrm>
-            <a:off x="6160697" y="2542558"/>
-            <a:ext cx="5873017" cy="3625731"/>
+            <a:off x="87228" y="2634949"/>
+            <a:ext cx="5778734" cy="3532353"/>
           </a:xfrm>
           <a:prstGeom prst="rect">
             <a:avLst/>
@@ -7572,7 +9277,7 @@
 </p:sld>
 </file>
 
-<file path=ppt/slides/slide7.xml><?xml version="1.0" encoding="utf-8"?>
+<file path=ppt/slides/slide9.xml><?xml version="1.0" encoding="utf-8"?>
 <p:sld xmlns:a="http://schemas.openxmlformats.org/drawingml/2006/main" xmlns:r="http://schemas.openxmlformats.org/officeDocument/2006/relationships" xmlns:p="http://schemas.openxmlformats.org/presentationml/2006/main">
   <p:cSld>
     <p:spTree>
@@ -7850,512 +9555,6 @@
     <p:extLst>
       <p:ext uri="{BB962C8B-B14F-4D97-AF65-F5344CB8AC3E}">
         <p14:creationId xmlns:p14="http://schemas.microsoft.com/office/powerpoint/2010/main" val="3889704069"/>
-      </p:ext>
-    </p:extLst>
-  </p:cSld>
-  <p:clrMapOvr>
-    <a:masterClrMapping/>
-  </p:clrMapOvr>
-</p:sld>
-</file>
-
-<file path=ppt/slides/slide8.xml><?xml version="1.0" encoding="utf-8"?>
-<p:sld xmlns:a="http://schemas.openxmlformats.org/drawingml/2006/main" xmlns:r="http://schemas.openxmlformats.org/officeDocument/2006/relationships" xmlns:p="http://schemas.openxmlformats.org/presentationml/2006/main">
-  <p:cSld>
-    <p:spTree>
-      <p:nvGrpSpPr>
-        <p:cNvPr id="1" name="">
-          <a:extLst>
-            <a:ext uri="{FF2B5EF4-FFF2-40B4-BE49-F238E27FC236}">
-              <a16:creationId xmlns:a16="http://schemas.microsoft.com/office/drawing/2014/main" id="{7FE54AA5-F5C4-06ED-0745-3FD8F25960FB}"/>
-            </a:ext>
-          </a:extLst>
-        </p:cNvPr>
-        <p:cNvGrpSpPr/>
-        <p:nvPr/>
-      </p:nvGrpSpPr>
-      <p:grpSpPr>
-        <a:xfrm>
-          <a:off x="0" y="0"/>
-          <a:ext cx="0" cy="0"/>
-          <a:chOff x="0" y="0"/>
-          <a:chExt cx="0" cy="0"/>
-        </a:xfrm>
-      </p:grpSpPr>
-      <p:sp>
-        <p:nvSpPr>
-          <p:cNvPr id="2" name="Title 1">
-            <a:extLst>
-              <a:ext uri="{FF2B5EF4-FFF2-40B4-BE49-F238E27FC236}">
-                <a16:creationId xmlns:a16="http://schemas.microsoft.com/office/drawing/2014/main" id="{DBFF71BC-D96F-7591-261A-351E019B29B4}"/>
-              </a:ext>
-            </a:extLst>
-          </p:cNvPr>
-          <p:cNvSpPr>
-            <a:spLocks noGrp="1"/>
-          </p:cNvSpPr>
-          <p:nvPr>
-            <p:ph type="title"/>
-          </p:nvPr>
-        </p:nvSpPr>
-        <p:spPr>
-          <a:xfrm>
-            <a:off x="838200" y="593725"/>
-            <a:ext cx="10515600" cy="1325563"/>
-          </a:xfrm>
-        </p:spPr>
-        <p:txBody>
-          <a:bodyPr>
-            <a:normAutofit/>
-          </a:bodyPr>
-          <a:lstStyle/>
-          <a:p>
-            <a:r>
-              <a:rPr lang="en-US" dirty="0"/>
-              <a:t>In myocarditis dataset (TRB), don’t see same trend</a:t>
-            </a:r>
-          </a:p>
-        </p:txBody>
-      </p:sp>
-      <p:sp>
-        <p:nvSpPr>
-          <p:cNvPr id="3" name="TextBox 2">
-            <a:extLst>
-              <a:ext uri="{FF2B5EF4-FFF2-40B4-BE49-F238E27FC236}">
-                <a16:creationId xmlns:a16="http://schemas.microsoft.com/office/drawing/2014/main" id="{3BB62542-125D-A4DD-27E5-8DF7693C925E}"/>
-              </a:ext>
-            </a:extLst>
-          </p:cNvPr>
-          <p:cNvSpPr txBox="1"/>
-          <p:nvPr/>
-        </p:nvSpPr>
-        <p:spPr>
-          <a:xfrm>
-            <a:off x="1314560" y="2135480"/>
-            <a:ext cx="1851276" cy="369332"/>
-          </a:xfrm>
-          <a:prstGeom prst="rect">
-            <a:avLst/>
-          </a:prstGeom>
-          <a:noFill/>
-        </p:spPr>
-        <p:txBody>
-          <a:bodyPr wrap="none" rtlCol="0">
-            <a:spAutoFit/>
-          </a:bodyPr>
-          <a:lstStyle/>
-          <a:p>
-            <a:r>
-              <a:rPr lang="en-US" dirty="0"/>
-              <a:t>Within </a:t>
-            </a:r>
-            <a:r>
-              <a:rPr lang="en-US" dirty="0" err="1"/>
-              <a:t>irAE</a:t>
-            </a:r>
-            <a:r>
-              <a:rPr lang="en-US" dirty="0"/>
-              <a:t> group</a:t>
-            </a:r>
-          </a:p>
-        </p:txBody>
-      </p:sp>
-      <p:sp>
-        <p:nvSpPr>
-          <p:cNvPr id="4" name="TextBox 3">
-            <a:extLst>
-              <a:ext uri="{FF2B5EF4-FFF2-40B4-BE49-F238E27FC236}">
-                <a16:creationId xmlns:a16="http://schemas.microsoft.com/office/drawing/2014/main" id="{5731430A-099F-AD88-7101-185C1C8715EF}"/>
-              </a:ext>
-            </a:extLst>
-          </p:cNvPr>
-          <p:cNvSpPr txBox="1"/>
-          <p:nvPr/>
-        </p:nvSpPr>
-        <p:spPr>
-          <a:xfrm>
-            <a:off x="7138357" y="2135480"/>
-            <a:ext cx="2147832" cy="369332"/>
-          </a:xfrm>
-          <a:prstGeom prst="rect">
-            <a:avLst/>
-          </a:prstGeom>
-          <a:noFill/>
-        </p:spPr>
-        <p:txBody>
-          <a:bodyPr wrap="none" rtlCol="0">
-            <a:spAutoFit/>
-          </a:bodyPr>
-          <a:lstStyle/>
-          <a:p>
-            <a:r>
-              <a:rPr lang="en-US" dirty="0"/>
-              <a:t>Within no </a:t>
-            </a:r>
-            <a:r>
-              <a:rPr lang="en-US" dirty="0" err="1"/>
-              <a:t>irAE</a:t>
-            </a:r>
-            <a:r>
-              <a:rPr lang="en-US" dirty="0"/>
-              <a:t> group</a:t>
-            </a:r>
-          </a:p>
-        </p:txBody>
-      </p:sp>
-      <p:sp>
-        <p:nvSpPr>
-          <p:cNvPr id="9" name="TextBox 8">
-            <a:extLst>
-              <a:ext uri="{FF2B5EF4-FFF2-40B4-BE49-F238E27FC236}">
-                <a16:creationId xmlns:a16="http://schemas.microsoft.com/office/drawing/2014/main" id="{0A5F15DD-5230-3F8D-BE99-13359EA33F97}"/>
-              </a:ext>
-            </a:extLst>
-          </p:cNvPr>
-          <p:cNvSpPr txBox="1"/>
-          <p:nvPr/>
-        </p:nvSpPr>
-        <p:spPr>
-          <a:xfrm>
-            <a:off x="1458382" y="6201565"/>
-            <a:ext cx="2420471" cy="369332"/>
-          </a:xfrm>
-          <a:prstGeom prst="rect">
-            <a:avLst/>
-          </a:prstGeom>
-          <a:noFill/>
-        </p:spPr>
-        <p:txBody>
-          <a:bodyPr wrap="none" rtlCol="0">
-            <a:spAutoFit/>
-          </a:bodyPr>
-          <a:lstStyle/>
-          <a:p>
-            <a:r>
-              <a:rPr lang="en-US" dirty="0"/>
-              <a:t>Total linkages = 300,944</a:t>
-            </a:r>
-          </a:p>
-        </p:txBody>
-      </p:sp>
-      <p:sp>
-        <p:nvSpPr>
-          <p:cNvPr id="13" name="TextBox 12">
-            <a:extLst>
-              <a:ext uri="{FF2B5EF4-FFF2-40B4-BE49-F238E27FC236}">
-                <a16:creationId xmlns:a16="http://schemas.microsoft.com/office/drawing/2014/main" id="{2F891EBE-CAF2-5E64-5955-D2B5C7D44870}"/>
-              </a:ext>
-            </a:extLst>
-          </p:cNvPr>
-          <p:cNvSpPr txBox="1"/>
-          <p:nvPr/>
-        </p:nvSpPr>
-        <p:spPr>
-          <a:xfrm>
-            <a:off x="6988456" y="6201565"/>
-            <a:ext cx="2420471" cy="369332"/>
-          </a:xfrm>
-          <a:prstGeom prst="rect">
-            <a:avLst/>
-          </a:prstGeom>
-          <a:noFill/>
-        </p:spPr>
-        <p:txBody>
-          <a:bodyPr wrap="none" rtlCol="0">
-            <a:spAutoFit/>
-          </a:bodyPr>
-          <a:lstStyle/>
-          <a:p>
-            <a:r>
-              <a:rPr lang="en-US" dirty="0"/>
-              <a:t>Total linkages = 408,859</a:t>
-            </a:r>
-          </a:p>
-        </p:txBody>
-      </p:sp>
-      <p:pic>
-        <p:nvPicPr>
-          <p:cNvPr id="11" name="Picture 10">
-            <a:extLst>
-              <a:ext uri="{FF2B5EF4-FFF2-40B4-BE49-F238E27FC236}">
-                <a16:creationId xmlns:a16="http://schemas.microsoft.com/office/drawing/2014/main" id="{183007E0-AAE5-34F9-3122-DD5E502461D6}"/>
-              </a:ext>
-            </a:extLst>
-          </p:cNvPr>
-          <p:cNvPicPr>
-            <a:picLocks noChangeAspect="1"/>
-          </p:cNvPicPr>
-          <p:nvPr/>
-        </p:nvPicPr>
-        <p:blipFill>
-          <a:blip r:embed="rId3"/>
-          <a:stretch>
-            <a:fillRect/>
-          </a:stretch>
-        </p:blipFill>
-        <p:spPr>
-          <a:xfrm>
-            <a:off x="346336" y="2721004"/>
-            <a:ext cx="5191822" cy="3072710"/>
-          </a:xfrm>
-          <a:prstGeom prst="rect">
-            <a:avLst/>
-          </a:prstGeom>
-        </p:spPr>
-      </p:pic>
-      <p:pic>
-        <p:nvPicPr>
-          <p:cNvPr id="5" name="Picture 4">
-            <a:extLst>
-              <a:ext uri="{FF2B5EF4-FFF2-40B4-BE49-F238E27FC236}">
-                <a16:creationId xmlns:a16="http://schemas.microsoft.com/office/drawing/2014/main" id="{60411011-B685-8389-500D-F49AC62C86B0}"/>
-              </a:ext>
-            </a:extLst>
-          </p:cNvPr>
-          <p:cNvPicPr>
-            <a:picLocks noChangeAspect="1"/>
-          </p:cNvPicPr>
-          <p:nvPr/>
-        </p:nvPicPr>
-        <p:blipFill>
-          <a:blip r:embed="rId4"/>
-          <a:stretch>
-            <a:fillRect/>
-          </a:stretch>
-        </p:blipFill>
-        <p:spPr>
-          <a:xfrm>
-            <a:off x="6204746" y="2721004"/>
-            <a:ext cx="5149054" cy="3072710"/>
-          </a:xfrm>
-          <a:prstGeom prst="rect">
-            <a:avLst/>
-          </a:prstGeom>
-        </p:spPr>
-      </p:pic>
-    </p:spTree>
-    <p:extLst>
-      <p:ext uri="{BB962C8B-B14F-4D97-AF65-F5344CB8AC3E}">
-        <p14:creationId xmlns:p14="http://schemas.microsoft.com/office/powerpoint/2010/main" val="2353577598"/>
-      </p:ext>
-    </p:extLst>
-  </p:cSld>
-  <p:clrMapOvr>
-    <a:masterClrMapping/>
-  </p:clrMapOvr>
-</p:sld>
-</file>
-
-<file path=ppt/slides/slide9.xml><?xml version="1.0" encoding="utf-8"?>
-<p:sld xmlns:a="http://schemas.openxmlformats.org/drawingml/2006/main" xmlns:r="http://schemas.openxmlformats.org/officeDocument/2006/relationships" xmlns:p="http://schemas.openxmlformats.org/presentationml/2006/main">
-  <p:cSld>
-    <p:spTree>
-      <p:nvGrpSpPr>
-        <p:cNvPr id="1" name=""/>
-        <p:cNvGrpSpPr/>
-        <p:nvPr/>
-      </p:nvGrpSpPr>
-      <p:grpSpPr>
-        <a:xfrm>
-          <a:off x="0" y="0"/>
-          <a:ext cx="0" cy="0"/>
-          <a:chOff x="0" y="0"/>
-          <a:chExt cx="0" cy="0"/>
-        </a:xfrm>
-      </p:grpSpPr>
-      <p:sp>
-        <p:nvSpPr>
-          <p:cNvPr id="2" name="Title 1">
-            <a:extLst>
-              <a:ext uri="{FF2B5EF4-FFF2-40B4-BE49-F238E27FC236}">
-                <a16:creationId xmlns:a16="http://schemas.microsoft.com/office/drawing/2014/main" id="{70A4C97D-8F21-3D3B-6A90-EA7145324964}"/>
-              </a:ext>
-            </a:extLst>
-          </p:cNvPr>
-          <p:cNvSpPr>
-            <a:spLocks noGrp="1"/>
-          </p:cNvSpPr>
-          <p:nvPr>
-            <p:ph type="title"/>
-          </p:nvPr>
-        </p:nvSpPr>
-        <p:spPr>
-          <a:xfrm>
-            <a:off x="838200" y="593725"/>
-            <a:ext cx="10515600" cy="1325563"/>
-          </a:xfrm>
-        </p:spPr>
-        <p:txBody>
-          <a:bodyPr>
-            <a:normAutofit/>
-          </a:bodyPr>
-          <a:lstStyle/>
-          <a:p>
-            <a:r>
-              <a:rPr lang="en-US" dirty="0"/>
-              <a:t>Myocarditis upset plots (TRA) don’t seem very different by </a:t>
-            </a:r>
-            <a:r>
-              <a:rPr lang="en-US" dirty="0" err="1"/>
-              <a:t>irAE</a:t>
-            </a:r>
-            <a:r>
-              <a:rPr lang="en-US" dirty="0"/>
-              <a:t> group</a:t>
-            </a:r>
-          </a:p>
-        </p:txBody>
-      </p:sp>
-      <p:pic>
-        <p:nvPicPr>
-          <p:cNvPr id="6" name="Picture 5">
-            <a:extLst>
-              <a:ext uri="{FF2B5EF4-FFF2-40B4-BE49-F238E27FC236}">
-                <a16:creationId xmlns:a16="http://schemas.microsoft.com/office/drawing/2014/main" id="{E042D6EA-4782-3007-D6D7-E7816D07200A}"/>
-              </a:ext>
-            </a:extLst>
-          </p:cNvPr>
-          <p:cNvPicPr>
-            <a:picLocks noChangeAspect="1"/>
-          </p:cNvPicPr>
-          <p:nvPr/>
-        </p:nvPicPr>
-        <p:blipFill>
-          <a:blip r:embed="rId3"/>
-          <a:stretch>
-            <a:fillRect/>
-          </a:stretch>
-        </p:blipFill>
-        <p:spPr>
-          <a:xfrm>
-            <a:off x="6039312" y="2199736"/>
-            <a:ext cx="6041658" cy="3693552"/>
-          </a:xfrm>
-          <a:prstGeom prst="rect">
-            <a:avLst/>
-          </a:prstGeom>
-        </p:spPr>
-      </p:pic>
-      <p:pic>
-        <p:nvPicPr>
-          <p:cNvPr id="7" name="Picture 6">
-            <a:extLst>
-              <a:ext uri="{FF2B5EF4-FFF2-40B4-BE49-F238E27FC236}">
-                <a16:creationId xmlns:a16="http://schemas.microsoft.com/office/drawing/2014/main" id="{1E394172-58F2-44E6-F71C-D8ABBE9F34B4}"/>
-              </a:ext>
-            </a:extLst>
-          </p:cNvPr>
-          <p:cNvPicPr>
-            <a:picLocks noChangeAspect="1"/>
-          </p:cNvPicPr>
-          <p:nvPr/>
-        </p:nvPicPr>
-        <p:blipFill>
-          <a:blip r:embed="rId4"/>
-          <a:stretch>
-            <a:fillRect/>
-          </a:stretch>
-        </p:blipFill>
-        <p:spPr>
-          <a:xfrm>
-            <a:off x="-8626" y="2199736"/>
-            <a:ext cx="5977611" cy="3693552"/>
-          </a:xfrm>
-          <a:prstGeom prst="rect">
-            <a:avLst/>
-          </a:prstGeom>
-        </p:spPr>
-      </p:pic>
-      <p:sp>
-        <p:nvSpPr>
-          <p:cNvPr id="8" name="TextBox 7">
-            <a:extLst>
-              <a:ext uri="{FF2B5EF4-FFF2-40B4-BE49-F238E27FC236}">
-                <a16:creationId xmlns:a16="http://schemas.microsoft.com/office/drawing/2014/main" id="{E09D05AC-39BA-DE82-E63A-5EFC2D909BDB}"/>
-              </a:ext>
-            </a:extLst>
-          </p:cNvPr>
-          <p:cNvSpPr txBox="1"/>
-          <p:nvPr/>
-        </p:nvSpPr>
-        <p:spPr>
-          <a:xfrm>
-            <a:off x="2018334" y="1919288"/>
-            <a:ext cx="1851276" cy="369332"/>
-          </a:xfrm>
-          <a:prstGeom prst="rect">
-            <a:avLst/>
-          </a:prstGeom>
-          <a:noFill/>
-        </p:spPr>
-        <p:txBody>
-          <a:bodyPr wrap="none" rtlCol="0">
-            <a:spAutoFit/>
-          </a:bodyPr>
-          <a:lstStyle/>
-          <a:p>
-            <a:r>
-              <a:rPr lang="en-US" dirty="0"/>
-              <a:t>Within </a:t>
-            </a:r>
-            <a:r>
-              <a:rPr lang="en-US" dirty="0" err="1"/>
-              <a:t>irAE</a:t>
-            </a:r>
-            <a:r>
-              <a:rPr lang="en-US" dirty="0"/>
-              <a:t> group</a:t>
-            </a:r>
-          </a:p>
-        </p:txBody>
-      </p:sp>
-      <p:sp>
-        <p:nvSpPr>
-          <p:cNvPr id="9" name="TextBox 8">
-            <a:extLst>
-              <a:ext uri="{FF2B5EF4-FFF2-40B4-BE49-F238E27FC236}">
-                <a16:creationId xmlns:a16="http://schemas.microsoft.com/office/drawing/2014/main" id="{A9F36D19-4B51-0E91-F88A-94DB64337125}"/>
-              </a:ext>
-            </a:extLst>
-          </p:cNvPr>
-          <p:cNvSpPr txBox="1"/>
-          <p:nvPr/>
-        </p:nvSpPr>
-        <p:spPr>
-          <a:xfrm>
-            <a:off x="7842131" y="1919288"/>
-            <a:ext cx="2147832" cy="369332"/>
-          </a:xfrm>
-          <a:prstGeom prst="rect">
-            <a:avLst/>
-          </a:prstGeom>
-          <a:noFill/>
-        </p:spPr>
-        <p:txBody>
-          <a:bodyPr wrap="none" rtlCol="0">
-            <a:spAutoFit/>
-          </a:bodyPr>
-          <a:lstStyle/>
-          <a:p>
-            <a:r>
-              <a:rPr lang="en-US" dirty="0"/>
-              <a:t>Within no </a:t>
-            </a:r>
-            <a:r>
-              <a:rPr lang="en-US" dirty="0" err="1"/>
-              <a:t>irAE</a:t>
-            </a:r>
-            <a:r>
-              <a:rPr lang="en-US" dirty="0"/>
-              <a:t> group</a:t>
-            </a:r>
-          </a:p>
-        </p:txBody>
-      </p:sp>
-    </p:spTree>
-    <p:extLst>
-      <p:ext uri="{BB962C8B-B14F-4D97-AF65-F5344CB8AC3E}">
-        <p14:creationId xmlns:p14="http://schemas.microsoft.com/office/powerpoint/2010/main" val="3586049552"/>
       </p:ext>
     </p:extLst>
   </p:cSld>

--- a/linsley_postdoc/presentations/weekly_meetings/1_25_24.pptx
+++ b/linsley_postdoc/presentations/weekly_meetings/1_25_24.pptx
@@ -5,7 +5,7 @@
     <p:sldMasterId id="2147483648" r:id="rId1"/>
   </p:sldMasterIdLst>
   <p:notesMasterIdLst>
-    <p:notesMasterId r:id="rId18"/>
+    <p:notesMasterId r:id="rId17"/>
   </p:notesMasterIdLst>
   <p:sldIdLst>
     <p:sldId id="477" r:id="rId2"/>
@@ -21,9 +21,8 @@
     <p:sldId id="529" r:id="rId12"/>
     <p:sldId id="538" r:id="rId13"/>
     <p:sldId id="540" r:id="rId14"/>
-    <p:sldId id="539" r:id="rId15"/>
-    <p:sldId id="537" r:id="rId16"/>
-    <p:sldId id="519" r:id="rId17"/>
+    <p:sldId id="537" r:id="rId15"/>
+    <p:sldId id="519" r:id="rId16"/>
   </p:sldIdLst>
   <p:sldSz cx="12192000" cy="6858000"/>
   <p:notesSz cx="6858000" cy="9144000"/>
@@ -223,7 +222,7 @@
           <a:p>
             <a:fld id="{E933A773-0DCE-3544-BB67-D5FA58DF903C}" type="datetimeFigureOut">
               <a:rPr lang="en-US" smtClean="0"/>
-              <a:t>1/22/24</a:t>
+              <a:t>1/23/24</a:t>
             </a:fld>
             <a:endParaRPr lang="en-US"/>
           </a:p>
@@ -1014,362 +1013,6 @@
         <p:cNvPr id="1" name="">
           <a:extLst>
             <a:ext uri="{FF2B5EF4-FFF2-40B4-BE49-F238E27FC236}">
-              <a16:creationId xmlns:a16="http://schemas.microsoft.com/office/drawing/2014/main" id="{1844330A-7FF1-364A-CF25-240A05B4A98D}"/>
-            </a:ext>
-          </a:extLst>
-        </p:cNvPr>
-        <p:cNvGrpSpPr/>
-        <p:nvPr/>
-      </p:nvGrpSpPr>
-      <p:grpSpPr>
-        <a:xfrm>
-          <a:off x="0" y="0"/>
-          <a:ext cx="0" cy="0"/>
-          <a:chOff x="0" y="0"/>
-          <a:chExt cx="0" cy="0"/>
-        </a:xfrm>
-      </p:grpSpPr>
-      <p:sp>
-        <p:nvSpPr>
-          <p:cNvPr id="2" name="Slide Image Placeholder 1">
-            <a:extLst>
-              <a:ext uri="{FF2B5EF4-FFF2-40B4-BE49-F238E27FC236}">
-                <a16:creationId xmlns:a16="http://schemas.microsoft.com/office/drawing/2014/main" id="{064066E4-68C0-CEDF-6D0F-FBC7648661AD}"/>
-              </a:ext>
-            </a:extLst>
-          </p:cNvPr>
-          <p:cNvSpPr>
-            <a:spLocks noGrp="1" noRot="1" noChangeAspect="1"/>
-          </p:cNvSpPr>
-          <p:nvPr>
-            <p:ph type="sldImg"/>
-          </p:nvPr>
-        </p:nvSpPr>
-        <p:spPr/>
-      </p:sp>
-      <p:sp>
-        <p:nvSpPr>
-          <p:cNvPr id="3" name="Notes Placeholder 2">
-            <a:extLst>
-              <a:ext uri="{FF2B5EF4-FFF2-40B4-BE49-F238E27FC236}">
-                <a16:creationId xmlns:a16="http://schemas.microsoft.com/office/drawing/2014/main" id="{5530CA1E-01C4-2029-7474-697A898CBB41}"/>
-              </a:ext>
-            </a:extLst>
-          </p:cNvPr>
-          <p:cNvSpPr>
-            <a:spLocks noGrp="1"/>
-          </p:cNvSpPr>
-          <p:nvPr>
-            <p:ph type="body" idx="1"/>
-          </p:nvPr>
-        </p:nvSpPr>
-        <p:spPr/>
-        <p:txBody>
-          <a:bodyPr/>
-          <a:lstStyle/>
-          <a:p>
-            <a:r>
-              <a:rPr lang="en-US" b="0" dirty="0">
-                <a:solidFill>
-                  <a:srgbClr val="CCCCCC"/>
-                </a:solidFill>
-                <a:effectLst/>
-                <a:latin typeface="Menlo" panose="020B0609030804020204" pitchFamily="49" charset="0"/>
-              </a:rPr>
-              <a:t>myocarditis</a:t>
-            </a:r>
-          </a:p>
-          <a:p>
-            <a:r>
-              <a:rPr lang="en-US" b="0" dirty="0">
-                <a:solidFill>
-                  <a:srgbClr val="CCCCCC"/>
-                </a:solidFill>
-                <a:effectLst/>
-                <a:latin typeface="Menlo" panose="020B0609030804020204" pitchFamily="49" charset="0"/>
-              </a:rPr>
-              <a:t># </a:t>
-            </a:r>
-            <a:r>
-              <a:rPr lang="en-US" b="0" dirty="0" err="1">
-                <a:solidFill>
-                  <a:srgbClr val="CCCCCC"/>
-                </a:solidFill>
-                <a:effectLst/>
-                <a:latin typeface="Menlo" panose="020B0609030804020204" pitchFamily="49" charset="0"/>
-              </a:rPr>
-              <a:t>pgen</a:t>
-            </a:r>
-            <a:r>
-              <a:rPr lang="en-US" b="0" dirty="0">
-                <a:solidFill>
-                  <a:srgbClr val="CCCCCC"/>
-                </a:solidFill>
-                <a:effectLst/>
-                <a:latin typeface="Menlo" panose="020B0609030804020204" pitchFamily="49" charset="0"/>
-              </a:rPr>
-              <a:t> (TRA) </a:t>
-            </a:r>
-            <a:r>
-              <a:rPr lang="en-US" b="0" dirty="0" err="1">
-                <a:solidFill>
-                  <a:srgbClr val="CCCCCC"/>
-                </a:solidFill>
-                <a:effectLst/>
-                <a:latin typeface="Menlo" panose="020B0609030804020204" pitchFamily="49" charset="0"/>
-              </a:rPr>
-              <a:t>padj</a:t>
-            </a:r>
-            <a:r>
-              <a:rPr lang="en-US" b="0" dirty="0">
-                <a:solidFill>
-                  <a:srgbClr val="CCCCCC"/>
-                </a:solidFill>
-                <a:effectLst/>
-                <a:latin typeface="Menlo" panose="020B0609030804020204" pitchFamily="49" charset="0"/>
-              </a:rPr>
-              <a:t> </a:t>
-            </a:r>
-            <a:r>
-              <a:rPr lang="en-US" b="0" dirty="0" err="1">
-                <a:solidFill>
-                  <a:srgbClr val="CCCCCC"/>
-                </a:solidFill>
-                <a:effectLst/>
-                <a:latin typeface="Menlo" panose="020B0609030804020204" pitchFamily="49" charset="0"/>
-              </a:rPr>
-              <a:t>vals</a:t>
-            </a:r>
-            <a:endParaRPr lang="en-US" b="0" dirty="0">
-              <a:solidFill>
-                <a:srgbClr val="CCCCCC"/>
-              </a:solidFill>
-              <a:effectLst/>
-              <a:latin typeface="Menlo" panose="020B0609030804020204" pitchFamily="49" charset="0"/>
-            </a:endParaRPr>
-          </a:p>
-          <a:p>
-            <a:r>
-              <a:rPr lang="en-US" b="0" dirty="0">
-                <a:solidFill>
-                  <a:srgbClr val="CCCCCC"/>
-                </a:solidFill>
-                <a:effectLst/>
-                <a:latin typeface="Menlo" panose="020B0609030804020204" pitchFamily="49" charset="0"/>
-              </a:rPr>
-              <a:t># MAITs: 1.485e-13</a:t>
-            </a:r>
-          </a:p>
-          <a:p>
-            <a:r>
-              <a:rPr lang="en-US" b="0" dirty="0">
-                <a:solidFill>
-                  <a:srgbClr val="CCCCCC"/>
-                </a:solidFill>
-                <a:effectLst/>
-                <a:latin typeface="Menlo" panose="020B0609030804020204" pitchFamily="49" charset="0"/>
-              </a:rPr>
-              <a:t># CDR3 length (TRA): </a:t>
-            </a:r>
-            <a:r>
-              <a:rPr lang="en-US" b="0" dirty="0" err="1">
-                <a:solidFill>
-                  <a:srgbClr val="CCCCCC"/>
-                </a:solidFill>
-                <a:effectLst/>
-                <a:latin typeface="Menlo" panose="020B0609030804020204" pitchFamily="49" charset="0"/>
-              </a:rPr>
-              <a:t>padj</a:t>
-            </a:r>
-            <a:r>
-              <a:rPr lang="en-US" b="0" dirty="0">
-                <a:solidFill>
-                  <a:srgbClr val="CCCCCC"/>
-                </a:solidFill>
-                <a:effectLst/>
-                <a:latin typeface="Menlo" panose="020B0609030804020204" pitchFamily="49" charset="0"/>
-              </a:rPr>
-              <a:t> </a:t>
-            </a:r>
-            <a:r>
-              <a:rPr lang="en-US" b="0" dirty="0" err="1">
-                <a:solidFill>
-                  <a:srgbClr val="CCCCCC"/>
-                </a:solidFill>
-                <a:effectLst/>
-                <a:latin typeface="Menlo" panose="020B0609030804020204" pitchFamily="49" charset="0"/>
-              </a:rPr>
-              <a:t>vals</a:t>
-            </a:r>
-            <a:r>
-              <a:rPr lang="en-US" b="0" dirty="0">
-                <a:solidFill>
-                  <a:srgbClr val="CCCCCC"/>
-                </a:solidFill>
-                <a:effectLst/>
-                <a:latin typeface="Menlo" panose="020B0609030804020204" pitchFamily="49" charset="0"/>
-              </a:rPr>
-              <a:t> (adjusted within 5 cell types I tested for this feature for TRA)</a:t>
-            </a:r>
-          </a:p>
-          <a:p>
-            <a:r>
-              <a:rPr lang="en-US" b="0" dirty="0">
-                <a:solidFill>
-                  <a:srgbClr val="CCCCCC"/>
-                </a:solidFill>
-                <a:effectLst/>
-                <a:latin typeface="Menlo" panose="020B0609030804020204" pitchFamily="49" charset="0"/>
-              </a:rPr>
-              <a:t># MAITs: 8.52e-12</a:t>
-            </a:r>
-          </a:p>
-          <a:p>
-            <a:endParaRPr lang="en-US" b="0" dirty="0">
-              <a:solidFill>
-                <a:srgbClr val="CCCCCC"/>
-              </a:solidFill>
-              <a:effectLst/>
-              <a:latin typeface="Menlo" panose="020B0609030804020204" pitchFamily="49" charset="0"/>
-            </a:endParaRPr>
-          </a:p>
-          <a:p>
-            <a:r>
-              <a:rPr lang="en-US" b="0" dirty="0">
-                <a:solidFill>
-                  <a:srgbClr val="CCCCCC"/>
-                </a:solidFill>
-                <a:effectLst/>
-                <a:latin typeface="Menlo" panose="020B0609030804020204" pitchFamily="49" charset="0"/>
-              </a:rPr>
-              <a:t>Colitis:</a:t>
-            </a:r>
-          </a:p>
-          <a:p>
-            <a:r>
-              <a:rPr lang="en-US" b="0" dirty="0">
-                <a:solidFill>
-                  <a:srgbClr val="CCCCCC"/>
-                </a:solidFill>
-                <a:effectLst/>
-                <a:latin typeface="Menlo" panose="020B0609030804020204" pitchFamily="49" charset="0"/>
-              </a:rPr>
-              <a:t># cdr3 </a:t>
-            </a:r>
-            <a:r>
-              <a:rPr lang="en-US" b="0" dirty="0" err="1">
-                <a:solidFill>
-                  <a:srgbClr val="CCCCCC"/>
-                </a:solidFill>
-                <a:effectLst/>
-                <a:latin typeface="Menlo" panose="020B0609030804020204" pitchFamily="49" charset="0"/>
-              </a:rPr>
-              <a:t>pgen</a:t>
-            </a:r>
-            <a:r>
-              <a:rPr lang="en-US" b="0" dirty="0">
-                <a:solidFill>
-                  <a:srgbClr val="CCCCCC"/>
-                </a:solidFill>
-                <a:effectLst/>
-                <a:latin typeface="Menlo" panose="020B0609030804020204" pitchFamily="49" charset="0"/>
-              </a:rPr>
-              <a:t> TRA </a:t>
-            </a:r>
-            <a:r>
-              <a:rPr lang="en-US" b="0" dirty="0" err="1">
-                <a:solidFill>
-                  <a:srgbClr val="CCCCCC"/>
-                </a:solidFill>
-                <a:effectLst/>
-                <a:latin typeface="Menlo" panose="020B0609030804020204" pitchFamily="49" charset="0"/>
-              </a:rPr>
-              <a:t>padj</a:t>
-            </a:r>
-            <a:endParaRPr lang="en-US" b="0" dirty="0">
-              <a:solidFill>
-                <a:srgbClr val="CCCCCC"/>
-              </a:solidFill>
-              <a:effectLst/>
-              <a:latin typeface="Menlo" panose="020B0609030804020204" pitchFamily="49" charset="0"/>
-            </a:endParaRPr>
-          </a:p>
-          <a:p>
-            <a:r>
-              <a:rPr lang="en-US" b="0" dirty="0">
-                <a:solidFill>
-                  <a:srgbClr val="CCCCCC"/>
-                </a:solidFill>
-                <a:effectLst/>
-                <a:latin typeface="Menlo" panose="020B0609030804020204" pitchFamily="49" charset="0"/>
-              </a:rPr>
-              <a:t># MAIT: 6.635000e-13</a:t>
-            </a:r>
-          </a:p>
-          <a:p>
-            <a:r>
-              <a:rPr lang="en-US" b="0" dirty="0">
-                <a:solidFill>
-                  <a:srgbClr val="CCCCCC"/>
-                </a:solidFill>
-                <a:effectLst/>
-                <a:latin typeface="Menlo" panose="020B0609030804020204" pitchFamily="49" charset="0"/>
-              </a:rPr>
-              <a:t># cdr3 length # MAIT: 2.3965e-10</a:t>
-            </a:r>
-          </a:p>
-        </p:txBody>
-      </p:sp>
-      <p:sp>
-        <p:nvSpPr>
-          <p:cNvPr id="4" name="Slide Number Placeholder 3">
-            <a:extLst>
-              <a:ext uri="{FF2B5EF4-FFF2-40B4-BE49-F238E27FC236}">
-                <a16:creationId xmlns:a16="http://schemas.microsoft.com/office/drawing/2014/main" id="{3D9AD248-AA76-7147-3679-2FB3FFDAD259}"/>
-              </a:ext>
-            </a:extLst>
-          </p:cNvPr>
-          <p:cNvSpPr>
-            <a:spLocks noGrp="1"/>
-          </p:cNvSpPr>
-          <p:nvPr>
-            <p:ph type="sldNum" sz="quarter" idx="5"/>
-          </p:nvPr>
-        </p:nvSpPr>
-        <p:spPr/>
-        <p:txBody>
-          <a:bodyPr/>
-          <a:lstStyle/>
-          <a:p>
-            <a:fld id="{061BAA8C-FDC6-D345-B4E0-3B02449209FB}" type="slidenum">
-              <a:rPr lang="en-US" smtClean="0"/>
-              <a:t>14</a:t>
-            </a:fld>
-            <a:endParaRPr lang="en-US"/>
-          </a:p>
-        </p:txBody>
-      </p:sp>
-    </p:spTree>
-    <p:extLst>
-      <p:ext uri="{BB962C8B-B14F-4D97-AF65-F5344CB8AC3E}">
-        <p14:creationId xmlns:p14="http://schemas.microsoft.com/office/powerpoint/2010/main" val="3203978592"/>
-      </p:ext>
-    </p:extLst>
-  </p:cSld>
-  <p:clrMapOvr>
-    <a:masterClrMapping/>
-  </p:clrMapOvr>
-</p:notes>
-</file>
-
-<file path=ppt/notesSlides/notesSlide15.xml><?xml version="1.0" encoding="utf-8"?>
-<p:notes xmlns:a="http://schemas.openxmlformats.org/drawingml/2006/main" xmlns:r="http://schemas.openxmlformats.org/officeDocument/2006/relationships" xmlns:p="http://schemas.openxmlformats.org/presentationml/2006/main">
-  <p:cSld>
-    <p:spTree>
-      <p:nvGrpSpPr>
-        <p:cNvPr id="1" name="">
-          <a:extLst>
-            <a:ext uri="{FF2B5EF4-FFF2-40B4-BE49-F238E27FC236}">
               <a16:creationId xmlns:a16="http://schemas.microsoft.com/office/drawing/2014/main" id="{54C3023A-E880-4D03-E198-2A4032A8DF2F}"/>
             </a:ext>
           </a:extLst>
@@ -1457,7 +1100,7 @@
           <a:p>
             <a:fld id="{061BAA8C-FDC6-D345-B4E0-3B02449209FB}" type="slidenum">
               <a:rPr lang="en-US" smtClean="0"/>
-              <a:t>15</a:t>
+              <a:t>14</a:t>
             </a:fld>
             <a:endParaRPr lang="en-US"/>
           </a:p>
@@ -1476,7 +1119,7 @@
 </p:notes>
 </file>
 
-<file path=ppt/notesSlides/notesSlide16.xml><?xml version="1.0" encoding="utf-8"?>
+<file path=ppt/notesSlides/notesSlide15.xml><?xml version="1.0" encoding="utf-8"?>
 <p:notes xmlns:a="http://schemas.openxmlformats.org/drawingml/2006/main" xmlns:r="http://schemas.openxmlformats.org/officeDocument/2006/relationships" xmlns:p="http://schemas.openxmlformats.org/presentationml/2006/main">
   <p:cSld>
     <p:spTree>
@@ -1547,7 +1190,7 @@
           <a:p>
             <a:fld id="{061BAA8C-FDC6-D345-B4E0-3B02449209FB}" type="slidenum">
               <a:rPr lang="en-US" smtClean="0"/>
-              <a:t>16</a:t>
+              <a:t>15</a:t>
             </a:fld>
             <a:endParaRPr lang="en-US"/>
           </a:p>
@@ -2690,7 +2333,7 @@
           <a:p>
             <a:fld id="{80FC6068-BAFB-FC44-B9D8-F4B3BB105DE6}" type="datetimeFigureOut">
               <a:rPr lang="en-US" smtClean="0"/>
-              <a:t>1/22/24</a:t>
+              <a:t>1/23/24</a:t>
             </a:fld>
             <a:endParaRPr lang="en-US"/>
           </a:p>
@@ -2888,7 +2531,7 @@
           <a:p>
             <a:fld id="{80FC6068-BAFB-FC44-B9D8-F4B3BB105DE6}" type="datetimeFigureOut">
               <a:rPr lang="en-US" smtClean="0"/>
-              <a:t>1/22/24</a:t>
+              <a:t>1/23/24</a:t>
             </a:fld>
             <a:endParaRPr lang="en-US"/>
           </a:p>
@@ -3096,7 +2739,7 @@
           <a:p>
             <a:fld id="{80FC6068-BAFB-FC44-B9D8-F4B3BB105DE6}" type="datetimeFigureOut">
               <a:rPr lang="en-US" smtClean="0"/>
-              <a:t>1/22/24</a:t>
+              <a:t>1/23/24</a:t>
             </a:fld>
             <a:endParaRPr lang="en-US"/>
           </a:p>
@@ -3300,7 +2943,7 @@
           <a:p>
             <a:fld id="{80FC6068-BAFB-FC44-B9D8-F4B3BB105DE6}" type="datetimeFigureOut">
               <a:rPr lang="en-US" smtClean="0"/>
-              <a:t>1/22/24</a:t>
+              <a:t>1/23/24</a:t>
             </a:fld>
             <a:endParaRPr lang="en-US"/>
           </a:p>
@@ -3591,7 +3234,7 @@
           <a:p>
             <a:fld id="{80FC6068-BAFB-FC44-B9D8-F4B3BB105DE6}" type="datetimeFigureOut">
               <a:rPr lang="en-US" smtClean="0"/>
-              <a:t>1/22/24</a:t>
+              <a:t>1/23/24</a:t>
             </a:fld>
             <a:endParaRPr lang="en-US"/>
           </a:p>
@@ -3856,7 +3499,7 @@
           <a:p>
             <a:fld id="{80FC6068-BAFB-FC44-B9D8-F4B3BB105DE6}" type="datetimeFigureOut">
               <a:rPr lang="en-US" smtClean="0"/>
-              <a:t>1/22/24</a:t>
+              <a:t>1/23/24</a:t>
             </a:fld>
             <a:endParaRPr lang="en-US"/>
           </a:p>
@@ -4268,7 +3911,7 @@
           <a:p>
             <a:fld id="{80FC6068-BAFB-FC44-B9D8-F4B3BB105DE6}" type="datetimeFigureOut">
               <a:rPr lang="en-US" smtClean="0"/>
-              <a:t>1/22/24</a:t>
+              <a:t>1/23/24</a:t>
             </a:fld>
             <a:endParaRPr lang="en-US"/>
           </a:p>
@@ -4409,7 +4052,7 @@
           <a:p>
             <a:fld id="{80FC6068-BAFB-FC44-B9D8-F4B3BB105DE6}" type="datetimeFigureOut">
               <a:rPr lang="en-US" smtClean="0"/>
-              <a:t>1/22/24</a:t>
+              <a:t>1/23/24</a:t>
             </a:fld>
             <a:endParaRPr lang="en-US"/>
           </a:p>
@@ -4522,7 +4165,7 @@
           <a:p>
             <a:fld id="{80FC6068-BAFB-FC44-B9D8-F4B3BB105DE6}" type="datetimeFigureOut">
               <a:rPr lang="en-US" smtClean="0"/>
-              <a:t>1/22/24</a:t>
+              <a:t>1/23/24</a:t>
             </a:fld>
             <a:endParaRPr lang="en-US"/>
           </a:p>
@@ -4833,7 +4476,7 @@
           <a:p>
             <a:fld id="{80FC6068-BAFB-FC44-B9D8-F4B3BB105DE6}" type="datetimeFigureOut">
               <a:rPr lang="en-US" smtClean="0"/>
-              <a:t>1/22/24</a:t>
+              <a:t>1/23/24</a:t>
             </a:fld>
             <a:endParaRPr lang="en-US"/>
           </a:p>
@@ -5121,7 +4764,7 @@
           <a:p>
             <a:fld id="{80FC6068-BAFB-FC44-B9D8-F4B3BB105DE6}" type="datetimeFigureOut">
               <a:rPr lang="en-US" smtClean="0"/>
-              <a:t>1/22/24</a:t>
+              <a:t>1/23/24</a:t>
             </a:fld>
             <a:endParaRPr lang="en-US"/>
           </a:p>
@@ -5362,7 +5005,7 @@
           <a:p>
             <a:fld id="{80FC6068-BAFB-FC44-B9D8-F4B3BB105DE6}" type="datetimeFigureOut">
               <a:rPr lang="en-US" smtClean="0"/>
-              <a:t>1/22/24</a:t>
+              <a:t>1/23/24</a:t>
             </a:fld>
             <a:endParaRPr lang="en-US"/>
           </a:p>
@@ -6842,508 +6485,6 @@
         <p:cNvPr id="1" name="">
           <a:extLst>
             <a:ext uri="{FF2B5EF4-FFF2-40B4-BE49-F238E27FC236}">
-              <a16:creationId xmlns:a16="http://schemas.microsoft.com/office/drawing/2014/main" id="{1C13A064-F69B-7C91-18A1-FEF919C3F44F}"/>
-            </a:ext>
-          </a:extLst>
-        </p:cNvPr>
-        <p:cNvGrpSpPr/>
-        <p:nvPr/>
-      </p:nvGrpSpPr>
-      <p:grpSpPr>
-        <a:xfrm>
-          <a:off x="0" y="0"/>
-          <a:ext cx="0" cy="0"/>
-          <a:chOff x="0" y="0"/>
-          <a:chExt cx="0" cy="0"/>
-        </a:xfrm>
-      </p:grpSpPr>
-      <p:sp>
-        <p:nvSpPr>
-          <p:cNvPr id="2" name="Title 1">
-            <a:extLst>
-              <a:ext uri="{FF2B5EF4-FFF2-40B4-BE49-F238E27FC236}">
-                <a16:creationId xmlns:a16="http://schemas.microsoft.com/office/drawing/2014/main" id="{063155B8-D537-4257-7CF1-3D525083DE2C}"/>
-              </a:ext>
-            </a:extLst>
-          </p:cNvPr>
-          <p:cNvSpPr>
-            <a:spLocks noGrp="1"/>
-          </p:cNvSpPr>
-          <p:nvPr>
-            <p:ph type="title"/>
-          </p:nvPr>
-        </p:nvSpPr>
-        <p:spPr>
-          <a:xfrm>
-            <a:off x="838200" y="593725"/>
-            <a:ext cx="10515600" cy="1325563"/>
-          </a:xfrm>
-        </p:spPr>
-        <p:txBody>
-          <a:bodyPr>
-            <a:normAutofit fontScale="90000"/>
-          </a:bodyPr>
-          <a:lstStyle/>
-          <a:p>
-            <a:r>
-              <a:rPr lang="en-US" dirty="0"/>
-              <a:t>In both datasets, MAITs (less abundant in </a:t>
-            </a:r>
-            <a:r>
-              <a:rPr lang="en-US" dirty="0" err="1"/>
-              <a:t>irAE</a:t>
-            </a:r>
-            <a:r>
-              <a:rPr lang="en-US" dirty="0"/>
-              <a:t> colitis tissue) have shorter TRA CDR3s and more germline-like TRA chains vs. other cell types</a:t>
-            </a:r>
-          </a:p>
-        </p:txBody>
-      </p:sp>
-      <p:pic>
-        <p:nvPicPr>
-          <p:cNvPr id="5" name="Picture 4">
-            <a:extLst>
-              <a:ext uri="{FF2B5EF4-FFF2-40B4-BE49-F238E27FC236}">
-                <a16:creationId xmlns:a16="http://schemas.microsoft.com/office/drawing/2014/main" id="{EA658282-7C3A-F7DE-0F61-D456D10E44D0}"/>
-              </a:ext>
-            </a:extLst>
-          </p:cNvPr>
-          <p:cNvPicPr>
-            <a:picLocks noChangeAspect="1"/>
-          </p:cNvPicPr>
-          <p:nvPr/>
-        </p:nvPicPr>
-        <p:blipFill>
-          <a:blip r:embed="rId3"/>
-          <a:stretch>
-            <a:fillRect/>
-          </a:stretch>
-        </p:blipFill>
-        <p:spPr>
-          <a:xfrm>
-            <a:off x="7088524" y="2164308"/>
-            <a:ext cx="3892755" cy="2286924"/>
-          </a:xfrm>
-          <a:prstGeom prst="rect">
-            <a:avLst/>
-          </a:prstGeom>
-        </p:spPr>
-      </p:pic>
-      <p:pic>
-        <p:nvPicPr>
-          <p:cNvPr id="11" name="Picture 10">
-            <a:extLst>
-              <a:ext uri="{FF2B5EF4-FFF2-40B4-BE49-F238E27FC236}">
-                <a16:creationId xmlns:a16="http://schemas.microsoft.com/office/drawing/2014/main" id="{13FB0F50-9D30-82F9-30E4-C05F7874A8CD}"/>
-              </a:ext>
-            </a:extLst>
-          </p:cNvPr>
-          <p:cNvPicPr>
-            <a:picLocks noChangeAspect="1"/>
-          </p:cNvPicPr>
-          <p:nvPr/>
-        </p:nvPicPr>
-        <p:blipFill>
-          <a:blip r:embed="rId4"/>
-          <a:stretch>
-            <a:fillRect/>
-          </a:stretch>
-        </p:blipFill>
-        <p:spPr>
-          <a:xfrm>
-            <a:off x="1104183" y="2164307"/>
-            <a:ext cx="3750347" cy="2286924"/>
-          </a:xfrm>
-          <a:prstGeom prst="rect">
-            <a:avLst/>
-          </a:prstGeom>
-        </p:spPr>
-      </p:pic>
-      <p:sp>
-        <p:nvSpPr>
-          <p:cNvPr id="14" name="TextBox 13">
-            <a:extLst>
-              <a:ext uri="{FF2B5EF4-FFF2-40B4-BE49-F238E27FC236}">
-                <a16:creationId xmlns:a16="http://schemas.microsoft.com/office/drawing/2014/main" id="{62ED1322-3B07-D100-6671-50A4DF768197}"/>
-              </a:ext>
-            </a:extLst>
-          </p:cNvPr>
-          <p:cNvSpPr txBox="1"/>
-          <p:nvPr/>
-        </p:nvSpPr>
-        <p:spPr>
-          <a:xfrm>
-            <a:off x="2839075" y="2656934"/>
-            <a:ext cx="646331" cy="369332"/>
-          </a:xfrm>
-          <a:prstGeom prst="rect">
-            <a:avLst/>
-          </a:prstGeom>
-          <a:noFill/>
-        </p:spPr>
-        <p:txBody>
-          <a:bodyPr wrap="none" rtlCol="0">
-            <a:spAutoFit/>
-          </a:bodyPr>
-          <a:lstStyle/>
-          <a:p>
-            <a:r>
-              <a:rPr lang="en-US" dirty="0"/>
-              <a:t>****</a:t>
-            </a:r>
-          </a:p>
-        </p:txBody>
-      </p:sp>
-      <p:sp>
-        <p:nvSpPr>
-          <p:cNvPr id="15" name="TextBox 14">
-            <a:extLst>
-              <a:ext uri="{FF2B5EF4-FFF2-40B4-BE49-F238E27FC236}">
-                <a16:creationId xmlns:a16="http://schemas.microsoft.com/office/drawing/2014/main" id="{C57714AE-FF97-139E-0DFD-DB3B30768366}"/>
-              </a:ext>
-            </a:extLst>
-          </p:cNvPr>
-          <p:cNvSpPr txBox="1"/>
-          <p:nvPr/>
-        </p:nvSpPr>
-        <p:spPr>
-          <a:xfrm>
-            <a:off x="8926450" y="2656934"/>
-            <a:ext cx="646331" cy="369332"/>
-          </a:xfrm>
-          <a:prstGeom prst="rect">
-            <a:avLst/>
-          </a:prstGeom>
-          <a:noFill/>
-        </p:spPr>
-        <p:txBody>
-          <a:bodyPr wrap="none" rtlCol="0">
-            <a:spAutoFit/>
-          </a:bodyPr>
-          <a:lstStyle/>
-          <a:p>
-            <a:r>
-              <a:rPr lang="en-US" dirty="0"/>
-              <a:t>****</a:t>
-            </a:r>
-          </a:p>
-        </p:txBody>
-      </p:sp>
-      <p:sp>
-        <p:nvSpPr>
-          <p:cNvPr id="3" name="TextBox 2">
-            <a:extLst>
-              <a:ext uri="{FF2B5EF4-FFF2-40B4-BE49-F238E27FC236}">
-                <a16:creationId xmlns:a16="http://schemas.microsoft.com/office/drawing/2014/main" id="{7840F41E-1FA4-7271-71DD-BE76F8F85878}"/>
-              </a:ext>
-            </a:extLst>
-          </p:cNvPr>
-          <p:cNvSpPr txBox="1"/>
-          <p:nvPr/>
-        </p:nvSpPr>
-        <p:spPr>
-          <a:xfrm>
-            <a:off x="4854530" y="3014920"/>
-            <a:ext cx="2031838" cy="369332"/>
-          </a:xfrm>
-          <a:prstGeom prst="rect">
-            <a:avLst/>
-          </a:prstGeom>
-          <a:noFill/>
-        </p:spPr>
-        <p:txBody>
-          <a:bodyPr wrap="none" rtlCol="0">
-            <a:spAutoFit/>
-          </a:bodyPr>
-          <a:lstStyle/>
-          <a:p>
-            <a:r>
-              <a:rPr lang="en-US" dirty="0"/>
-              <a:t>Myocarditis dataset</a:t>
-            </a:r>
-          </a:p>
-        </p:txBody>
-      </p:sp>
-      <p:pic>
-        <p:nvPicPr>
-          <p:cNvPr id="6" name="Picture 5">
-            <a:extLst>
-              <a:ext uri="{FF2B5EF4-FFF2-40B4-BE49-F238E27FC236}">
-                <a16:creationId xmlns:a16="http://schemas.microsoft.com/office/drawing/2014/main" id="{D4161804-77D3-9D9A-3597-79459E624AE6}"/>
-              </a:ext>
-            </a:extLst>
-          </p:cNvPr>
-          <p:cNvPicPr>
-            <a:picLocks noChangeAspect="1"/>
-          </p:cNvPicPr>
-          <p:nvPr/>
-        </p:nvPicPr>
-        <p:blipFill>
-          <a:blip r:embed="rId5"/>
-          <a:stretch>
-            <a:fillRect/>
-          </a:stretch>
-        </p:blipFill>
-        <p:spPr>
-          <a:xfrm>
-            <a:off x="1104183" y="4451231"/>
-            <a:ext cx="3750347" cy="2269250"/>
-          </a:xfrm>
-          <a:prstGeom prst="rect">
-            <a:avLst/>
-          </a:prstGeom>
-        </p:spPr>
-      </p:pic>
-      <p:pic>
-        <p:nvPicPr>
-          <p:cNvPr id="9" name="Picture 8">
-            <a:extLst>
-              <a:ext uri="{FF2B5EF4-FFF2-40B4-BE49-F238E27FC236}">
-                <a16:creationId xmlns:a16="http://schemas.microsoft.com/office/drawing/2014/main" id="{A3B09C03-4022-8770-B672-5740164FD967}"/>
-              </a:ext>
-            </a:extLst>
-          </p:cNvPr>
-          <p:cNvPicPr>
-            <a:picLocks noChangeAspect="1"/>
-          </p:cNvPicPr>
-          <p:nvPr/>
-        </p:nvPicPr>
-        <p:blipFill>
-          <a:blip r:embed="rId6"/>
-          <a:stretch>
-            <a:fillRect/>
-          </a:stretch>
-        </p:blipFill>
-        <p:spPr>
-          <a:xfrm>
-            <a:off x="7088524" y="4451231"/>
-            <a:ext cx="3579963" cy="2210855"/>
-          </a:xfrm>
-          <a:prstGeom prst="rect">
-            <a:avLst/>
-          </a:prstGeom>
-        </p:spPr>
-      </p:pic>
-      <p:sp>
-        <p:nvSpPr>
-          <p:cNvPr id="13" name="TextBox 12">
-            <a:extLst>
-              <a:ext uri="{FF2B5EF4-FFF2-40B4-BE49-F238E27FC236}">
-                <a16:creationId xmlns:a16="http://schemas.microsoft.com/office/drawing/2014/main" id="{2EBF5772-AD2F-D59A-EE01-B46E42DEB8B8}"/>
-              </a:ext>
-            </a:extLst>
-          </p:cNvPr>
-          <p:cNvSpPr txBox="1"/>
-          <p:nvPr/>
-        </p:nvSpPr>
-        <p:spPr>
-          <a:xfrm>
-            <a:off x="3598626" y="6479509"/>
-            <a:ext cx="7382653" cy="369332"/>
-          </a:xfrm>
-          <a:prstGeom prst="rect">
-            <a:avLst/>
-          </a:prstGeom>
-          <a:noFill/>
-        </p:spPr>
-        <p:txBody>
-          <a:bodyPr wrap="square" rtlCol="0">
-            <a:spAutoFit/>
-          </a:bodyPr>
-          <a:lstStyle/>
-          <a:p>
-            <a:r>
-              <a:rPr lang="en-US" sz="1800" dirty="0">
-                <a:effectLst/>
-                <a:ea typeface="Calibri" panose="020F0502020204030204" pitchFamily="34" charset="0"/>
-                <a:cs typeface="Times New Roman" panose="02020603050405020304" pitchFamily="18" charset="0"/>
-              </a:rPr>
-              <a:t>Wilcox rank sum test: ****; </a:t>
-            </a:r>
-            <a:r>
-              <a:rPr lang="en-US" sz="1800" dirty="0" err="1">
-                <a:effectLst/>
-                <a:ea typeface="Calibri" panose="020F0502020204030204" pitchFamily="34" charset="0"/>
-                <a:cs typeface="Times New Roman" panose="02020603050405020304" pitchFamily="18" charset="0"/>
-              </a:rPr>
-              <a:t>padj</a:t>
-            </a:r>
-            <a:r>
-              <a:rPr lang="en-US" sz="1800" dirty="0">
-                <a:effectLst/>
-                <a:ea typeface="Calibri" panose="020F0502020204030204" pitchFamily="34" charset="0"/>
-                <a:cs typeface="Times New Roman" panose="02020603050405020304" pitchFamily="18" charset="0"/>
-              </a:rPr>
-              <a:t> &lt; 1e-4, **; </a:t>
-            </a:r>
-            <a:r>
-              <a:rPr lang="en-US" sz="1800" dirty="0" err="1">
-                <a:effectLst/>
-                <a:ea typeface="Calibri" panose="020F0502020204030204" pitchFamily="34" charset="0"/>
-                <a:cs typeface="Times New Roman" panose="02020603050405020304" pitchFamily="18" charset="0"/>
-              </a:rPr>
-              <a:t>padj</a:t>
-            </a:r>
-            <a:r>
-              <a:rPr lang="en-US" sz="1800" dirty="0">
-                <a:effectLst/>
-                <a:ea typeface="Calibri" panose="020F0502020204030204" pitchFamily="34" charset="0"/>
-                <a:cs typeface="Times New Roman" panose="02020603050405020304" pitchFamily="18" charset="0"/>
-              </a:rPr>
-              <a:t> &lt;1e-2, *; </a:t>
-            </a:r>
-            <a:r>
-              <a:rPr lang="en-US" sz="1800" dirty="0" err="1">
-                <a:effectLst/>
-                <a:ea typeface="Calibri" panose="020F0502020204030204" pitchFamily="34" charset="0"/>
-                <a:cs typeface="Times New Roman" panose="02020603050405020304" pitchFamily="18" charset="0"/>
-              </a:rPr>
-              <a:t>padj</a:t>
-            </a:r>
-            <a:r>
-              <a:rPr lang="en-US" sz="1800" dirty="0">
-                <a:effectLst/>
-                <a:ea typeface="Calibri" panose="020F0502020204030204" pitchFamily="34" charset="0"/>
-                <a:cs typeface="Times New Roman" panose="02020603050405020304" pitchFamily="18" charset="0"/>
-              </a:rPr>
-              <a:t> &lt;0.05</a:t>
-            </a:r>
-            <a:endParaRPr lang="en-US" sz="1800" b="0" i="0" u="none" strike="noStrike" dirty="0">
-              <a:solidFill>
-                <a:srgbClr val="212121"/>
-              </a:solidFill>
-              <a:effectLst/>
-            </a:endParaRPr>
-          </a:p>
-        </p:txBody>
-      </p:sp>
-      <p:sp>
-        <p:nvSpPr>
-          <p:cNvPr id="10" name="TextBox 9">
-            <a:extLst>
-              <a:ext uri="{FF2B5EF4-FFF2-40B4-BE49-F238E27FC236}">
-                <a16:creationId xmlns:a16="http://schemas.microsoft.com/office/drawing/2014/main" id="{A18F866A-1864-ABA2-1E41-0A2D382EF254}"/>
-              </a:ext>
-            </a:extLst>
-          </p:cNvPr>
-          <p:cNvSpPr txBox="1"/>
-          <p:nvPr/>
-        </p:nvSpPr>
-        <p:spPr>
-          <a:xfrm>
-            <a:off x="2758562" y="4922690"/>
-            <a:ext cx="646331" cy="369332"/>
-          </a:xfrm>
-          <a:prstGeom prst="rect">
-            <a:avLst/>
-          </a:prstGeom>
-          <a:noFill/>
-        </p:spPr>
-        <p:txBody>
-          <a:bodyPr wrap="none" rtlCol="0">
-            <a:spAutoFit/>
-          </a:bodyPr>
-          <a:lstStyle/>
-          <a:p>
-            <a:r>
-              <a:rPr lang="en-US" dirty="0"/>
-              <a:t>****</a:t>
-            </a:r>
-          </a:p>
-        </p:txBody>
-      </p:sp>
-      <p:sp>
-        <p:nvSpPr>
-          <p:cNvPr id="12" name="TextBox 11">
-            <a:extLst>
-              <a:ext uri="{FF2B5EF4-FFF2-40B4-BE49-F238E27FC236}">
-                <a16:creationId xmlns:a16="http://schemas.microsoft.com/office/drawing/2014/main" id="{04A19F14-EDBC-FB2D-CA37-A3C0076FF22D}"/>
-              </a:ext>
-            </a:extLst>
-          </p:cNvPr>
-          <p:cNvSpPr txBox="1"/>
-          <p:nvPr/>
-        </p:nvSpPr>
-        <p:spPr>
-          <a:xfrm>
-            <a:off x="8845937" y="4922690"/>
-            <a:ext cx="646331" cy="369332"/>
-          </a:xfrm>
-          <a:prstGeom prst="rect">
-            <a:avLst/>
-          </a:prstGeom>
-          <a:noFill/>
-        </p:spPr>
-        <p:txBody>
-          <a:bodyPr wrap="none" rtlCol="0">
-            <a:spAutoFit/>
-          </a:bodyPr>
-          <a:lstStyle/>
-          <a:p>
-            <a:r>
-              <a:rPr lang="en-US" dirty="0"/>
-              <a:t>****</a:t>
-            </a:r>
-          </a:p>
-        </p:txBody>
-      </p:sp>
-      <p:sp>
-        <p:nvSpPr>
-          <p:cNvPr id="16" name="TextBox 15">
-            <a:extLst>
-              <a:ext uri="{FF2B5EF4-FFF2-40B4-BE49-F238E27FC236}">
-                <a16:creationId xmlns:a16="http://schemas.microsoft.com/office/drawing/2014/main" id="{2F1610E9-AFD3-C2AA-E324-7C841D0AF588}"/>
-              </a:ext>
-            </a:extLst>
-          </p:cNvPr>
-          <p:cNvSpPr txBox="1"/>
-          <p:nvPr/>
-        </p:nvSpPr>
-        <p:spPr>
-          <a:xfrm>
-            <a:off x="5160208" y="5218548"/>
-            <a:ext cx="1504194" cy="369332"/>
-          </a:xfrm>
-          <a:prstGeom prst="rect">
-            <a:avLst/>
-          </a:prstGeom>
-          <a:noFill/>
-        </p:spPr>
-        <p:txBody>
-          <a:bodyPr wrap="none" rtlCol="0">
-            <a:spAutoFit/>
-          </a:bodyPr>
-          <a:lstStyle/>
-          <a:p>
-            <a:r>
-              <a:rPr lang="en-US" dirty="0"/>
-              <a:t>Colitis dataset</a:t>
-            </a:r>
-          </a:p>
-        </p:txBody>
-      </p:sp>
-    </p:spTree>
-    <p:extLst>
-      <p:ext uri="{BB962C8B-B14F-4D97-AF65-F5344CB8AC3E}">
-        <p14:creationId xmlns:p14="http://schemas.microsoft.com/office/powerpoint/2010/main" val="3066924138"/>
-      </p:ext>
-    </p:extLst>
-  </p:cSld>
-  <p:clrMapOvr>
-    <a:masterClrMapping/>
-  </p:clrMapOvr>
-</p:sld>
-</file>
-
-<file path=ppt/slides/slide15.xml><?xml version="1.0" encoding="utf-8"?>
-<p:sld xmlns:a="http://schemas.openxmlformats.org/drawingml/2006/main" xmlns:r="http://schemas.openxmlformats.org/officeDocument/2006/relationships" xmlns:p="http://schemas.openxmlformats.org/presentationml/2006/main">
-  <p:cSld>
-    <p:spTree>
-      <p:nvGrpSpPr>
-        <p:cNvPr id="1" name="">
-          <a:extLst>
-            <a:ext uri="{FF2B5EF4-FFF2-40B4-BE49-F238E27FC236}">
               <a16:creationId xmlns:a16="http://schemas.microsoft.com/office/drawing/2014/main" id="{25BA7485-5134-57B4-AE17-2D77A9EBFA6A}"/>
             </a:ext>
           </a:extLst>
@@ -7439,7 +6580,7 @@
 </p:sld>
 </file>
 
-<file path=ppt/slides/slide16.xml><?xml version="1.0" encoding="utf-8"?>
+<file path=ppt/slides/slide15.xml><?xml version="1.0" encoding="utf-8"?>
 <p:sld xmlns:a="http://schemas.openxmlformats.org/drawingml/2006/main" xmlns:r="http://schemas.openxmlformats.org/officeDocument/2006/relationships" xmlns:p="http://schemas.openxmlformats.org/presentationml/2006/main">
   <p:cSld>
     <p:spTree>
